--- a/台灣旅遊地圖-00757108+00757128.pptx
+++ b/台灣旅遊地圖-00757108+00757128.pptx
@@ -7,13 +7,18 @@
   <p:sldIdLst>
     <p:sldId id="256" r:id="rId2"/>
     <p:sldId id="266" r:id="rId3"/>
-    <p:sldId id="257" r:id="rId4"/>
-    <p:sldId id="258" r:id="rId5"/>
-    <p:sldId id="259" r:id="rId6"/>
-    <p:sldId id="260" r:id="rId7"/>
-    <p:sldId id="261" r:id="rId8"/>
-    <p:sldId id="262" r:id="rId9"/>
-    <p:sldId id="263" r:id="rId10"/>
+    <p:sldId id="261" r:id="rId4"/>
+    <p:sldId id="272" r:id="rId5"/>
+    <p:sldId id="273" r:id="rId6"/>
+    <p:sldId id="257" r:id="rId7"/>
+    <p:sldId id="258" r:id="rId8"/>
+    <p:sldId id="259" r:id="rId9"/>
+    <p:sldId id="260" r:id="rId10"/>
+    <p:sldId id="267" r:id="rId11"/>
+    <p:sldId id="268" r:id="rId12"/>
+    <p:sldId id="269" r:id="rId13"/>
+    <p:sldId id="271" r:id="rId14"/>
+    <p:sldId id="262" r:id="rId15"/>
   </p:sldIdLst>
   <p:sldSz cx="9144000" cy="6858000" type="screen4x3"/>
   <p:notesSz cx="6858000" cy="9144000"/>
@@ -112,6 +117,22 @@
       </a:defRPr>
     </a:lvl9pPr>
   </p:defaultTextStyle>
+  <p:extLst>
+    <p:ext uri="{EFAFB233-063F-42B5-8137-9DF3F51BA10A}">
+      <p15:sldGuideLst xmlns:p15="http://schemas.microsoft.com/office/powerpoint/2012/main" xmlns="">
+        <p15:guide id="1" orient="horz" pos="2160">
+          <p15:clr>
+            <a:srgbClr val="A4A3A4"/>
+          </p15:clr>
+        </p15:guide>
+        <p15:guide id="2" pos="2880">
+          <p15:clr>
+            <a:srgbClr val="A4A3A4"/>
+          </p15:clr>
+        </p15:guide>
+      </p15:sldGuideLst>
+    </p:ext>
+  </p:extLst>
 </p:presentation>
 </file>
 
@@ -195,9 +216,7 @@
         </p:style>
         <p:txBody>
           <a:bodyPr anchor="ctr"/>
-          <a:lstStyle>
-            <a:extLst/>
-          </a:lstStyle>
+          <a:lstStyle/>
           <a:p>
             <a:pPr algn="ctr" eaLnBrk="1" latinLnBrk="0" hangingPunct="1"/>
             <a:endParaRPr kumimoji="0" lang="en-US"/>
@@ -250,7 +269,7 @@
           </a:lstStyle>
           <a:p>
             <a:r>
-              <a:rPr kumimoji="0" lang="zh-TW" altLang="en-US" smtClean="0"/>
+              <a:rPr kumimoji="0" lang="zh-TW" altLang="en-US"/>
               <a:t>按一下以編輯母片標題樣式</a:t>
             </a:r>
             <a:endParaRPr kumimoji="0" lang="en-US"/>
@@ -312,7 +331,7 @@
           </a:lstStyle>
           <a:p>
             <a:r>
-              <a:rPr kumimoji="0" lang="zh-TW" altLang="en-US" smtClean="0"/>
+              <a:rPr kumimoji="0" lang="zh-TW" altLang="en-US"/>
               <a:t>按一下以編輯母片副標題樣式</a:t>
             </a:r>
             <a:endParaRPr kumimoji="0" lang="en-US"/>
@@ -410,9 +429,7 @@
           </p:spPr>
           <p:txBody>
             <a:bodyPr vert="horz" wrap="square" lIns="91440" tIns="45720" rIns="91440" bIns="45720" anchor="t" compatLnSpc="1"/>
-            <a:lstStyle>
-              <a:extLst/>
-            </a:lstStyle>
+            <a:lstStyle/>
             <a:p>
               <a:endParaRPr kumimoji="0" lang="en-US"/>
             </a:p>
@@ -492,9 +509,7 @@
           </p:spPr>
           <p:txBody>
             <a:bodyPr vert="horz" wrap="square" lIns="91440" tIns="45720" rIns="91440" bIns="45720" anchor="t" compatLnSpc="1"/>
-            <a:lstStyle>
-              <a:extLst/>
-            </a:lstStyle>
+            <a:lstStyle/>
             <a:p>
               <a:endParaRPr kumimoji="0" lang="en-US"/>
             </a:p>
@@ -651,9 +666,7 @@
           </p:style>
           <p:txBody>
             <a:bodyPr vert="horz" wrap="square" lIns="91440" tIns="45720" rIns="91440" bIns="45720" anchor="ctr" compatLnSpc="1"/>
-            <a:lstStyle>
-              <a:extLst/>
-            </a:lstStyle>
+            <a:lstStyle/>
             <a:p>
               <a:pPr algn="ctr" eaLnBrk="1" latinLnBrk="0" hangingPunct="1"/>
               <a:endParaRPr kumimoji="0" lang="en-US"/>
@@ -740,6 +753,7 @@
           <a:p>
             <a:fld id="{32223CC0-1229-4B79-B964-272E795BDDD3}" type="datetimeFigureOut">
               <a:rPr lang="zh-TW" altLang="en-US" smtClean="0"/>
+              <a:pPr/>
               <a:t>2019/12/30</a:t>
             </a:fld>
             <a:endParaRPr lang="zh-TW" altLang="en-US"/>
@@ -802,6 +816,7 @@
           <a:p>
             <a:fld id="{8EE00B43-C673-4AF5-AE0E-07C415C489B7}" type="slidenum">
               <a:rPr lang="zh-TW" altLang="en-US" smtClean="0"/>
+              <a:pPr/>
               <a:t>‹#›</a:t>
             </a:fld>
             <a:endParaRPr lang="zh-TW" altLang="en-US"/>
@@ -846,12 +861,10 @@
         <p:spPr/>
         <p:txBody>
           <a:bodyPr/>
-          <a:lstStyle>
-            <a:extLst/>
-          </a:lstStyle>
-          <a:p>
-            <a:r>
-              <a:rPr kumimoji="0" lang="zh-TW" altLang="en-US" smtClean="0"/>
+          <a:lstStyle/>
+          <a:p>
+            <a:r>
+              <a:rPr kumimoji="0" lang="zh-TW" altLang="en-US"/>
               <a:t>按一下以編輯母片標題樣式</a:t>
             </a:r>
             <a:endParaRPr kumimoji="0" lang="en-US"/>
@@ -876,41 +889,39 @@
         </p:spPr>
         <p:txBody>
           <a:bodyPr vert="eaVert"/>
-          <a:lstStyle>
-            <a:extLst/>
-          </a:lstStyle>
+          <a:lstStyle/>
           <a:p>
             <a:pPr lvl="0" eaLnBrk="1" latinLnBrk="0" hangingPunct="1"/>
             <a:r>
-              <a:rPr lang="zh-TW" altLang="en-US" smtClean="0"/>
+              <a:rPr lang="zh-TW" altLang="en-US"/>
               <a:t>按一下以編輯母片文字樣式</a:t>
             </a:r>
           </a:p>
           <a:p>
             <a:pPr lvl="1" eaLnBrk="1" latinLnBrk="0" hangingPunct="1"/>
             <a:r>
-              <a:rPr lang="zh-TW" altLang="en-US" smtClean="0"/>
+              <a:rPr lang="zh-TW" altLang="en-US"/>
               <a:t>第二層</a:t>
             </a:r>
           </a:p>
           <a:p>
             <a:pPr lvl="2" eaLnBrk="1" latinLnBrk="0" hangingPunct="1"/>
             <a:r>
-              <a:rPr lang="zh-TW" altLang="en-US" smtClean="0"/>
+              <a:rPr lang="zh-TW" altLang="en-US"/>
               <a:t>第三層</a:t>
             </a:r>
           </a:p>
           <a:p>
             <a:pPr lvl="3" eaLnBrk="1" latinLnBrk="0" hangingPunct="1"/>
             <a:r>
-              <a:rPr lang="zh-TW" altLang="en-US" smtClean="0"/>
+              <a:rPr lang="zh-TW" altLang="en-US"/>
               <a:t>第四層</a:t>
             </a:r>
           </a:p>
           <a:p>
             <a:pPr lvl="4" eaLnBrk="1" latinLnBrk="0" hangingPunct="1"/>
             <a:r>
-              <a:rPr lang="zh-TW" altLang="en-US" smtClean="0"/>
+              <a:rPr lang="zh-TW" altLang="en-US"/>
               <a:t>第五層</a:t>
             </a:r>
             <a:endParaRPr kumimoji="0" lang="en-US"/>
@@ -930,12 +941,11 @@
         <p:spPr/>
         <p:txBody>
           <a:bodyPr/>
-          <a:lstStyle>
-            <a:extLst/>
-          </a:lstStyle>
+          <a:lstStyle/>
           <a:p>
             <a:fld id="{32223CC0-1229-4B79-B964-272E795BDDD3}" type="datetimeFigureOut">
               <a:rPr lang="zh-TW" altLang="en-US" smtClean="0"/>
+              <a:pPr/>
               <a:t>2019/12/30</a:t>
             </a:fld>
             <a:endParaRPr lang="zh-TW" altLang="en-US"/>
@@ -955,9 +965,7 @@
         <p:spPr/>
         <p:txBody>
           <a:bodyPr/>
-          <a:lstStyle>
-            <a:extLst/>
-          </a:lstStyle>
+          <a:lstStyle/>
           <a:p>
             <a:endParaRPr lang="zh-TW" altLang="en-US"/>
           </a:p>
@@ -976,12 +984,11 @@
         <p:spPr/>
         <p:txBody>
           <a:bodyPr/>
-          <a:lstStyle>
-            <a:extLst/>
-          </a:lstStyle>
+          <a:lstStyle/>
           <a:p>
             <a:fld id="{8EE00B43-C673-4AF5-AE0E-07C415C489B7}" type="slidenum">
               <a:rPr lang="zh-TW" altLang="en-US" smtClean="0"/>
+              <a:pPr/>
               <a:t>‹#›</a:t>
             </a:fld>
             <a:endParaRPr lang="zh-TW" altLang="en-US"/>
@@ -1031,12 +1038,10 @@
         </p:spPr>
         <p:txBody>
           <a:bodyPr vert="eaVert"/>
-          <a:lstStyle>
-            <a:extLst/>
-          </a:lstStyle>
-          <a:p>
-            <a:r>
-              <a:rPr kumimoji="0" lang="zh-TW" altLang="en-US" smtClean="0"/>
+          <a:lstStyle/>
+          <a:p>
+            <a:r>
+              <a:rPr kumimoji="0" lang="zh-TW" altLang="en-US"/>
               <a:t>按一下以編輯母片標題樣式</a:t>
             </a:r>
             <a:endParaRPr kumimoji="0" lang="en-US"/>
@@ -1061,41 +1066,39 @@
         </p:spPr>
         <p:txBody>
           <a:bodyPr vert="eaVert"/>
-          <a:lstStyle>
-            <a:extLst/>
-          </a:lstStyle>
+          <a:lstStyle/>
           <a:p>
             <a:pPr lvl="0" eaLnBrk="1" latinLnBrk="0" hangingPunct="1"/>
             <a:r>
-              <a:rPr lang="zh-TW" altLang="en-US" smtClean="0"/>
+              <a:rPr lang="zh-TW" altLang="en-US"/>
               <a:t>按一下以編輯母片文字樣式</a:t>
             </a:r>
           </a:p>
           <a:p>
             <a:pPr lvl="1" eaLnBrk="1" latinLnBrk="0" hangingPunct="1"/>
             <a:r>
-              <a:rPr lang="zh-TW" altLang="en-US" smtClean="0"/>
+              <a:rPr lang="zh-TW" altLang="en-US"/>
               <a:t>第二層</a:t>
             </a:r>
           </a:p>
           <a:p>
             <a:pPr lvl="2" eaLnBrk="1" latinLnBrk="0" hangingPunct="1"/>
             <a:r>
-              <a:rPr lang="zh-TW" altLang="en-US" smtClean="0"/>
+              <a:rPr lang="zh-TW" altLang="en-US"/>
               <a:t>第三層</a:t>
             </a:r>
           </a:p>
           <a:p>
             <a:pPr lvl="3" eaLnBrk="1" latinLnBrk="0" hangingPunct="1"/>
             <a:r>
-              <a:rPr lang="zh-TW" altLang="en-US" smtClean="0"/>
+              <a:rPr lang="zh-TW" altLang="en-US"/>
               <a:t>第四層</a:t>
             </a:r>
           </a:p>
           <a:p>
             <a:pPr lvl="4" eaLnBrk="1" latinLnBrk="0" hangingPunct="1"/>
             <a:r>
-              <a:rPr lang="zh-TW" altLang="en-US" smtClean="0"/>
+              <a:rPr lang="zh-TW" altLang="en-US"/>
               <a:t>第五層</a:t>
             </a:r>
             <a:endParaRPr kumimoji="0" lang="en-US"/>
@@ -1115,12 +1118,11 @@
         <p:spPr/>
         <p:txBody>
           <a:bodyPr/>
-          <a:lstStyle>
-            <a:extLst/>
-          </a:lstStyle>
+          <a:lstStyle/>
           <a:p>
             <a:fld id="{32223CC0-1229-4B79-B964-272E795BDDD3}" type="datetimeFigureOut">
               <a:rPr lang="zh-TW" altLang="en-US" smtClean="0"/>
+              <a:pPr/>
               <a:t>2019/12/30</a:t>
             </a:fld>
             <a:endParaRPr lang="zh-TW" altLang="en-US"/>
@@ -1140,9 +1142,7 @@
         <p:spPr/>
         <p:txBody>
           <a:bodyPr/>
-          <a:lstStyle>
-            <a:extLst/>
-          </a:lstStyle>
+          <a:lstStyle/>
           <a:p>
             <a:endParaRPr lang="zh-TW" altLang="en-US"/>
           </a:p>
@@ -1161,12 +1161,11 @@
         <p:spPr/>
         <p:txBody>
           <a:bodyPr/>
-          <a:lstStyle>
-            <a:extLst/>
-          </a:lstStyle>
+          <a:lstStyle/>
           <a:p>
             <a:fld id="{8EE00B43-C673-4AF5-AE0E-07C415C489B7}" type="slidenum">
               <a:rPr lang="zh-TW" altLang="en-US" smtClean="0"/>
+              <a:pPr/>
               <a:t>‹#›</a:t>
             </a:fld>
             <a:endParaRPr lang="zh-TW" altLang="en-US"/>
@@ -1211,41 +1210,39 @@
         <p:spPr/>
         <p:txBody>
           <a:bodyPr/>
-          <a:lstStyle>
-            <a:extLst/>
-          </a:lstStyle>
+          <a:lstStyle/>
           <a:p>
             <a:pPr lvl="0" eaLnBrk="1" latinLnBrk="0" hangingPunct="1"/>
             <a:r>
-              <a:rPr lang="zh-TW" altLang="en-US" smtClean="0"/>
+              <a:rPr lang="zh-TW" altLang="en-US"/>
               <a:t>按一下以編輯母片文字樣式</a:t>
             </a:r>
           </a:p>
           <a:p>
             <a:pPr lvl="1" eaLnBrk="1" latinLnBrk="0" hangingPunct="1"/>
             <a:r>
-              <a:rPr lang="zh-TW" altLang="en-US" smtClean="0"/>
+              <a:rPr lang="zh-TW" altLang="en-US"/>
               <a:t>第二層</a:t>
             </a:r>
           </a:p>
           <a:p>
             <a:pPr lvl="2" eaLnBrk="1" latinLnBrk="0" hangingPunct="1"/>
             <a:r>
-              <a:rPr lang="zh-TW" altLang="en-US" smtClean="0"/>
+              <a:rPr lang="zh-TW" altLang="en-US"/>
               <a:t>第三層</a:t>
             </a:r>
           </a:p>
           <a:p>
             <a:pPr lvl="3" eaLnBrk="1" latinLnBrk="0" hangingPunct="1"/>
             <a:r>
-              <a:rPr lang="zh-TW" altLang="en-US" smtClean="0"/>
+              <a:rPr lang="zh-TW" altLang="en-US"/>
               <a:t>第四層</a:t>
             </a:r>
           </a:p>
           <a:p>
             <a:pPr lvl="4" eaLnBrk="1" latinLnBrk="0" hangingPunct="1"/>
             <a:r>
-              <a:rPr lang="zh-TW" altLang="en-US" smtClean="0"/>
+              <a:rPr lang="zh-TW" altLang="en-US"/>
               <a:t>第五層</a:t>
             </a:r>
             <a:endParaRPr kumimoji="0" lang="en-US"/>
@@ -1265,12 +1262,11 @@
         <p:spPr/>
         <p:txBody>
           <a:bodyPr/>
-          <a:lstStyle>
-            <a:extLst/>
-          </a:lstStyle>
+          <a:lstStyle/>
           <a:p>
             <a:fld id="{32223CC0-1229-4B79-B964-272E795BDDD3}" type="datetimeFigureOut">
               <a:rPr lang="zh-TW" altLang="en-US" smtClean="0"/>
+              <a:pPr/>
               <a:t>2019/12/30</a:t>
             </a:fld>
             <a:endParaRPr lang="zh-TW" altLang="en-US"/>
@@ -1290,9 +1286,7 @@
         <p:spPr/>
         <p:txBody>
           <a:bodyPr/>
-          <a:lstStyle>
-            <a:extLst/>
-          </a:lstStyle>
+          <a:lstStyle/>
           <a:p>
             <a:endParaRPr lang="zh-TW" altLang="en-US"/>
           </a:p>
@@ -1311,12 +1305,11 @@
         <p:spPr/>
         <p:txBody>
           <a:bodyPr/>
-          <a:lstStyle>
-            <a:extLst/>
-          </a:lstStyle>
+          <a:lstStyle/>
           <a:p>
             <a:fld id="{8EE00B43-C673-4AF5-AE0E-07C415C489B7}" type="slidenum">
               <a:rPr lang="zh-TW" altLang="en-US" smtClean="0"/>
+              <a:pPr/>
               <a:t>‹#›</a:t>
             </a:fld>
             <a:endParaRPr lang="zh-TW" altLang="en-US"/>
@@ -1336,12 +1329,10 @@
         <p:spPr/>
         <p:txBody>
           <a:bodyPr rtlCol="0"/>
-          <a:lstStyle>
-            <a:extLst/>
-          </a:lstStyle>
-          <a:p>
-            <a:r>
-              <a:rPr kumimoji="0" lang="zh-TW" altLang="en-US" smtClean="0"/>
+          <a:lstStyle/>
+          <a:p>
+            <a:r>
+              <a:rPr kumimoji="0" lang="zh-TW" altLang="en-US"/>
               <a:t>按一下以編輯母片標題樣式</a:t>
             </a:r>
             <a:endParaRPr kumimoji="0" lang="en-US"/>
@@ -1422,7 +1413,7 @@
           </a:lstStyle>
           <a:p>
             <a:r>
-              <a:rPr kumimoji="0" lang="zh-TW" altLang="en-US" smtClean="0"/>
+              <a:rPr kumimoji="0" lang="zh-TW" altLang="en-US"/>
               <a:t>按一下以編輯母片標題樣式</a:t>
             </a:r>
             <a:endParaRPr kumimoji="0" lang="en-US"/>
@@ -1501,7 +1492,7 @@
           <a:p>
             <a:pPr lvl="0" eaLnBrk="1" latinLnBrk="0" hangingPunct="1"/>
             <a:r>
-              <a:rPr kumimoji="0" lang="zh-TW" altLang="en-US" smtClean="0"/>
+              <a:rPr kumimoji="0" lang="zh-TW" altLang="en-US"/>
               <a:t>按一下以編輯母片文字樣式</a:t>
             </a:r>
           </a:p>
@@ -1520,12 +1511,11 @@
         <p:spPr/>
         <p:txBody>
           <a:bodyPr/>
-          <a:lstStyle>
-            <a:extLst/>
-          </a:lstStyle>
+          <a:lstStyle/>
           <a:p>
             <a:fld id="{32223CC0-1229-4B79-B964-272E795BDDD3}" type="datetimeFigureOut">
               <a:rPr lang="zh-TW" altLang="en-US" smtClean="0"/>
+              <a:pPr/>
               <a:t>2019/12/30</a:t>
             </a:fld>
             <a:endParaRPr lang="zh-TW" altLang="en-US"/>
@@ -1545,9 +1535,7 @@
         <p:spPr/>
         <p:txBody>
           <a:bodyPr/>
-          <a:lstStyle>
-            <a:extLst/>
-          </a:lstStyle>
+          <a:lstStyle/>
           <a:p>
             <a:endParaRPr lang="zh-TW" altLang="en-US"/>
           </a:p>
@@ -1566,12 +1554,11 @@
         <p:spPr/>
         <p:txBody>
           <a:bodyPr/>
-          <a:lstStyle>
-            <a:extLst/>
-          </a:lstStyle>
+          <a:lstStyle/>
           <a:p>
             <a:fld id="{8EE00B43-C673-4AF5-AE0E-07C415C489B7}" type="slidenum">
               <a:rPr lang="zh-TW" altLang="en-US" smtClean="0"/>
+              <a:pPr/>
               <a:t>‹#›</a:t>
             </a:fld>
             <a:endParaRPr lang="zh-TW" altLang="en-US"/>
@@ -1649,9 +1636,7 @@
         </p:style>
         <p:txBody>
           <a:bodyPr anchor="ctr"/>
-          <a:lstStyle>
-            <a:extLst/>
-          </a:lstStyle>
+          <a:lstStyle/>
           <a:p>
             <a:pPr algn="l" eaLnBrk="1" latinLnBrk="0" hangingPunct="1"/>
             <a:endParaRPr kumimoji="0" lang="en-US"/>
@@ -1729,9 +1714,7 @@
         </p:style>
         <p:txBody>
           <a:bodyPr anchor="ctr"/>
-          <a:lstStyle>
-            <a:extLst/>
-          </a:lstStyle>
+          <a:lstStyle/>
           <a:p>
             <a:pPr algn="l" eaLnBrk="1" latinLnBrk="0" hangingPunct="1"/>
             <a:endParaRPr kumimoji="0" lang="en-US"/>
@@ -1807,35 +1790,35 @@
           <a:p>
             <a:pPr lvl="0" eaLnBrk="1" latinLnBrk="0" hangingPunct="1"/>
             <a:r>
-              <a:rPr lang="zh-TW" altLang="en-US" smtClean="0"/>
+              <a:rPr lang="zh-TW" altLang="en-US"/>
               <a:t>按一下以編輯母片文字樣式</a:t>
             </a:r>
           </a:p>
           <a:p>
             <a:pPr lvl="1" eaLnBrk="1" latinLnBrk="0" hangingPunct="1"/>
             <a:r>
-              <a:rPr lang="zh-TW" altLang="en-US" smtClean="0"/>
+              <a:rPr lang="zh-TW" altLang="en-US"/>
               <a:t>第二層</a:t>
             </a:r>
           </a:p>
           <a:p>
             <a:pPr lvl="2" eaLnBrk="1" latinLnBrk="0" hangingPunct="1"/>
             <a:r>
-              <a:rPr lang="zh-TW" altLang="en-US" smtClean="0"/>
+              <a:rPr lang="zh-TW" altLang="en-US"/>
               <a:t>第三層</a:t>
             </a:r>
           </a:p>
           <a:p>
             <a:pPr lvl="3" eaLnBrk="1" latinLnBrk="0" hangingPunct="1"/>
             <a:r>
-              <a:rPr lang="zh-TW" altLang="en-US" smtClean="0"/>
+              <a:rPr lang="zh-TW" altLang="en-US"/>
               <a:t>第四層</a:t>
             </a:r>
           </a:p>
           <a:p>
             <a:pPr lvl="4" eaLnBrk="1" latinLnBrk="0" hangingPunct="1"/>
             <a:r>
-              <a:rPr lang="zh-TW" altLang="en-US" smtClean="0"/>
+              <a:rPr lang="zh-TW" altLang="en-US"/>
               <a:t>第五層</a:t>
             </a:r>
             <a:endParaRPr kumimoji="0" lang="en-US"/>
@@ -1881,35 +1864,35 @@
           <a:p>
             <a:pPr lvl="0" eaLnBrk="1" latinLnBrk="0" hangingPunct="1"/>
             <a:r>
-              <a:rPr lang="zh-TW" altLang="en-US" smtClean="0"/>
+              <a:rPr lang="zh-TW" altLang="en-US"/>
               <a:t>按一下以編輯母片文字樣式</a:t>
             </a:r>
           </a:p>
           <a:p>
             <a:pPr lvl="1" eaLnBrk="1" latinLnBrk="0" hangingPunct="1"/>
             <a:r>
-              <a:rPr lang="zh-TW" altLang="en-US" smtClean="0"/>
+              <a:rPr lang="zh-TW" altLang="en-US"/>
               <a:t>第二層</a:t>
             </a:r>
           </a:p>
           <a:p>
             <a:pPr lvl="2" eaLnBrk="1" latinLnBrk="0" hangingPunct="1"/>
             <a:r>
-              <a:rPr lang="zh-TW" altLang="en-US" smtClean="0"/>
+              <a:rPr lang="zh-TW" altLang="en-US"/>
               <a:t>第三層</a:t>
             </a:r>
           </a:p>
           <a:p>
             <a:pPr lvl="3" eaLnBrk="1" latinLnBrk="0" hangingPunct="1"/>
             <a:r>
-              <a:rPr lang="zh-TW" altLang="en-US" smtClean="0"/>
+              <a:rPr lang="zh-TW" altLang="en-US"/>
               <a:t>第四層</a:t>
             </a:r>
           </a:p>
           <a:p>
             <a:pPr lvl="4" eaLnBrk="1" latinLnBrk="0" hangingPunct="1"/>
             <a:r>
-              <a:rPr lang="zh-TW" altLang="en-US" smtClean="0"/>
+              <a:rPr lang="zh-TW" altLang="en-US"/>
               <a:t>第五層</a:t>
             </a:r>
             <a:endParaRPr kumimoji="0" lang="en-US"/>
@@ -1929,12 +1912,11 @@
         <p:spPr/>
         <p:txBody>
           <a:bodyPr/>
-          <a:lstStyle>
-            <a:extLst/>
-          </a:lstStyle>
+          <a:lstStyle/>
           <a:p>
             <a:fld id="{32223CC0-1229-4B79-B964-272E795BDDD3}" type="datetimeFigureOut">
               <a:rPr lang="zh-TW" altLang="en-US" smtClean="0"/>
+              <a:pPr/>
               <a:t>2019/12/30</a:t>
             </a:fld>
             <a:endParaRPr lang="zh-TW" altLang="en-US"/>
@@ -1954,9 +1936,7 @@
         <p:spPr/>
         <p:txBody>
           <a:bodyPr/>
-          <a:lstStyle>
-            <a:extLst/>
-          </a:lstStyle>
+          <a:lstStyle/>
           <a:p>
             <a:endParaRPr lang="zh-TW" altLang="en-US"/>
           </a:p>
@@ -1975,12 +1955,11 @@
         <p:spPr/>
         <p:txBody>
           <a:bodyPr/>
-          <a:lstStyle>
-            <a:extLst/>
-          </a:lstStyle>
+          <a:lstStyle/>
           <a:p>
             <a:fld id="{8EE00B43-C673-4AF5-AE0E-07C415C489B7}" type="slidenum">
               <a:rPr lang="zh-TW" altLang="en-US" smtClean="0"/>
+              <a:pPr/>
               <a:t>‹#›</a:t>
             </a:fld>
             <a:endParaRPr lang="zh-TW" altLang="en-US"/>
@@ -2000,12 +1979,10 @@
         <p:spPr/>
         <p:txBody>
           <a:bodyPr rtlCol="0"/>
-          <a:lstStyle>
-            <a:extLst/>
-          </a:lstStyle>
-          <a:p>
-            <a:r>
-              <a:rPr kumimoji="0" lang="zh-TW" altLang="en-US" smtClean="0"/>
+          <a:lstStyle/>
+          <a:p>
+            <a:r>
+              <a:rPr kumimoji="0" lang="zh-TW" altLang="en-US"/>
               <a:t>按一下以編輯母片標題樣式</a:t>
             </a:r>
             <a:endParaRPr kumimoji="0" lang="en-US"/>
@@ -2068,7 +2045,7 @@
           </a:lstStyle>
           <a:p>
             <a:r>
-              <a:rPr kumimoji="0" lang="zh-TW" altLang="en-US" smtClean="0"/>
+              <a:rPr kumimoji="0" lang="zh-TW" altLang="en-US"/>
               <a:t>按一下以編輯母片標題樣式</a:t>
             </a:r>
             <a:endParaRPr kumimoji="0" lang="en-US"/>
@@ -2132,7 +2109,7 @@
           <a:p>
             <a:pPr lvl="0" eaLnBrk="1" latinLnBrk="0" hangingPunct="1"/>
             <a:r>
-              <a:rPr kumimoji="0" lang="zh-TW" altLang="en-US" smtClean="0"/>
+              <a:rPr kumimoji="0" lang="zh-TW" altLang="en-US"/>
               <a:t>按一下以編輯母片文字樣式</a:t>
             </a:r>
           </a:p>
@@ -2195,7 +2172,7 @@
           <a:p>
             <a:pPr lvl="0" eaLnBrk="1" latinLnBrk="0" hangingPunct="1"/>
             <a:r>
-              <a:rPr kumimoji="0" lang="zh-TW" altLang="en-US" smtClean="0"/>
+              <a:rPr kumimoji="0" lang="zh-TW" altLang="en-US"/>
               <a:t>按一下以編輯母片文字樣式</a:t>
             </a:r>
           </a:p>
@@ -2245,35 +2222,35 @@
           <a:p>
             <a:pPr lvl="0" eaLnBrk="1" latinLnBrk="0" hangingPunct="1"/>
             <a:r>
-              <a:rPr lang="zh-TW" altLang="en-US" smtClean="0"/>
+              <a:rPr lang="zh-TW" altLang="en-US"/>
               <a:t>按一下以編輯母片文字樣式</a:t>
             </a:r>
           </a:p>
           <a:p>
             <a:pPr lvl="1" eaLnBrk="1" latinLnBrk="0" hangingPunct="1"/>
             <a:r>
-              <a:rPr lang="zh-TW" altLang="en-US" smtClean="0"/>
+              <a:rPr lang="zh-TW" altLang="en-US"/>
               <a:t>第二層</a:t>
             </a:r>
           </a:p>
           <a:p>
             <a:pPr lvl="2" eaLnBrk="1" latinLnBrk="0" hangingPunct="1"/>
             <a:r>
-              <a:rPr lang="zh-TW" altLang="en-US" smtClean="0"/>
+              <a:rPr lang="zh-TW" altLang="en-US"/>
               <a:t>第三層</a:t>
             </a:r>
           </a:p>
           <a:p>
             <a:pPr lvl="3" eaLnBrk="1" latinLnBrk="0" hangingPunct="1"/>
             <a:r>
-              <a:rPr lang="zh-TW" altLang="en-US" smtClean="0"/>
+              <a:rPr lang="zh-TW" altLang="en-US"/>
               <a:t>第四層</a:t>
             </a:r>
           </a:p>
           <a:p>
             <a:pPr lvl="4" eaLnBrk="1" latinLnBrk="0" hangingPunct="1"/>
             <a:r>
-              <a:rPr lang="zh-TW" altLang="en-US" smtClean="0"/>
+              <a:rPr lang="zh-TW" altLang="en-US"/>
               <a:t>第五層</a:t>
             </a:r>
             <a:endParaRPr kumimoji="0" lang="en-US"/>
@@ -2327,35 +2304,35 @@
           <a:p>
             <a:pPr lvl="0" eaLnBrk="1" latinLnBrk="0" hangingPunct="1"/>
             <a:r>
-              <a:rPr lang="zh-TW" altLang="en-US" smtClean="0"/>
+              <a:rPr lang="zh-TW" altLang="en-US"/>
               <a:t>按一下以編輯母片文字樣式</a:t>
             </a:r>
           </a:p>
           <a:p>
             <a:pPr lvl="1" eaLnBrk="1" latinLnBrk="0" hangingPunct="1"/>
             <a:r>
-              <a:rPr lang="zh-TW" altLang="en-US" smtClean="0"/>
+              <a:rPr lang="zh-TW" altLang="en-US"/>
               <a:t>第二層</a:t>
             </a:r>
           </a:p>
           <a:p>
             <a:pPr lvl="2" eaLnBrk="1" latinLnBrk="0" hangingPunct="1"/>
             <a:r>
-              <a:rPr lang="zh-TW" altLang="en-US" smtClean="0"/>
+              <a:rPr lang="zh-TW" altLang="en-US"/>
               <a:t>第三層</a:t>
             </a:r>
           </a:p>
           <a:p>
             <a:pPr lvl="3" eaLnBrk="1" latinLnBrk="0" hangingPunct="1"/>
             <a:r>
-              <a:rPr lang="zh-TW" altLang="en-US" smtClean="0"/>
+              <a:rPr lang="zh-TW" altLang="en-US"/>
               <a:t>第四層</a:t>
             </a:r>
           </a:p>
           <a:p>
             <a:pPr lvl="4" eaLnBrk="1" latinLnBrk="0" hangingPunct="1"/>
             <a:r>
-              <a:rPr lang="zh-TW" altLang="en-US" smtClean="0"/>
+              <a:rPr lang="zh-TW" altLang="en-US"/>
               <a:t>第五層</a:t>
             </a:r>
             <a:endParaRPr kumimoji="0" lang="en-US"/>
@@ -2375,12 +2352,11 @@
         <p:spPr/>
         <p:txBody>
           <a:bodyPr/>
-          <a:lstStyle>
-            <a:extLst/>
-          </a:lstStyle>
+          <a:lstStyle/>
           <a:p>
             <a:fld id="{32223CC0-1229-4B79-B964-272E795BDDD3}" type="datetimeFigureOut">
               <a:rPr lang="zh-TW" altLang="en-US" smtClean="0"/>
+              <a:pPr/>
               <a:t>2019/12/30</a:t>
             </a:fld>
             <a:endParaRPr lang="zh-TW" altLang="en-US"/>
@@ -2400,9 +2376,7 @@
         <p:spPr/>
         <p:txBody>
           <a:bodyPr/>
-          <a:lstStyle>
-            <a:extLst/>
-          </a:lstStyle>
+          <a:lstStyle/>
           <a:p>
             <a:endParaRPr lang="zh-TW" altLang="en-US"/>
           </a:p>
@@ -2421,12 +2395,11 @@
         <p:spPr/>
         <p:txBody>
           <a:bodyPr/>
-          <a:lstStyle>
-            <a:extLst/>
-          </a:lstStyle>
+          <a:lstStyle/>
           <a:p>
             <a:fld id="{8EE00B43-C673-4AF5-AE0E-07C415C489B7}" type="slidenum">
               <a:rPr lang="zh-TW" altLang="en-US" smtClean="0"/>
+              <a:pPr/>
               <a:t>‹#›</a:t>
             </a:fld>
             <a:endParaRPr lang="zh-TW" altLang="en-US"/>
@@ -2476,12 +2449,11 @@
         <p:spPr/>
         <p:txBody>
           <a:bodyPr/>
-          <a:lstStyle>
-            <a:extLst/>
-          </a:lstStyle>
+          <a:lstStyle/>
           <a:p>
             <a:fld id="{32223CC0-1229-4B79-B964-272E795BDDD3}" type="datetimeFigureOut">
               <a:rPr lang="zh-TW" altLang="en-US" smtClean="0"/>
+              <a:pPr/>
               <a:t>2019/12/30</a:t>
             </a:fld>
             <a:endParaRPr lang="zh-TW" altLang="en-US"/>
@@ -2501,9 +2473,7 @@
         <p:spPr/>
         <p:txBody>
           <a:bodyPr/>
-          <a:lstStyle>
-            <a:extLst/>
-          </a:lstStyle>
+          <a:lstStyle/>
           <a:p>
             <a:endParaRPr lang="zh-TW" altLang="en-US"/>
           </a:p>
@@ -2522,12 +2492,11 @@
         <p:spPr/>
         <p:txBody>
           <a:bodyPr/>
-          <a:lstStyle>
-            <a:extLst/>
-          </a:lstStyle>
+          <a:lstStyle/>
           <a:p>
             <a:fld id="{8EE00B43-C673-4AF5-AE0E-07C415C489B7}" type="slidenum">
               <a:rPr lang="zh-TW" altLang="en-US" smtClean="0"/>
+              <a:pPr/>
               <a:t>‹#›</a:t>
             </a:fld>
             <a:endParaRPr lang="zh-TW" altLang="en-US"/>
@@ -2547,12 +2516,10 @@
         <p:spPr/>
         <p:txBody>
           <a:bodyPr rtlCol="0"/>
-          <a:lstStyle>
-            <a:extLst/>
-          </a:lstStyle>
-          <a:p>
-            <a:r>
-              <a:rPr kumimoji="0" lang="zh-TW" altLang="en-US" smtClean="0"/>
+          <a:lstStyle/>
+          <a:p>
+            <a:r>
+              <a:rPr kumimoji="0" lang="zh-TW" altLang="en-US"/>
               <a:t>按一下以編輯母片標題樣式</a:t>
             </a:r>
             <a:endParaRPr kumimoji="0" lang="en-US"/>
@@ -2597,12 +2564,11 @@
         <p:spPr/>
         <p:txBody>
           <a:bodyPr/>
-          <a:lstStyle>
-            <a:extLst/>
-          </a:lstStyle>
+          <a:lstStyle/>
           <a:p>
             <a:fld id="{32223CC0-1229-4B79-B964-272E795BDDD3}" type="datetimeFigureOut">
               <a:rPr lang="zh-TW" altLang="en-US" smtClean="0"/>
+              <a:pPr/>
               <a:t>2019/12/30</a:t>
             </a:fld>
             <a:endParaRPr lang="zh-TW" altLang="en-US"/>
@@ -2622,9 +2588,7 @@
         <p:spPr/>
         <p:txBody>
           <a:bodyPr/>
-          <a:lstStyle>
-            <a:extLst/>
-          </a:lstStyle>
+          <a:lstStyle/>
           <a:p>
             <a:endParaRPr lang="zh-TW" altLang="en-US"/>
           </a:p>
@@ -2643,12 +2607,11 @@
         <p:spPr/>
         <p:txBody>
           <a:bodyPr/>
-          <a:lstStyle>
-            <a:extLst/>
-          </a:lstStyle>
+          <a:lstStyle/>
           <a:p>
             <a:fld id="{8EE00B43-C673-4AF5-AE0E-07C415C489B7}" type="slidenum">
               <a:rPr lang="zh-TW" altLang="en-US" smtClean="0"/>
+              <a:pPr/>
               <a:t>‹#›</a:t>
             </a:fld>
             <a:endParaRPr lang="zh-TW" altLang="en-US"/>
@@ -2722,7 +2685,7 @@
           </a:lstStyle>
           <a:p>
             <a:r>
-              <a:rPr kumimoji="0" lang="zh-TW" altLang="en-US" smtClean="0"/>
+              <a:rPr kumimoji="0" lang="zh-TW" altLang="en-US"/>
               <a:t>按一下以編輯母片標題樣式</a:t>
             </a:r>
             <a:endParaRPr kumimoji="0" lang="en-US"/>
@@ -2773,7 +2736,7 @@
           <a:p>
             <a:pPr lvl="0" eaLnBrk="1" latinLnBrk="0" hangingPunct="1"/>
             <a:r>
-              <a:rPr kumimoji="0" lang="zh-TW" altLang="en-US" smtClean="0"/>
+              <a:rPr kumimoji="0" lang="zh-TW" altLang="en-US"/>
               <a:t>按一下以編輯母片文字樣式</a:t>
             </a:r>
           </a:p>
@@ -2818,35 +2781,35 @@
           <a:p>
             <a:pPr lvl="0" eaLnBrk="1" latinLnBrk="0" hangingPunct="1"/>
             <a:r>
-              <a:rPr lang="zh-TW" altLang="en-US" smtClean="0"/>
+              <a:rPr lang="zh-TW" altLang="en-US"/>
               <a:t>按一下以編輯母片文字樣式</a:t>
             </a:r>
           </a:p>
           <a:p>
             <a:pPr lvl="1" eaLnBrk="1" latinLnBrk="0" hangingPunct="1"/>
             <a:r>
-              <a:rPr lang="zh-TW" altLang="en-US" smtClean="0"/>
+              <a:rPr lang="zh-TW" altLang="en-US"/>
               <a:t>第二層</a:t>
             </a:r>
           </a:p>
           <a:p>
             <a:pPr lvl="2" eaLnBrk="1" latinLnBrk="0" hangingPunct="1"/>
             <a:r>
-              <a:rPr lang="zh-TW" altLang="en-US" smtClean="0"/>
+              <a:rPr lang="zh-TW" altLang="en-US"/>
               <a:t>第三層</a:t>
             </a:r>
           </a:p>
           <a:p>
             <a:pPr lvl="3" eaLnBrk="1" latinLnBrk="0" hangingPunct="1"/>
             <a:r>
-              <a:rPr lang="zh-TW" altLang="en-US" smtClean="0"/>
+              <a:rPr lang="zh-TW" altLang="en-US"/>
               <a:t>第四層</a:t>
             </a:r>
           </a:p>
           <a:p>
             <a:pPr lvl="4" eaLnBrk="1" latinLnBrk="0" hangingPunct="1"/>
             <a:r>
-              <a:rPr lang="zh-TW" altLang="en-US" smtClean="0"/>
+              <a:rPr lang="zh-TW" altLang="en-US"/>
               <a:t>第五層</a:t>
             </a:r>
             <a:endParaRPr kumimoji="0" lang="en-US"/>
@@ -2871,12 +2834,11 @@
         </p:spPr>
         <p:txBody>
           <a:bodyPr/>
-          <a:lstStyle>
-            <a:extLst/>
-          </a:lstStyle>
+          <a:lstStyle/>
           <a:p>
             <a:fld id="{32223CC0-1229-4B79-B964-272E795BDDD3}" type="datetimeFigureOut">
               <a:rPr lang="zh-TW" altLang="en-US" smtClean="0"/>
+              <a:pPr/>
               <a:t>2019/12/30</a:t>
             </a:fld>
             <a:endParaRPr lang="zh-TW" altLang="en-US"/>
@@ -2896,9 +2858,7 @@
         <p:spPr/>
         <p:txBody>
           <a:bodyPr/>
-          <a:lstStyle>
-            <a:extLst/>
-          </a:lstStyle>
+          <a:lstStyle/>
           <a:p>
             <a:endParaRPr lang="zh-TW" altLang="en-US"/>
           </a:p>
@@ -2917,12 +2877,11 @@
         <p:spPr/>
         <p:txBody>
           <a:bodyPr/>
-          <a:lstStyle>
-            <a:extLst/>
-          </a:lstStyle>
+          <a:lstStyle/>
           <a:p>
             <a:fld id="{8EE00B43-C673-4AF5-AE0E-07C415C489B7}" type="slidenum">
               <a:rPr lang="zh-TW" altLang="en-US" smtClean="0"/>
+              <a:pPr/>
               <a:t>‹#›</a:t>
             </a:fld>
             <a:endParaRPr lang="zh-TW" altLang="en-US"/>
@@ -3000,7 +2959,7 @@
           <a:p>
             <a:pPr lvl="0" eaLnBrk="1" latinLnBrk="0" hangingPunct="1"/>
             <a:r>
-              <a:rPr kumimoji="0" lang="zh-TW" altLang="en-US" smtClean="0"/>
+              <a:rPr kumimoji="0" lang="zh-TW" altLang="en-US"/>
               <a:t>按一下以編輯母片文字樣式</a:t>
             </a:r>
           </a:p>
@@ -3049,7 +3008,7 @@
           </a:lstStyle>
           <a:p>
             <a:r>
-              <a:rPr kumimoji="0" lang="zh-TW" altLang="en-US" smtClean="0"/>
+              <a:rPr kumimoji="0" lang="zh-TW" altLang="en-US"/>
               <a:t>按一下圖示以新增圖片</a:t>
             </a:r>
             <a:endParaRPr kumimoji="0" lang="en-US" dirty="0"/>
@@ -3082,6 +3041,7 @@
           <a:p>
             <a:fld id="{32223CC0-1229-4B79-B964-272E795BDDD3}" type="datetimeFigureOut">
               <a:rPr lang="zh-TW" altLang="en-US" smtClean="0"/>
+              <a:pPr/>
               <a:t>2019/12/30</a:t>
             </a:fld>
             <a:endParaRPr lang="zh-TW" altLang="en-US"/>
@@ -3147,6 +3107,7 @@
           <a:p>
             <a:fld id="{8EE00B43-C673-4AF5-AE0E-07C415C489B7}" type="slidenum">
               <a:rPr lang="zh-TW" altLang="en-US" smtClean="0"/>
+              <a:pPr/>
               <a:t>‹#›</a:t>
             </a:fld>
             <a:endParaRPr lang="zh-TW" altLang="en-US"/>
@@ -3194,7 +3155,7 @@
           </a:lstStyle>
           <a:p>
             <a:r>
-              <a:rPr kumimoji="0" lang="zh-TW" altLang="en-US" smtClean="0"/>
+              <a:rPr kumimoji="0" lang="zh-TW" altLang="en-US"/>
               <a:t>按一下以編輯母片標題樣式</a:t>
             </a:r>
             <a:endParaRPr kumimoji="0" lang="en-US"/>
@@ -3277,9 +3238,7 @@
         </p:spPr>
         <p:txBody>
           <a:bodyPr vert="horz" wrap="square" lIns="91440" tIns="45720" rIns="91440" bIns="45720" anchor="t" compatLnSpc="1"/>
-          <a:lstStyle>
-            <a:extLst/>
-          </a:lstStyle>
+          <a:lstStyle/>
           <a:p>
             <a:endParaRPr kumimoji="0" lang="en-US"/>
           </a:p>
@@ -3359,9 +3318,7 @@
         </p:spPr>
         <p:txBody>
           <a:bodyPr vert="horz" wrap="square" lIns="91440" tIns="45720" rIns="91440" bIns="45720" anchor="t" compatLnSpc="1"/>
-          <a:lstStyle>
-            <a:extLst/>
-          </a:lstStyle>
+          <a:lstStyle/>
           <a:p>
             <a:endParaRPr kumimoji="0" lang="en-US"/>
           </a:p>
@@ -3469,9 +3426,7 @@
         </p:style>
         <p:txBody>
           <a:bodyPr vert="horz" wrap="square" lIns="91440" tIns="45720" rIns="91440" bIns="45720" anchor="ctr" compatLnSpc="1"/>
-          <a:lstStyle>
-            <a:extLst/>
-          </a:lstStyle>
+          <a:lstStyle/>
           <a:p>
             <a:pPr algn="ctr" eaLnBrk="1" latinLnBrk="0" hangingPunct="1"/>
             <a:endParaRPr kumimoji="0" lang="en-US"/>
@@ -3602,9 +3557,7 @@
         </p:style>
         <p:txBody>
           <a:bodyPr anchor="ctr"/>
-          <a:lstStyle>
-            <a:extLst/>
-          </a:lstStyle>
+          <a:lstStyle/>
           <a:p>
             <a:pPr algn="l" eaLnBrk="1" latinLnBrk="0" hangingPunct="1"/>
             <a:endParaRPr kumimoji="0" lang="en-US"/>
@@ -3682,9 +3635,7 @@
         </p:style>
         <p:txBody>
           <a:bodyPr anchor="ctr"/>
-          <a:lstStyle>
-            <a:extLst/>
-          </a:lstStyle>
+          <a:lstStyle/>
           <a:p>
             <a:pPr algn="l" eaLnBrk="1" latinLnBrk="0" hangingPunct="1"/>
             <a:endParaRPr kumimoji="0" lang="en-US"/>
@@ -3797,9 +3748,7 @@
         </p:spPr>
         <p:txBody>
           <a:bodyPr vert="horz" wrap="square" lIns="91440" tIns="45720" rIns="91440" bIns="45720" anchor="t" compatLnSpc="1"/>
-          <a:lstStyle>
-            <a:extLst/>
-          </a:lstStyle>
+          <a:lstStyle/>
           <a:p>
             <a:endParaRPr kumimoji="0" lang="en-US"/>
           </a:p>
@@ -3879,9 +3828,7 @@
         </p:spPr>
         <p:txBody>
           <a:bodyPr vert="horz" wrap="square" lIns="91440" tIns="45720" rIns="91440" bIns="45720" anchor="t" compatLnSpc="1"/>
-          <a:lstStyle>
-            <a:extLst/>
-          </a:lstStyle>
+          <a:lstStyle/>
           <a:p>
             <a:endParaRPr kumimoji="0" lang="en-US"/>
           </a:p>
@@ -3989,9 +3936,7 @@
         </p:style>
         <p:txBody>
           <a:bodyPr vert="horz" wrap="square" lIns="91440" tIns="45720" rIns="91440" bIns="45720" anchor="ctr" compatLnSpc="1"/>
-          <a:lstStyle>
-            <a:extLst/>
-          </a:lstStyle>
+          <a:lstStyle/>
           <a:p>
             <a:pPr algn="ctr" eaLnBrk="1" latinLnBrk="0" hangingPunct="1"/>
             <a:endParaRPr kumimoji="0" lang="en-US"/>
@@ -4081,12 +4026,10 @@
               <a:bevelT w="25400" h="25400"/>
             </a:sp3d>
           </a:bodyPr>
-          <a:lstStyle>
-            <a:extLst/>
-          </a:lstStyle>
-          <a:p>
-            <a:r>
-              <a:rPr kumimoji="0" lang="zh-TW" altLang="en-US" smtClean="0"/>
+          <a:lstStyle/>
+          <a:p>
+            <a:r>
+              <a:rPr kumimoji="0" lang="zh-TW" altLang="en-US"/>
               <a:t>按一下以編輯母片標題樣式</a:t>
             </a:r>
             <a:endParaRPr kumimoji="0" lang="en-US"/>
@@ -4116,41 +4059,39 @@
           <a:bodyPr vert="horz">
             <a:normAutofit/>
           </a:bodyPr>
-          <a:lstStyle>
-            <a:extLst/>
-          </a:lstStyle>
+          <a:lstStyle/>
           <a:p>
             <a:pPr lvl="0" eaLnBrk="1" latinLnBrk="0" hangingPunct="1"/>
             <a:r>
-              <a:rPr kumimoji="0" lang="zh-TW" altLang="en-US" smtClean="0"/>
+              <a:rPr kumimoji="0" lang="zh-TW" altLang="en-US"/>
               <a:t>按一下以編輯母片文字樣式</a:t>
             </a:r>
           </a:p>
           <a:p>
             <a:pPr lvl="1" eaLnBrk="1" latinLnBrk="0" hangingPunct="1"/>
             <a:r>
-              <a:rPr kumimoji="0" lang="zh-TW" altLang="en-US" smtClean="0"/>
+              <a:rPr kumimoji="0" lang="zh-TW" altLang="en-US"/>
               <a:t>第二層</a:t>
             </a:r>
           </a:p>
           <a:p>
             <a:pPr lvl="2" eaLnBrk="1" latinLnBrk="0" hangingPunct="1"/>
             <a:r>
-              <a:rPr kumimoji="0" lang="zh-TW" altLang="en-US" smtClean="0"/>
+              <a:rPr kumimoji="0" lang="zh-TW" altLang="en-US"/>
               <a:t>第三層</a:t>
             </a:r>
           </a:p>
           <a:p>
             <a:pPr lvl="3" eaLnBrk="1" latinLnBrk="0" hangingPunct="1"/>
             <a:r>
-              <a:rPr kumimoji="0" lang="zh-TW" altLang="en-US" smtClean="0"/>
+              <a:rPr kumimoji="0" lang="zh-TW" altLang="en-US"/>
               <a:t>第四層</a:t>
             </a:r>
           </a:p>
           <a:p>
             <a:pPr lvl="4" eaLnBrk="1" latinLnBrk="0" hangingPunct="1"/>
             <a:r>
-              <a:rPr kumimoji="0" lang="zh-TW" altLang="en-US" smtClean="0"/>
+              <a:rPr kumimoji="0" lang="zh-TW" altLang="en-US"/>
               <a:t>第五層</a:t>
             </a:r>
             <a:endParaRPr kumimoji="0" lang="en-US"/>
@@ -4191,6 +4132,7 @@
           <a:p>
             <a:fld id="{32223CC0-1229-4B79-B964-272E795BDDD3}" type="datetimeFigureOut">
               <a:rPr lang="zh-TW" altLang="en-US" smtClean="0"/>
+              <a:pPr/>
               <a:t>2019/12/30</a:t>
             </a:fld>
             <a:endParaRPr lang="zh-TW" altLang="en-US"/>
@@ -4267,6 +4209,7 @@
           <a:p>
             <a:fld id="{8EE00B43-C673-4AF5-AE0E-07C415C489B7}" type="slidenum">
               <a:rPr lang="zh-TW" altLang="en-US" smtClean="0"/>
+              <a:pPr/>
               <a:t>‹#›</a:t>
             </a:fld>
             <a:endParaRPr lang="zh-TW" altLang="en-US"/>
@@ -4614,10 +4557,9 @@
           <a:lstStyle/>
           <a:p>
             <a:r>
-              <a:rPr lang="zh-TW" altLang="en-US" dirty="0" smtClean="0"/>
+              <a:rPr lang="zh-TW" altLang="en-US" dirty="0"/>
               <a:t>台灣旅遊地圖</a:t>
             </a:r>
-            <a:endParaRPr lang="zh-TW" altLang="en-US" dirty="0"/>
           </a:p>
         </p:txBody>
       </p:sp>
@@ -4637,25 +4579,24 @@
           <a:lstStyle/>
           <a:p>
             <a:r>
-              <a:rPr lang="en-US" altLang="zh-TW" dirty="0" smtClean="0"/>
+              <a:rPr lang="en-US" altLang="zh-TW" dirty="0"/>
               <a:t>00757108</a:t>
             </a:r>
             <a:r>
-              <a:rPr lang="zh-TW" altLang="en-US" dirty="0" smtClean="0"/>
+              <a:rPr lang="zh-TW" altLang="en-US" dirty="0"/>
               <a:t>林鈺洋</a:t>
             </a:r>
-            <a:endParaRPr lang="en-US" altLang="zh-TW" dirty="0" smtClean="0"/>
-          </a:p>
-          <a:p>
-            <a:r>
-              <a:rPr lang="en-US" altLang="zh-TW" dirty="0" smtClean="0"/>
+            <a:endParaRPr lang="en-US" altLang="zh-TW" dirty="0"/>
+          </a:p>
+          <a:p>
+            <a:r>
+              <a:rPr lang="en-US" altLang="zh-TW" dirty="0"/>
               <a:t>00757128</a:t>
             </a:r>
             <a:r>
-              <a:rPr lang="zh-TW" altLang="en-US" dirty="0" smtClean="0"/>
+              <a:rPr lang="zh-TW" altLang="en-US" dirty="0"/>
               <a:t>童楷臻</a:t>
             </a:r>
-            <a:endParaRPr lang="zh-TW" altLang="en-US" dirty="0"/>
           </a:p>
         </p:txBody>
       </p:sp>
@@ -4664,13 +4605,904 @@
   <p:clrMapOvr>
     <a:masterClrMapping/>
   </p:clrMapOvr>
-  <p:timing>
-    <p:tnLst>
-      <p:par>
-        <p:cTn id="1" dur="indefinite" restart="never" nodeType="tmRoot"/>
-      </p:par>
-    </p:tnLst>
-  </p:timing>
+</p:sld>
+</file>
+
+<file path=ppt/slides/slide10.xml><?xml version="1.0" encoding="utf-8"?>
+<p:sld xmlns:a="http://schemas.openxmlformats.org/drawingml/2006/main" xmlns:r="http://schemas.openxmlformats.org/officeDocument/2006/relationships" xmlns:p="http://schemas.openxmlformats.org/presentationml/2006/main">
+  <p:cSld>
+    <p:spTree>
+      <p:nvGrpSpPr>
+        <p:cNvPr id="1" name=""/>
+        <p:cNvGrpSpPr/>
+        <p:nvPr/>
+      </p:nvGrpSpPr>
+      <p:grpSpPr>
+        <a:xfrm>
+          <a:off x="0" y="0"/>
+          <a:ext cx="0" cy="0"/>
+          <a:chOff x="0" y="0"/>
+          <a:chExt cx="0" cy="0"/>
+        </a:xfrm>
+      </p:grpSpPr>
+      <p:sp>
+        <p:nvSpPr>
+          <p:cNvPr id="2" name="標題 1">
+            <a:extLst>
+              <a:ext uri="{FF2B5EF4-FFF2-40B4-BE49-F238E27FC236}">
+                <a16:creationId xmlns:a16="http://schemas.microsoft.com/office/drawing/2014/main" xmlns="" id="{584D37E7-A68F-42A6-9C24-69DFE57ADDFC}"/>
+              </a:ext>
+            </a:extLst>
+          </p:cNvPr>
+          <p:cNvSpPr>
+            <a:spLocks noGrp="1"/>
+          </p:cNvSpPr>
+          <p:nvPr>
+            <p:ph type="title"/>
+          </p:nvPr>
+        </p:nvSpPr>
+        <p:spPr/>
+        <p:txBody>
+          <a:bodyPr>
+            <a:normAutofit fontScale="90000"/>
+          </a:bodyPr>
+          <a:lstStyle/>
+          <a:p>
+            <a:r>
+              <a:rPr lang="zh-TW" altLang="en-US" dirty="0"/>
+              <a:t>使用技術：</a:t>
+            </a:r>
+            <a:r>
+              <a:rPr lang="en-US" altLang="zh-TW" dirty="0"/>
+              <a:t/>
+            </a:r>
+            <a:br>
+              <a:rPr lang="en-US" altLang="zh-TW" dirty="0"/>
+            </a:br>
+            <a:r>
+              <a:rPr lang="en-US" altLang="zh-TW" dirty="0"/>
+              <a:t>Google Maps </a:t>
+            </a:r>
+            <a:r>
+              <a:rPr lang="en-US" altLang="zh-TW" dirty="0" err="1"/>
+              <a:t>Javascript</a:t>
+            </a:r>
+            <a:r>
+              <a:rPr lang="en-US" altLang="zh-TW" dirty="0"/>
+              <a:t> API</a:t>
+            </a:r>
+            <a:endParaRPr lang="zh-TW" altLang="en-US" dirty="0"/>
+          </a:p>
+        </p:txBody>
+      </p:sp>
+      <p:sp>
+        <p:nvSpPr>
+          <p:cNvPr id="3" name="內容版面配置區 2">
+            <a:extLst>
+              <a:ext uri="{FF2B5EF4-FFF2-40B4-BE49-F238E27FC236}">
+                <a16:creationId xmlns:a16="http://schemas.microsoft.com/office/drawing/2014/main" xmlns="" id="{08702A82-CBC6-485C-ADFD-44EAF4575315}"/>
+              </a:ext>
+            </a:extLst>
+          </p:cNvPr>
+          <p:cNvSpPr>
+            <a:spLocks noGrp="1"/>
+          </p:cNvSpPr>
+          <p:nvPr>
+            <p:ph idx="1"/>
+          </p:nvPr>
+        </p:nvSpPr>
+        <p:spPr>
+          <a:xfrm>
+            <a:off x="628651" y="2226469"/>
+            <a:ext cx="4318907" cy="3263504"/>
+          </a:xfrm>
+        </p:spPr>
+        <p:txBody>
+          <a:bodyPr>
+            <a:normAutofit fontScale="92500" lnSpcReduction="20000"/>
+          </a:bodyPr>
+          <a:lstStyle/>
+          <a:p>
+            <a:r>
+              <a:rPr lang="zh-TW" altLang="en-US" dirty="0">
+                <a:latin typeface="Microsoft JhengHei Light" panose="020B0304030504040204" pitchFamily="34" charset="-120"/>
+                <a:ea typeface="Microsoft JhengHei Light" panose="020B0304030504040204" pitchFamily="34" charset="-120"/>
+              </a:rPr>
+              <a:t>使用</a:t>
+            </a:r>
+            <a:r>
+              <a:rPr lang="en-US" altLang="zh-TW" dirty="0">
+                <a:latin typeface="Microsoft JhengHei Light" panose="020B0304030504040204" pitchFamily="34" charset="-120"/>
+                <a:ea typeface="Microsoft JhengHei Light" panose="020B0304030504040204" pitchFamily="34" charset="-120"/>
+              </a:rPr>
+              <a:t>Google</a:t>
+            </a:r>
+            <a:r>
+              <a:rPr lang="zh-TW" altLang="en-US" dirty="0">
+                <a:latin typeface="Microsoft JhengHei Light" panose="020B0304030504040204" pitchFamily="34" charset="-120"/>
+                <a:ea typeface="Microsoft JhengHei Light" panose="020B0304030504040204" pitchFamily="34" charset="-120"/>
+              </a:rPr>
+              <a:t>提供的</a:t>
+            </a:r>
+            <a:r>
+              <a:rPr lang="en-US" altLang="zh-TW" dirty="0">
+                <a:latin typeface="Microsoft JhengHei Light" panose="020B0304030504040204" pitchFamily="34" charset="-120"/>
+                <a:ea typeface="Microsoft JhengHei Light" panose="020B0304030504040204" pitchFamily="34" charset="-120"/>
+              </a:rPr>
+              <a:t>API</a:t>
+            </a:r>
+            <a:r>
+              <a:rPr lang="zh-TW" altLang="en-US" dirty="0">
+                <a:latin typeface="Microsoft JhengHei Light" panose="020B0304030504040204" pitchFamily="34" charset="-120"/>
+                <a:ea typeface="Microsoft JhengHei Light" panose="020B0304030504040204" pitchFamily="34" charset="-120"/>
+              </a:rPr>
+              <a:t>，在自身網頁中應用地圖及其功能，增加網頁的功能性與提升資訊視覺化效果</a:t>
+            </a:r>
+            <a:endParaRPr lang="en-US" altLang="zh-TW" dirty="0">
+              <a:latin typeface="Microsoft JhengHei Light" panose="020B0304030504040204" pitchFamily="34" charset="-120"/>
+              <a:ea typeface="Microsoft JhengHei Light" panose="020B0304030504040204" pitchFamily="34" charset="-120"/>
+            </a:endParaRPr>
+          </a:p>
+          <a:p>
+            <a:r>
+              <a:rPr lang="zh-TW" altLang="en-US" dirty="0">
+                <a:latin typeface="Microsoft JhengHei Light" panose="020B0304030504040204" pitchFamily="34" charset="-120"/>
+                <a:ea typeface="Microsoft JhengHei Light" panose="020B0304030504040204" pitchFamily="34" charset="-120"/>
+              </a:rPr>
+              <a:t>此次主要使用</a:t>
+            </a:r>
+            <a:r>
+              <a:rPr lang="en-US" altLang="zh-TW" dirty="0">
+                <a:latin typeface="Microsoft JhengHei Light" panose="020B0304030504040204" pitchFamily="34" charset="-120"/>
+                <a:ea typeface="Microsoft JhengHei Light" panose="020B0304030504040204" pitchFamily="34" charset="-120"/>
+              </a:rPr>
+              <a:t>Maps </a:t>
+            </a:r>
+            <a:r>
+              <a:rPr lang="en-US" altLang="zh-TW" dirty="0" err="1">
+                <a:latin typeface="Microsoft JhengHei Light" panose="020B0304030504040204" pitchFamily="34" charset="-120"/>
+                <a:ea typeface="Microsoft JhengHei Light" panose="020B0304030504040204" pitchFamily="34" charset="-120"/>
+              </a:rPr>
+              <a:t>Javascript</a:t>
+            </a:r>
+            <a:r>
+              <a:rPr lang="en-US" altLang="zh-TW" dirty="0">
+                <a:latin typeface="Microsoft JhengHei Light" panose="020B0304030504040204" pitchFamily="34" charset="-120"/>
+                <a:ea typeface="Microsoft JhengHei Light" panose="020B0304030504040204" pitchFamily="34" charset="-120"/>
+              </a:rPr>
+              <a:t> API</a:t>
+            </a:r>
+            <a:r>
+              <a:rPr lang="zh-TW" altLang="en-US" dirty="0">
+                <a:latin typeface="Microsoft JhengHei Light" panose="020B0304030504040204" pitchFamily="34" charset="-120"/>
+                <a:ea typeface="Microsoft JhengHei Light" panose="020B0304030504040204" pitchFamily="34" charset="-120"/>
+              </a:rPr>
+              <a:t>中的</a:t>
+            </a:r>
+            <a:r>
+              <a:rPr lang="en-US" altLang="zh-TW" dirty="0">
+                <a:latin typeface="Microsoft JhengHei Light" panose="020B0304030504040204" pitchFamily="34" charset="-120"/>
+                <a:ea typeface="Microsoft JhengHei Light" panose="020B0304030504040204" pitchFamily="34" charset="-120"/>
+              </a:rPr>
+              <a:t>Directions Service</a:t>
+            </a:r>
+          </a:p>
+          <a:p>
+            <a:r>
+              <a:rPr lang="en-US" altLang="zh-TW" dirty="0">
+                <a:latin typeface="Microsoft JhengHei Light" panose="020B0304030504040204" pitchFamily="34" charset="-120"/>
+                <a:ea typeface="Microsoft JhengHei Light" panose="020B0304030504040204" pitchFamily="34" charset="-120"/>
+              </a:rPr>
+              <a:t>Directions Service</a:t>
+            </a:r>
+            <a:r>
+              <a:rPr lang="zh-TW" altLang="en-US" dirty="0">
+                <a:latin typeface="Microsoft JhengHei Light" panose="020B0304030504040204" pitchFamily="34" charset="-120"/>
+                <a:ea typeface="Microsoft JhengHei Light" panose="020B0304030504040204" pitchFamily="34" charset="-120"/>
+              </a:rPr>
+              <a:t>：</a:t>
+            </a:r>
+            <a:r>
+              <a:rPr lang="en-US" altLang="zh-TW" dirty="0">
+                <a:latin typeface="Microsoft JhengHei Light" panose="020B0304030504040204" pitchFamily="34" charset="-120"/>
+                <a:ea typeface="Microsoft JhengHei Light" panose="020B0304030504040204" pitchFamily="34" charset="-120"/>
+              </a:rPr>
+              <a:t>Give direction requests and returns an efficient path</a:t>
+            </a:r>
+          </a:p>
+          <a:p>
+            <a:endParaRPr lang="zh-TW" altLang="en-US" dirty="0">
+              <a:latin typeface="Microsoft JhengHei Light" panose="020B0304030504040204" pitchFamily="34" charset="-120"/>
+              <a:ea typeface="Microsoft JhengHei Light" panose="020B0304030504040204" pitchFamily="34" charset="-120"/>
+            </a:endParaRPr>
+          </a:p>
+        </p:txBody>
+      </p:sp>
+      <p:pic>
+        <p:nvPicPr>
+          <p:cNvPr id="4" name="圖片 3">
+            <a:extLst>
+              <a:ext uri="{FF2B5EF4-FFF2-40B4-BE49-F238E27FC236}">
+                <a16:creationId xmlns:a16="http://schemas.microsoft.com/office/drawing/2014/main" xmlns="" id="{83DA4EFB-3AB6-44D6-A5B6-B3360EAB1370}"/>
+              </a:ext>
+            </a:extLst>
+          </p:cNvPr>
+          <p:cNvPicPr>
+            <a:picLocks noChangeAspect="1"/>
+          </p:cNvPicPr>
+          <p:nvPr/>
+        </p:nvPicPr>
+        <p:blipFill>
+          <a:blip r:embed="rId2"/>
+          <a:stretch>
+            <a:fillRect/>
+          </a:stretch>
+        </p:blipFill>
+        <p:spPr>
+          <a:xfrm>
+            <a:off x="5101513" y="2103374"/>
+            <a:ext cx="3753939" cy="3509694"/>
+          </a:xfrm>
+          <a:prstGeom prst="rect">
+            <a:avLst/>
+          </a:prstGeom>
+        </p:spPr>
+      </p:pic>
+    </p:spTree>
+    <p:extLst>
+      <p:ext uri="{BB962C8B-B14F-4D97-AF65-F5344CB8AC3E}">
+        <p14:creationId xmlns:p14="http://schemas.microsoft.com/office/powerpoint/2010/main" xmlns="" val="1449918450"/>
+      </p:ext>
+    </p:extLst>
+  </p:cSld>
+  <p:clrMapOvr>
+    <a:masterClrMapping/>
+  </p:clrMapOvr>
+</p:sld>
+</file>
+
+<file path=ppt/slides/slide11.xml><?xml version="1.0" encoding="utf-8"?>
+<p:sld xmlns:a="http://schemas.openxmlformats.org/drawingml/2006/main" xmlns:r="http://schemas.openxmlformats.org/officeDocument/2006/relationships" xmlns:p="http://schemas.openxmlformats.org/presentationml/2006/main">
+  <p:cSld>
+    <p:spTree>
+      <p:nvGrpSpPr>
+        <p:cNvPr id="1" name=""/>
+        <p:cNvGrpSpPr/>
+        <p:nvPr/>
+      </p:nvGrpSpPr>
+      <p:grpSpPr>
+        <a:xfrm>
+          <a:off x="0" y="0"/>
+          <a:ext cx="0" cy="0"/>
+          <a:chOff x="0" y="0"/>
+          <a:chExt cx="0" cy="0"/>
+        </a:xfrm>
+      </p:grpSpPr>
+      <p:sp>
+        <p:nvSpPr>
+          <p:cNvPr id="2" name="標題 1">
+            <a:extLst>
+              <a:ext uri="{FF2B5EF4-FFF2-40B4-BE49-F238E27FC236}">
+                <a16:creationId xmlns:a16="http://schemas.microsoft.com/office/drawing/2014/main" xmlns="" id="{584D37E7-A68F-42A6-9C24-69DFE57ADDFC}"/>
+              </a:ext>
+            </a:extLst>
+          </p:cNvPr>
+          <p:cNvSpPr>
+            <a:spLocks noGrp="1"/>
+          </p:cNvSpPr>
+          <p:nvPr>
+            <p:ph type="title"/>
+          </p:nvPr>
+        </p:nvSpPr>
+        <p:spPr/>
+        <p:txBody>
+          <a:bodyPr/>
+          <a:lstStyle/>
+          <a:p>
+            <a:r>
+              <a:rPr lang="en-US" altLang="zh-TW" dirty="0">
+                <a:latin typeface="Microsoft JhengHei Light" panose="020B0304030504040204" pitchFamily="34" charset="-120"/>
+                <a:ea typeface="Microsoft JhengHei Light" panose="020B0304030504040204" pitchFamily="34" charset="-120"/>
+              </a:rPr>
+              <a:t>Directions Service - Waypoints</a:t>
+            </a:r>
+            <a:endParaRPr lang="zh-TW" altLang="en-US" dirty="0">
+              <a:latin typeface="Microsoft JhengHei Light" panose="020B0304030504040204" pitchFamily="34" charset="-120"/>
+              <a:ea typeface="Microsoft JhengHei Light" panose="020B0304030504040204" pitchFamily="34" charset="-120"/>
+            </a:endParaRPr>
+          </a:p>
+        </p:txBody>
+      </p:sp>
+      <p:pic>
+        <p:nvPicPr>
+          <p:cNvPr id="5" name="圖片 4">
+            <a:extLst>
+              <a:ext uri="{FF2B5EF4-FFF2-40B4-BE49-F238E27FC236}">
+                <a16:creationId xmlns:a16="http://schemas.microsoft.com/office/drawing/2014/main" xmlns="" id="{61FBEBD8-FBA4-4457-839B-098C570EA4F3}"/>
+              </a:ext>
+            </a:extLst>
+          </p:cNvPr>
+          <p:cNvPicPr>
+            <a:picLocks noChangeAspect="1"/>
+          </p:cNvPicPr>
+          <p:nvPr/>
+        </p:nvPicPr>
+        <p:blipFill>
+          <a:blip r:embed="rId2"/>
+          <a:stretch>
+            <a:fillRect/>
+          </a:stretch>
+        </p:blipFill>
+        <p:spPr>
+          <a:xfrm>
+            <a:off x="2647058" y="2125266"/>
+            <a:ext cx="3849885" cy="3465949"/>
+          </a:xfrm>
+          <a:prstGeom prst="rect">
+            <a:avLst/>
+          </a:prstGeom>
+        </p:spPr>
+      </p:pic>
+    </p:spTree>
+    <p:extLst>
+      <p:ext uri="{BB962C8B-B14F-4D97-AF65-F5344CB8AC3E}">
+        <p14:creationId xmlns:p14="http://schemas.microsoft.com/office/powerpoint/2010/main" xmlns="" val="236008373"/>
+      </p:ext>
+    </p:extLst>
+  </p:cSld>
+  <p:clrMapOvr>
+    <a:masterClrMapping/>
+  </p:clrMapOvr>
+</p:sld>
+</file>
+
+<file path=ppt/slides/slide12.xml><?xml version="1.0" encoding="utf-8"?>
+<p:sld xmlns:a="http://schemas.openxmlformats.org/drawingml/2006/main" xmlns:r="http://schemas.openxmlformats.org/officeDocument/2006/relationships" xmlns:p="http://schemas.openxmlformats.org/presentationml/2006/main">
+  <p:cSld>
+    <p:spTree>
+      <p:nvGrpSpPr>
+        <p:cNvPr id="1" name=""/>
+        <p:cNvGrpSpPr/>
+        <p:nvPr/>
+      </p:nvGrpSpPr>
+      <p:grpSpPr>
+        <a:xfrm>
+          <a:off x="0" y="0"/>
+          <a:ext cx="0" cy="0"/>
+          <a:chOff x="0" y="0"/>
+          <a:chExt cx="0" cy="0"/>
+        </a:xfrm>
+      </p:grpSpPr>
+      <p:sp>
+        <p:nvSpPr>
+          <p:cNvPr id="2" name="標題 1">
+            <a:extLst>
+              <a:ext uri="{FF2B5EF4-FFF2-40B4-BE49-F238E27FC236}">
+                <a16:creationId xmlns:a16="http://schemas.microsoft.com/office/drawing/2014/main" xmlns="" id="{6CBE39B6-A17F-469B-8AB3-7E8845EB1212}"/>
+              </a:ext>
+            </a:extLst>
+          </p:cNvPr>
+          <p:cNvSpPr>
+            <a:spLocks noGrp="1"/>
+          </p:cNvSpPr>
+          <p:nvPr>
+            <p:ph type="title"/>
+          </p:nvPr>
+        </p:nvSpPr>
+        <p:spPr/>
+        <p:txBody>
+          <a:bodyPr/>
+          <a:lstStyle/>
+          <a:p>
+            <a:r>
+              <a:rPr lang="en-US" altLang="zh-TW" dirty="0">
+                <a:latin typeface="Microsoft JhengHei Light" panose="020B0304030504040204" pitchFamily="34" charset="-120"/>
+                <a:ea typeface="Microsoft JhengHei Light" panose="020B0304030504040204" pitchFamily="34" charset="-120"/>
+              </a:rPr>
+              <a:t>Directions Service – </a:t>
+            </a:r>
+            <a:r>
+              <a:rPr lang="zh-TW" altLang="en-US" dirty="0">
+                <a:latin typeface="Microsoft JhengHei Light" panose="020B0304030504040204" pitchFamily="34" charset="-120"/>
+                <a:ea typeface="Microsoft JhengHei Light" panose="020B0304030504040204" pitchFamily="34" charset="-120"/>
+              </a:rPr>
+              <a:t>顯示導航指示</a:t>
+            </a:r>
+          </a:p>
+        </p:txBody>
+      </p:sp>
+      <p:pic>
+        <p:nvPicPr>
+          <p:cNvPr id="4" name="內容版面配置區 3">
+            <a:extLst>
+              <a:ext uri="{FF2B5EF4-FFF2-40B4-BE49-F238E27FC236}">
+                <a16:creationId xmlns:a16="http://schemas.microsoft.com/office/drawing/2014/main" xmlns="" id="{48DD7CC7-7962-4917-A1A4-E174CA1C3E26}"/>
+              </a:ext>
+            </a:extLst>
+          </p:cNvPr>
+          <p:cNvPicPr>
+            <a:picLocks noGrp="1" noChangeAspect="1"/>
+          </p:cNvPicPr>
+          <p:nvPr>
+            <p:ph idx="1"/>
+          </p:nvPr>
+        </p:nvPicPr>
+        <p:blipFill>
+          <a:blip r:embed="rId2"/>
+          <a:stretch>
+            <a:fillRect/>
+          </a:stretch>
+        </p:blipFill>
+        <p:spPr>
+          <a:xfrm>
+            <a:off x="1216658" y="2331439"/>
+            <a:ext cx="6710685" cy="3263504"/>
+          </a:xfrm>
+          <a:prstGeom prst="rect">
+            <a:avLst/>
+          </a:prstGeom>
+        </p:spPr>
+      </p:pic>
+    </p:spTree>
+    <p:extLst>
+      <p:ext uri="{BB962C8B-B14F-4D97-AF65-F5344CB8AC3E}">
+        <p14:creationId xmlns:p14="http://schemas.microsoft.com/office/powerpoint/2010/main" xmlns="" val="3199489080"/>
+      </p:ext>
+    </p:extLst>
+  </p:cSld>
+  <p:clrMapOvr>
+    <a:masterClrMapping/>
+  </p:clrMapOvr>
+</p:sld>
+</file>
+
+<file path=ppt/slides/slide13.xml><?xml version="1.0" encoding="utf-8"?>
+<p:sld xmlns:a="http://schemas.openxmlformats.org/drawingml/2006/main" xmlns:r="http://schemas.openxmlformats.org/officeDocument/2006/relationships" xmlns:p="http://schemas.openxmlformats.org/presentationml/2006/main">
+  <p:cSld>
+    <p:spTree>
+      <p:nvGrpSpPr>
+        <p:cNvPr id="1" name=""/>
+        <p:cNvGrpSpPr/>
+        <p:nvPr/>
+      </p:nvGrpSpPr>
+      <p:grpSpPr>
+        <a:xfrm>
+          <a:off x="0" y="0"/>
+          <a:ext cx="0" cy="0"/>
+          <a:chOff x="0" y="0"/>
+          <a:chExt cx="0" cy="0"/>
+        </a:xfrm>
+      </p:grpSpPr>
+      <p:sp>
+        <p:nvSpPr>
+          <p:cNvPr id="2" name="標題 1">
+            <a:extLst>
+              <a:ext uri="{FF2B5EF4-FFF2-40B4-BE49-F238E27FC236}">
+                <a16:creationId xmlns:a16="http://schemas.microsoft.com/office/drawing/2014/main" xmlns="" id="{6CBE39B6-A17F-469B-8AB3-7E8845EB1212}"/>
+              </a:ext>
+            </a:extLst>
+          </p:cNvPr>
+          <p:cNvSpPr>
+            <a:spLocks noGrp="1"/>
+          </p:cNvSpPr>
+          <p:nvPr>
+            <p:ph type="title"/>
+          </p:nvPr>
+        </p:nvSpPr>
+        <p:spPr/>
+        <p:txBody>
+          <a:bodyPr/>
+          <a:lstStyle/>
+          <a:p>
+            <a:r>
+              <a:rPr lang="zh-TW" altLang="en-US" dirty="0">
+                <a:latin typeface="Microsoft JhengHei Light" panose="020B0304030504040204" pitchFamily="34" charset="-120"/>
+                <a:ea typeface="Microsoft JhengHei Light" panose="020B0304030504040204" pitchFamily="34" charset="-120"/>
+              </a:rPr>
+              <a:t>路線規劃頁面</a:t>
+            </a:r>
+          </a:p>
+        </p:txBody>
+      </p:sp>
+      <p:sp>
+        <p:nvSpPr>
+          <p:cNvPr id="6" name="內容版面配置區 5">
+            <a:extLst>
+              <a:ext uri="{FF2B5EF4-FFF2-40B4-BE49-F238E27FC236}">
+                <a16:creationId xmlns:a16="http://schemas.microsoft.com/office/drawing/2014/main" xmlns="" id="{347B66DD-64E8-4379-BC43-6F36B450B10C}"/>
+              </a:ext>
+            </a:extLst>
+          </p:cNvPr>
+          <p:cNvSpPr txBox="1">
+            <a:spLocks/>
+          </p:cNvSpPr>
+          <p:nvPr/>
+        </p:nvSpPr>
+        <p:spPr>
+          <a:xfrm>
+            <a:off x="685801" y="2310445"/>
+            <a:ext cx="3030116" cy="3263504"/>
+          </a:xfrm>
+          <a:prstGeom prst="rect">
+            <a:avLst/>
+          </a:prstGeom>
+        </p:spPr>
+        <p:txBody>
+          <a:bodyPr>
+            <a:normAutofit fontScale="92500" lnSpcReduction="10000"/>
+          </a:bodyPr>
+          <a:lstStyle>
+            <a:lvl1pPr marL="365760" indent="-256032" algn="l" rtl="0" eaLnBrk="1" latinLnBrk="0" hangingPunct="1">
+              <a:spcBef>
+                <a:spcPts val="400"/>
+              </a:spcBef>
+              <a:spcAft>
+                <a:spcPts val="0"/>
+              </a:spcAft>
+              <a:buClr>
+                <a:schemeClr val="accent1"/>
+              </a:buClr>
+              <a:buSzPct val="68000"/>
+              <a:buFont typeface="Wingdings 3"/>
+              <a:buChar char=""/>
+              <a:defRPr kumimoji="0" sz="2700" kern="1200">
+                <a:solidFill>
+                  <a:schemeClr val="tx1"/>
+                </a:solidFill>
+                <a:latin typeface="+mn-lt"/>
+                <a:ea typeface="+mn-ea"/>
+                <a:cs typeface="+mn-cs"/>
+              </a:defRPr>
+            </a:lvl1pPr>
+            <a:lvl2pPr marL="621792" indent="-228600" algn="l" rtl="0" eaLnBrk="1" latinLnBrk="0" hangingPunct="1">
+              <a:spcBef>
+                <a:spcPts val="324"/>
+              </a:spcBef>
+              <a:buClr>
+                <a:schemeClr val="accent1"/>
+              </a:buClr>
+              <a:buFont typeface="Verdana"/>
+              <a:buChar char="◦"/>
+              <a:defRPr kumimoji="0" sz="2300" kern="1200">
+                <a:solidFill>
+                  <a:schemeClr val="tx1"/>
+                </a:solidFill>
+                <a:latin typeface="+mn-lt"/>
+                <a:ea typeface="+mn-ea"/>
+                <a:cs typeface="+mn-cs"/>
+              </a:defRPr>
+            </a:lvl2pPr>
+            <a:lvl3pPr marL="859536" indent="-228600" algn="l" rtl="0" eaLnBrk="1" latinLnBrk="0" hangingPunct="1">
+              <a:spcBef>
+                <a:spcPts val="350"/>
+              </a:spcBef>
+              <a:buClr>
+                <a:schemeClr val="accent2"/>
+              </a:buClr>
+              <a:buSzPct val="100000"/>
+              <a:buFont typeface="Wingdings 2"/>
+              <a:buChar char=""/>
+              <a:defRPr kumimoji="0" sz="2100" kern="1200">
+                <a:solidFill>
+                  <a:schemeClr val="tx1"/>
+                </a:solidFill>
+                <a:latin typeface="+mn-lt"/>
+                <a:ea typeface="+mn-ea"/>
+                <a:cs typeface="+mn-cs"/>
+              </a:defRPr>
+            </a:lvl3pPr>
+            <a:lvl4pPr marL="1143000" indent="-228600" algn="l" rtl="0" eaLnBrk="1" latinLnBrk="0" hangingPunct="1">
+              <a:spcBef>
+                <a:spcPts val="350"/>
+              </a:spcBef>
+              <a:buClr>
+                <a:schemeClr val="accent2"/>
+              </a:buClr>
+              <a:buFont typeface="Wingdings 2"/>
+              <a:buChar char=""/>
+              <a:defRPr kumimoji="0" sz="1900" kern="1200">
+                <a:solidFill>
+                  <a:schemeClr val="tx1"/>
+                </a:solidFill>
+                <a:latin typeface="+mn-lt"/>
+                <a:ea typeface="+mn-ea"/>
+                <a:cs typeface="+mn-cs"/>
+              </a:defRPr>
+            </a:lvl4pPr>
+            <a:lvl5pPr marL="1371600" indent="-228600" algn="l" rtl="0" eaLnBrk="1" latinLnBrk="0" hangingPunct="1">
+              <a:spcBef>
+                <a:spcPts val="350"/>
+              </a:spcBef>
+              <a:buClr>
+                <a:schemeClr val="accent2"/>
+              </a:buClr>
+              <a:buFont typeface="Wingdings 2"/>
+              <a:buChar char=""/>
+              <a:defRPr kumimoji="0" sz="1800" kern="1200">
+                <a:solidFill>
+                  <a:schemeClr val="tx1"/>
+                </a:solidFill>
+                <a:latin typeface="+mn-lt"/>
+                <a:ea typeface="+mn-ea"/>
+                <a:cs typeface="+mn-cs"/>
+              </a:defRPr>
+            </a:lvl5pPr>
+            <a:lvl6pPr marL="1600200" indent="-228600" algn="l" rtl="0" eaLnBrk="1" latinLnBrk="0" hangingPunct="1">
+              <a:spcBef>
+                <a:spcPts val="350"/>
+              </a:spcBef>
+              <a:buClr>
+                <a:schemeClr val="accent3"/>
+              </a:buClr>
+              <a:buFont typeface="Wingdings 2"/>
+              <a:buChar char=""/>
+              <a:defRPr kumimoji="0" sz="1800" kern="1200">
+                <a:solidFill>
+                  <a:schemeClr val="tx1"/>
+                </a:solidFill>
+                <a:latin typeface="+mn-lt"/>
+                <a:ea typeface="+mn-ea"/>
+                <a:cs typeface="+mn-cs"/>
+              </a:defRPr>
+            </a:lvl6pPr>
+            <a:lvl7pPr marL="1828800" indent="-228600" algn="l" rtl="0" eaLnBrk="1" latinLnBrk="0" hangingPunct="1">
+              <a:spcBef>
+                <a:spcPts val="350"/>
+              </a:spcBef>
+              <a:buClr>
+                <a:schemeClr val="accent3"/>
+              </a:buClr>
+              <a:buFont typeface="Wingdings 2"/>
+              <a:buChar char=""/>
+              <a:defRPr kumimoji="0" sz="1600" kern="1200">
+                <a:solidFill>
+                  <a:schemeClr val="tx1"/>
+                </a:solidFill>
+                <a:latin typeface="+mn-lt"/>
+                <a:ea typeface="+mn-ea"/>
+                <a:cs typeface="+mn-cs"/>
+              </a:defRPr>
+            </a:lvl7pPr>
+            <a:lvl8pPr marL="2057400" indent="-228600" algn="l" rtl="0" eaLnBrk="1" latinLnBrk="0" hangingPunct="1">
+              <a:spcBef>
+                <a:spcPts val="350"/>
+              </a:spcBef>
+              <a:buClr>
+                <a:schemeClr val="accent3"/>
+              </a:buClr>
+              <a:buFont typeface="Wingdings 2"/>
+              <a:buChar char=""/>
+              <a:defRPr kumimoji="0" sz="1600" kern="1200">
+                <a:solidFill>
+                  <a:schemeClr val="tx1"/>
+                </a:solidFill>
+                <a:latin typeface="+mn-lt"/>
+                <a:ea typeface="+mn-ea"/>
+                <a:cs typeface="+mn-cs"/>
+              </a:defRPr>
+            </a:lvl8pPr>
+            <a:lvl9pPr marL="2286000" indent="-228600" algn="l" rtl="0" eaLnBrk="1" latinLnBrk="0" hangingPunct="1">
+              <a:spcBef>
+                <a:spcPts val="350"/>
+              </a:spcBef>
+              <a:buClr>
+                <a:schemeClr val="accent3"/>
+              </a:buClr>
+              <a:buFont typeface="Wingdings 2"/>
+              <a:buChar char=""/>
+              <a:defRPr kumimoji="0" sz="1600" kern="1200" baseline="0">
+                <a:solidFill>
+                  <a:schemeClr val="tx1"/>
+                </a:solidFill>
+                <a:latin typeface="+mn-lt"/>
+                <a:ea typeface="+mn-ea"/>
+                <a:cs typeface="+mn-cs"/>
+              </a:defRPr>
+            </a:lvl9pPr>
+            <a:extLst/>
+          </a:lstStyle>
+          <a:p>
+            <a:r>
+              <a:rPr lang="zh-TW" altLang="en-US">
+                <a:latin typeface="Microsoft JhengHei Light" panose="020B0304030504040204" pitchFamily="34" charset="-120"/>
+                <a:ea typeface="Microsoft JhengHei Light" panose="020B0304030504040204" pitchFamily="34" charset="-120"/>
+              </a:rPr>
+              <a:t>可以自由選取景點做路線規劃</a:t>
+            </a:r>
+            <a:endParaRPr lang="en-US" altLang="zh-TW">
+              <a:latin typeface="Microsoft JhengHei Light" panose="020B0304030504040204" pitchFamily="34" charset="-120"/>
+              <a:ea typeface="Microsoft JhengHei Light" panose="020B0304030504040204" pitchFamily="34" charset="-120"/>
+            </a:endParaRPr>
+          </a:p>
+          <a:p>
+            <a:r>
+              <a:rPr lang="zh-TW" altLang="en-US">
+                <a:latin typeface="Microsoft JhengHei Light" panose="020B0304030504040204" pitchFamily="34" charset="-120"/>
+                <a:ea typeface="Microsoft JhengHei Light" panose="020B0304030504040204" pitchFamily="34" charset="-120"/>
+              </a:rPr>
+              <a:t>先將各選取景點間的路徑距離做比較，將路徑距離最長的兩點分別做為起點與終點，以達到最佳的規劃路線</a:t>
+            </a:r>
+            <a:endParaRPr lang="zh-TW" altLang="en-US" dirty="0">
+              <a:latin typeface="Microsoft JhengHei Light" panose="020B0304030504040204" pitchFamily="34" charset="-120"/>
+              <a:ea typeface="Microsoft JhengHei Light" panose="020B0304030504040204" pitchFamily="34" charset="-120"/>
+            </a:endParaRPr>
+          </a:p>
+        </p:txBody>
+      </p:sp>
+      <p:pic>
+        <p:nvPicPr>
+          <p:cNvPr id="7" name="內容版面配置區 3">
+            <a:extLst>
+              <a:ext uri="{FF2B5EF4-FFF2-40B4-BE49-F238E27FC236}">
+                <a16:creationId xmlns:a16="http://schemas.microsoft.com/office/drawing/2014/main" xmlns="" id="{20C6B77F-9530-405C-AD79-52A06F062373}"/>
+              </a:ext>
+            </a:extLst>
+          </p:cNvPr>
+          <p:cNvPicPr>
+            <a:picLocks noGrp="1" noChangeAspect="1"/>
+          </p:cNvPicPr>
+          <p:nvPr>
+            <p:ph sz="half" idx="1"/>
+          </p:nvPr>
+        </p:nvPicPr>
+        <p:blipFill rotWithShape="1">
+          <a:blip r:embed="rId2" cstate="print"/>
+          <a:srcRect r="28579"/>
+          <a:stretch/>
+        </p:blipFill>
+        <p:spPr>
+          <a:xfrm>
+            <a:off x="4112466" y="2558365"/>
+            <a:ext cx="4402884" cy="2767664"/>
+          </a:xfrm>
+          <a:prstGeom prst="rect">
+            <a:avLst/>
+          </a:prstGeom>
+        </p:spPr>
+      </p:pic>
+    </p:spTree>
+    <p:extLst>
+      <p:ext uri="{BB962C8B-B14F-4D97-AF65-F5344CB8AC3E}">
+        <p14:creationId xmlns:p14="http://schemas.microsoft.com/office/powerpoint/2010/main" xmlns="" val="2938625565"/>
+      </p:ext>
+    </p:extLst>
+  </p:cSld>
+  <p:clrMapOvr>
+    <a:masterClrMapping/>
+  </p:clrMapOvr>
+</p:sld>
+</file>
+
+<file path=ppt/slides/slide14.xml><?xml version="1.0" encoding="utf-8"?>
+<p:sld xmlns:a="http://schemas.openxmlformats.org/drawingml/2006/main" xmlns:r="http://schemas.openxmlformats.org/officeDocument/2006/relationships" xmlns:p="http://schemas.openxmlformats.org/presentationml/2006/main">
+  <p:cSld>
+    <p:spTree>
+      <p:nvGrpSpPr>
+        <p:cNvPr id="1" name=""/>
+        <p:cNvGrpSpPr/>
+        <p:nvPr/>
+      </p:nvGrpSpPr>
+      <p:grpSpPr>
+        <a:xfrm>
+          <a:off x="0" y="0"/>
+          <a:ext cx="0" cy="0"/>
+          <a:chOff x="0" y="0"/>
+          <a:chExt cx="0" cy="0"/>
+        </a:xfrm>
+      </p:grpSpPr>
+      <p:sp>
+        <p:nvSpPr>
+          <p:cNvPr id="2" name="內容版面配置區 1"/>
+          <p:cNvSpPr>
+            <a:spLocks noGrp="1"/>
+          </p:cNvSpPr>
+          <p:nvPr>
+            <p:ph idx="1"/>
+          </p:nvPr>
+        </p:nvSpPr>
+        <p:spPr/>
+        <p:txBody>
+          <a:bodyPr/>
+          <a:lstStyle/>
+          <a:p>
+            <a:r>
+              <a:rPr lang="en-US" altLang="zh-TW" sz="2800" dirty="0" err="1"/>
+              <a:t>Facebook</a:t>
+            </a:r>
+            <a:r>
+              <a:rPr lang="zh-TW" altLang="en-US" sz="2800" dirty="0"/>
+              <a:t> </a:t>
+            </a:r>
+            <a:r>
+              <a:rPr lang="en-US" altLang="zh-TW" sz="2800" dirty="0"/>
+              <a:t>API</a:t>
+            </a:r>
+            <a:r>
+              <a:rPr lang="zh-TW" altLang="en-US" sz="2800" dirty="0"/>
+              <a:t/>
+            </a:r>
+            <a:br>
+              <a:rPr lang="zh-TW" altLang="en-US" sz="2800" dirty="0"/>
+            </a:br>
+            <a:r>
+              <a:rPr lang="en-US" altLang="zh-TW" sz="2800" dirty="0">
+                <a:hlinkClick r:id="rId2"/>
+              </a:rPr>
+              <a:t>http://developers.facebook.com/</a:t>
+            </a:r>
+            <a:endParaRPr lang="en-US" altLang="zh-TW" sz="2800" dirty="0"/>
+          </a:p>
+          <a:p>
+            <a:r>
+              <a:rPr lang="en-US" altLang="zh-TW" sz="2800" dirty="0"/>
+              <a:t>Bootstrap </a:t>
+            </a:r>
+          </a:p>
+          <a:p>
+            <a:r>
+              <a:rPr lang="en-US" sz="2800" dirty="0">
+                <a:hlinkClick r:id="rId3"/>
+              </a:rPr>
+              <a:t>https://www.w3schools.com/bootstrap/bootstrap_tooltip.asp</a:t>
+            </a:r>
+            <a:endParaRPr lang="en-US" altLang="zh-TW" sz="2800" dirty="0"/>
+          </a:p>
+          <a:p>
+            <a:r>
+              <a:rPr lang="en-US" altLang="zh-TW" dirty="0"/>
+              <a:t>Google Maps </a:t>
+            </a:r>
+            <a:r>
+              <a:rPr lang="en-US" altLang="zh-TW" dirty="0" err="1"/>
+              <a:t>Javascript</a:t>
+            </a:r>
+            <a:r>
+              <a:rPr lang="en-US" altLang="zh-TW" dirty="0"/>
+              <a:t> API</a:t>
+            </a:r>
+          </a:p>
+          <a:p>
+            <a:r>
+              <a:rPr lang="en-US" altLang="zh-TW" dirty="0">
+                <a:hlinkClick r:id="rId4"/>
+              </a:rPr>
+              <a:t>https://developers.google.com/maps/documentation/javascript/tutorial</a:t>
+            </a:r>
+            <a:r>
+              <a:rPr lang="en-US" altLang="zh-TW" dirty="0"/>
+              <a:t> </a:t>
+            </a:r>
+            <a:endParaRPr lang="zh-TW" altLang="en-US" dirty="0"/>
+          </a:p>
+        </p:txBody>
+      </p:sp>
+      <p:sp>
+        <p:nvSpPr>
+          <p:cNvPr id="3" name="標題 2"/>
+          <p:cNvSpPr>
+            <a:spLocks noGrp="1"/>
+          </p:cNvSpPr>
+          <p:nvPr>
+            <p:ph type="title"/>
+          </p:nvPr>
+        </p:nvSpPr>
+        <p:spPr/>
+        <p:txBody>
+          <a:bodyPr/>
+          <a:lstStyle/>
+          <a:p>
+            <a:r>
+              <a:rPr lang="zh-TW" altLang="en-US" dirty="0"/>
+              <a:t>資料來源</a:t>
+            </a:r>
+          </a:p>
+        </p:txBody>
+      </p:sp>
+    </p:spTree>
+  </p:cSld>
+  <p:clrMapOvr>
+    <a:masterClrMapping/>
+  </p:clrMapOvr>
 </p:sld>
 </file>
 
@@ -4699,8 +5531,8 @@
         </p:nvSpPr>
         <p:spPr>
           <a:xfrm>
-            <a:off x="6143636" y="3143248"/>
-            <a:ext cx="914400" cy="914400"/>
+            <a:off x="6129522" y="3702610"/>
+            <a:ext cx="1400187" cy="914400"/>
           </a:xfrm>
           <a:prstGeom prst="rect">
             <a:avLst/>
@@ -4739,8 +5571,8 @@
         </p:nvSpPr>
         <p:spPr>
           <a:xfrm>
-            <a:off x="4857752" y="3143248"/>
-            <a:ext cx="914400" cy="914400"/>
+            <a:off x="4275653" y="3689848"/>
+            <a:ext cx="1443054" cy="914400"/>
           </a:xfrm>
           <a:prstGeom prst="rect">
             <a:avLst/>
@@ -4779,8 +5611,8 @@
         </p:nvSpPr>
         <p:spPr>
           <a:xfrm>
-            <a:off x="3571868" y="3143248"/>
-            <a:ext cx="914400" cy="914400"/>
+            <a:off x="2464651" y="3685913"/>
+            <a:ext cx="1400187" cy="914400"/>
           </a:xfrm>
           <a:prstGeom prst="rect">
             <a:avLst/>
@@ -4819,8 +5651,8 @@
         </p:nvSpPr>
         <p:spPr>
           <a:xfrm>
-            <a:off x="1928794" y="3143248"/>
-            <a:ext cx="914400" cy="914400"/>
+            <a:off x="614410" y="3702610"/>
+            <a:ext cx="1443054" cy="914400"/>
           </a:xfrm>
           <a:prstGeom prst="rect">
             <a:avLst/>
@@ -4872,10 +5704,9 @@
           <a:lstStyle/>
           <a:p>
             <a:r>
-              <a:rPr lang="zh-TW" altLang="en-US" dirty="0" smtClean="0"/>
+              <a:rPr lang="zh-TW" altLang="en-US" dirty="0"/>
               <a:t>網站架構</a:t>
             </a:r>
-            <a:endParaRPr lang="zh-TW" altLang="en-US" dirty="0"/>
           </a:p>
         </p:txBody>
       </p:sp>
@@ -4887,8 +5718,8 @@
         </p:nvSpPr>
         <p:spPr>
           <a:xfrm>
-            <a:off x="4143372" y="1428736"/>
-            <a:ext cx="857256" cy="369332"/>
+            <a:off x="3716750" y="2000312"/>
+            <a:ext cx="1000133" cy="646331"/>
           </a:xfrm>
           <a:prstGeom prst="rect">
             <a:avLst/>
@@ -4902,8 +5733,14 @@
           <a:lstStyle/>
           <a:p>
             <a:r>
-              <a:rPr lang="en-US" altLang="zh-TW" dirty="0" smtClean="0"/>
-              <a:t>index</a:t>
+              <a:rPr lang="en-US" altLang="zh-TW" dirty="0"/>
+              <a:t>Index</a:t>
+            </a:r>
+          </a:p>
+          <a:p>
+            <a:r>
+              <a:rPr lang="en-US" altLang="zh-TW" dirty="0"/>
+              <a:t>(Home)</a:t>
             </a:r>
             <a:endParaRPr lang="zh-TW" altLang="en-US" dirty="0"/>
           </a:p>
@@ -4917,8 +5754,8 @@
         </p:nvSpPr>
         <p:spPr>
           <a:xfrm>
-            <a:off x="2285984" y="2500306"/>
-            <a:ext cx="5786478" cy="369332"/>
+            <a:off x="1007318" y="3037089"/>
+            <a:ext cx="6337273" cy="369332"/>
           </a:xfrm>
           <a:prstGeom prst="rect">
             <a:avLst/>
@@ -4932,8 +5769,80 @@
           <a:lstStyle/>
           <a:p>
             <a:r>
-              <a:rPr lang="zh-TW" altLang="en-US" dirty="0" smtClean="0"/>
-              <a:t>北部           中部           南部           東部</a:t>
+              <a:rPr lang="en-US" altLang="zh-TW" dirty="0"/>
+              <a:t>(</a:t>
+            </a:r>
+            <a:r>
+              <a:rPr lang="zh-TW" altLang="en-US" dirty="0"/>
+              <a:t>北部</a:t>
+            </a:r>
+            <a:r>
+              <a:rPr lang="en-US" altLang="zh-TW" dirty="0"/>
+              <a:t>)</a:t>
+            </a:r>
+            <a:r>
+              <a:rPr lang="zh-TW" altLang="en-US" dirty="0"/>
+              <a:t>          </a:t>
+            </a:r>
+            <a:r>
+              <a:rPr lang="en-US" altLang="zh-TW" dirty="0"/>
+              <a:t>	</a:t>
+            </a:r>
+            <a:r>
+              <a:rPr lang="zh-TW" altLang="en-US" dirty="0"/>
+              <a:t> </a:t>
+            </a:r>
+            <a:r>
+              <a:rPr lang="en-US" altLang="zh-TW" dirty="0"/>
+              <a:t>(</a:t>
+            </a:r>
+            <a:r>
+              <a:rPr lang="zh-TW" altLang="en-US" dirty="0"/>
+              <a:t>中部</a:t>
+            </a:r>
+            <a:r>
+              <a:rPr lang="en-US" altLang="zh-TW" dirty="0"/>
+              <a:t>)</a:t>
+            </a:r>
+            <a:r>
+              <a:rPr lang="zh-TW" altLang="en-US" dirty="0"/>
+              <a:t>    </a:t>
+            </a:r>
+            <a:r>
+              <a:rPr lang="en-US" altLang="zh-TW" dirty="0"/>
+              <a:t>	</a:t>
+            </a:r>
+            <a:r>
+              <a:rPr lang="zh-TW" altLang="en-US" dirty="0"/>
+              <a:t>  </a:t>
+            </a:r>
+            <a:r>
+              <a:rPr lang="en-US" altLang="zh-TW" dirty="0"/>
+              <a:t>(</a:t>
+            </a:r>
+            <a:r>
+              <a:rPr lang="zh-TW" altLang="en-US" dirty="0"/>
+              <a:t>南部</a:t>
+            </a:r>
+            <a:r>
+              <a:rPr lang="en-US" altLang="zh-TW" dirty="0"/>
+              <a:t>)</a:t>
+            </a:r>
+            <a:r>
+              <a:rPr lang="zh-TW" altLang="en-US" dirty="0"/>
+              <a:t>          </a:t>
+            </a:r>
+            <a:r>
+              <a:rPr lang="en-US" altLang="zh-TW" dirty="0"/>
+              <a:t>(</a:t>
+            </a:r>
+            <a:r>
+              <a:rPr lang="zh-TW" altLang="en-US" dirty="0"/>
+              <a:t>東部</a:t>
+            </a:r>
+            <a:r>
+              <a:rPr lang="en-US" altLang="zh-TW" dirty="0"/>
+              <a:t>)</a:t>
             </a:r>
             <a:endParaRPr lang="zh-TW" altLang="en-US" dirty="0"/>
           </a:p>
@@ -4943,14 +5852,15 @@
         <p:nvCxnSpPr>
           <p:cNvPr id="16" name="直線接點 15"/>
           <p:cNvCxnSpPr>
+            <a:cxnSpLocks/>
             <a:stCxn id="5" idx="2"/>
           </p:cNvCxnSpPr>
           <p:nvPr/>
         </p:nvCxnSpPr>
         <p:spPr>
-          <a:xfrm rot="5400000">
-            <a:off x="3256468" y="1113336"/>
-            <a:ext cx="630800" cy="2000264"/>
+          <a:xfrm flipH="1">
+            <a:off x="1418079" y="2646643"/>
+            <a:ext cx="2798738" cy="419985"/>
           </a:xfrm>
           <a:prstGeom prst="line">
             <a:avLst/>
@@ -4975,14 +5885,15 @@
         <p:nvCxnSpPr>
           <p:cNvPr id="18" name="直線接點 17"/>
           <p:cNvCxnSpPr>
+            <a:cxnSpLocks/>
             <a:stCxn id="5" idx="2"/>
           </p:cNvCxnSpPr>
           <p:nvPr/>
         </p:nvCxnSpPr>
         <p:spPr>
-          <a:xfrm rot="5400000">
-            <a:off x="3899410" y="1756278"/>
-            <a:ext cx="630800" cy="714380"/>
+          <a:xfrm flipH="1">
+            <a:off x="3419872" y="2646643"/>
+            <a:ext cx="796945" cy="353801"/>
           </a:xfrm>
           <a:prstGeom prst="line">
             <a:avLst/>
@@ -5007,14 +5918,15 @@
         <p:nvCxnSpPr>
           <p:cNvPr id="20" name="直線接點 19"/>
           <p:cNvCxnSpPr>
+            <a:cxnSpLocks/>
             <a:stCxn id="5" idx="2"/>
           </p:cNvCxnSpPr>
           <p:nvPr/>
         </p:nvCxnSpPr>
         <p:spPr>
-          <a:xfrm rot="16200000" flipH="1">
-            <a:off x="4542352" y="1827716"/>
-            <a:ext cx="630800" cy="571504"/>
+          <a:xfrm>
+            <a:off x="4216817" y="2646643"/>
+            <a:ext cx="969625" cy="390446"/>
           </a:xfrm>
           <a:prstGeom prst="line">
             <a:avLst/>
@@ -5039,14 +5951,15 @@
         <p:nvCxnSpPr>
           <p:cNvPr id="22" name="直線接點 21"/>
           <p:cNvCxnSpPr>
+            <a:cxnSpLocks/>
             <a:stCxn id="5" idx="2"/>
           </p:cNvCxnSpPr>
           <p:nvPr/>
         </p:nvCxnSpPr>
         <p:spPr>
-          <a:xfrm rot="16200000" flipH="1">
-            <a:off x="5149575" y="1220493"/>
-            <a:ext cx="630800" cy="1785950"/>
+          <a:xfrm>
+            <a:off x="4216817" y="2646643"/>
+            <a:ext cx="2357629" cy="353801"/>
           </a:xfrm>
           <a:prstGeom prst="line">
             <a:avLst/>
@@ -5075,8 +5988,8 @@
         </p:nvSpPr>
         <p:spPr>
           <a:xfrm>
-            <a:off x="1857356" y="3214686"/>
-            <a:ext cx="6643734" cy="923330"/>
+            <a:off x="567480" y="3850977"/>
+            <a:ext cx="7780574" cy="923330"/>
           </a:xfrm>
           <a:prstGeom prst="rect">
             <a:avLst/>
@@ -5090,27 +6003,63 @@
           <a:lstStyle/>
           <a:p>
             <a:r>
-              <a:rPr lang="zh-TW" altLang="en-US" dirty="0" smtClean="0"/>
-              <a:t>景點推薦          </a:t>
-            </a:r>
-            <a:r>
-              <a:rPr lang="zh-TW" altLang="en-US" dirty="0" smtClean="0"/>
-              <a:t>景點推薦     景點推薦     景點推薦</a:t>
-            </a:r>
-            <a:endParaRPr lang="en-US" altLang="zh-TW" dirty="0" smtClean="0"/>
-          </a:p>
-          <a:p>
-            <a:r>
               <a:rPr lang="zh-TW" altLang="en-US" dirty="0"/>
-              <a:t>推薦</a:t>
-            </a:r>
-            <a:r>
-              <a:rPr lang="zh-TW" altLang="en-US" dirty="0" smtClean="0"/>
-              <a:t>行程          </a:t>
-            </a:r>
-            <a:r>
-              <a:rPr lang="zh-TW" altLang="en-US" dirty="0" smtClean="0"/>
-              <a:t>推薦行程     推薦行程     推薦行程 </a:t>
+              <a:t>景點推薦 </a:t>
+            </a:r>
+            <a:r>
+              <a:rPr lang="en-US" altLang="zh-TW" dirty="0"/>
+              <a:t>	</a:t>
+            </a:r>
+            <a:r>
+              <a:rPr lang="zh-TW" altLang="en-US" dirty="0"/>
+              <a:t>景點推薦     </a:t>
+            </a:r>
+            <a:r>
+              <a:rPr lang="en-US" altLang="zh-TW" dirty="0"/>
+              <a:t>	</a:t>
+            </a:r>
+            <a:r>
+              <a:rPr lang="zh-TW" altLang="en-US" dirty="0"/>
+              <a:t>景點推薦     </a:t>
+            </a:r>
+            <a:r>
+              <a:rPr lang="en-US" altLang="zh-TW" dirty="0"/>
+              <a:t>	</a:t>
+            </a:r>
+            <a:r>
+              <a:rPr lang="zh-TW" altLang="en-US" dirty="0"/>
+              <a:t>景點推薦</a:t>
+            </a:r>
+            <a:endParaRPr lang="en-US" altLang="zh-TW" dirty="0"/>
+          </a:p>
+          <a:p>
+            <a:r>
+              <a:rPr lang="zh-TW" altLang="en-US" dirty="0"/>
+              <a:t>行程路線規劃</a:t>
+            </a:r>
+            <a:r>
+              <a:rPr lang="en-US" altLang="zh-TW" dirty="0"/>
+              <a:t>	</a:t>
+            </a:r>
+            <a:r>
+              <a:rPr lang="zh-TW" altLang="en-US" dirty="0"/>
+              <a:t>行程路線規劃</a:t>
+            </a:r>
+            <a:r>
+              <a:rPr lang="en-US" altLang="zh-TW" dirty="0"/>
+              <a:t>	</a:t>
+            </a:r>
+            <a:r>
+              <a:rPr lang="zh-TW" altLang="en-US" dirty="0"/>
+              <a:t>行程路線規劃</a:t>
+            </a:r>
+            <a:r>
+              <a:rPr lang="en-US" altLang="zh-TW" dirty="0"/>
+              <a:t>	</a:t>
+            </a:r>
+            <a:r>
+              <a:rPr lang="zh-TW" altLang="en-US" dirty="0"/>
+              <a:t>行程路線規劃</a:t>
             </a:r>
           </a:p>
           <a:p>
@@ -5121,13 +6070,15 @@
       <p:cxnSp>
         <p:nvCxnSpPr>
           <p:cNvPr id="25" name="直線接點 24"/>
-          <p:cNvCxnSpPr/>
+          <p:cNvCxnSpPr>
+            <a:cxnSpLocks/>
+          </p:cNvCxnSpPr>
           <p:nvPr/>
         </p:nvCxnSpPr>
         <p:spPr>
-          <a:xfrm rot="5400000">
-            <a:off x="2214546" y="2857496"/>
-            <a:ext cx="428628" cy="285752"/>
+          <a:xfrm flipH="1">
+            <a:off x="1132327" y="3331853"/>
+            <a:ext cx="182169" cy="382202"/>
           </a:xfrm>
           <a:prstGeom prst="line">
             <a:avLst/>
@@ -5151,13 +6102,15 @@
       <p:cxnSp>
         <p:nvCxnSpPr>
           <p:cNvPr id="27" name="直線接點 26"/>
-          <p:cNvCxnSpPr/>
+          <p:cNvCxnSpPr>
+            <a:cxnSpLocks/>
+          </p:cNvCxnSpPr>
           <p:nvPr/>
         </p:nvCxnSpPr>
         <p:spPr>
-          <a:xfrm rot="16200000" flipH="1">
-            <a:off x="3679025" y="2964653"/>
-            <a:ext cx="428628" cy="71438"/>
+          <a:xfrm flipH="1">
+            <a:off x="3207619" y="3320423"/>
+            <a:ext cx="100010" cy="405061"/>
           </a:xfrm>
           <a:prstGeom prst="line">
             <a:avLst/>
@@ -5181,13 +6134,15 @@
       <p:cxnSp>
         <p:nvCxnSpPr>
           <p:cNvPr id="29" name="直線接點 28"/>
-          <p:cNvCxnSpPr/>
+          <p:cNvCxnSpPr>
+            <a:cxnSpLocks/>
+          </p:cNvCxnSpPr>
           <p:nvPr/>
         </p:nvCxnSpPr>
         <p:spPr>
-          <a:xfrm rot="16200000" flipH="1">
-            <a:off x="4929190" y="2928934"/>
-            <a:ext cx="500066" cy="71438"/>
+          <a:xfrm>
+            <a:off x="6574446" y="3320423"/>
+            <a:ext cx="121450" cy="393631"/>
           </a:xfrm>
           <a:prstGeom prst="line">
             <a:avLst/>
@@ -5211,13 +6166,15 @@
       <p:cxnSp>
         <p:nvCxnSpPr>
           <p:cNvPr id="31" name="直線接點 30"/>
-          <p:cNvCxnSpPr/>
+          <p:cNvCxnSpPr>
+            <a:cxnSpLocks/>
+          </p:cNvCxnSpPr>
           <p:nvPr/>
         </p:nvCxnSpPr>
         <p:spPr>
-          <a:xfrm rot="16200000" flipH="1">
-            <a:off x="6250793" y="2893215"/>
-            <a:ext cx="357190" cy="142876"/>
+          <a:xfrm flipH="1">
+            <a:off x="5186442" y="3375921"/>
+            <a:ext cx="14310" cy="326689"/>
           </a:xfrm>
           <a:prstGeom prst="line">
             <a:avLst/>
@@ -5238,18 +6195,185 @@
           </a:fontRef>
         </p:style>
       </p:cxnSp>
+      <p:cxnSp>
+        <p:nvCxnSpPr>
+          <p:cNvPr id="19" name="直線接點 18">
+            <a:extLst>
+              <a:ext uri="{FF2B5EF4-FFF2-40B4-BE49-F238E27FC236}">
+                <a16:creationId xmlns:a16="http://schemas.microsoft.com/office/drawing/2014/main" xmlns="" id="{723AE13B-BF51-40F0-AB91-743CD6AA4FDD}"/>
+              </a:ext>
+            </a:extLst>
+          </p:cNvPr>
+          <p:cNvCxnSpPr>
+            <a:cxnSpLocks/>
+          </p:cNvCxnSpPr>
+          <p:nvPr/>
+        </p:nvCxnSpPr>
+        <p:spPr>
+          <a:xfrm>
+            <a:off x="4139952" y="1631914"/>
+            <a:ext cx="0" cy="394586"/>
+          </a:xfrm>
+          <a:prstGeom prst="line">
+            <a:avLst/>
+          </a:prstGeom>
+        </p:spPr>
+        <p:style>
+          <a:lnRef idx="1">
+            <a:schemeClr val="accent1"/>
+          </a:lnRef>
+          <a:fillRef idx="0">
+            <a:schemeClr val="accent1"/>
+          </a:fillRef>
+          <a:effectRef idx="0">
+            <a:schemeClr val="accent1"/>
+          </a:effectRef>
+          <a:fontRef idx="minor">
+            <a:schemeClr val="tx1"/>
+          </a:fontRef>
+        </p:style>
+      </p:cxnSp>
+      <p:cxnSp>
+        <p:nvCxnSpPr>
+          <p:cNvPr id="24" name="直線接點 23">
+            <a:extLst>
+              <a:ext uri="{FF2B5EF4-FFF2-40B4-BE49-F238E27FC236}">
+                <a16:creationId xmlns:a16="http://schemas.microsoft.com/office/drawing/2014/main" xmlns="" id="{DF88CEAC-1FFE-4C38-A3DF-1528DFD6B0C0}"/>
+              </a:ext>
+            </a:extLst>
+          </p:cNvPr>
+          <p:cNvCxnSpPr>
+            <a:cxnSpLocks/>
+          </p:cNvCxnSpPr>
+          <p:nvPr/>
+        </p:nvCxnSpPr>
+        <p:spPr>
+          <a:xfrm>
+            <a:off x="4150608" y="1644885"/>
+            <a:ext cx="1928827" cy="379617"/>
+          </a:xfrm>
+          <a:prstGeom prst="line">
+            <a:avLst/>
+          </a:prstGeom>
+        </p:spPr>
+        <p:style>
+          <a:lnRef idx="1">
+            <a:schemeClr val="accent1"/>
+          </a:lnRef>
+          <a:fillRef idx="0">
+            <a:schemeClr val="accent1"/>
+          </a:fillRef>
+          <a:effectRef idx="0">
+            <a:schemeClr val="accent1"/>
+          </a:effectRef>
+          <a:fontRef idx="minor">
+            <a:schemeClr val="tx1"/>
+          </a:fontRef>
+        </p:style>
+      </p:cxnSp>
+      <p:sp>
+        <p:nvSpPr>
+          <p:cNvPr id="10" name="文字方塊 9">
+            <a:extLst>
+              <a:ext uri="{FF2B5EF4-FFF2-40B4-BE49-F238E27FC236}">
+                <a16:creationId xmlns:a16="http://schemas.microsoft.com/office/drawing/2014/main" xmlns="" id="{75F5B08F-23A6-4DF3-ADE8-779408FCD11B}"/>
+              </a:ext>
+            </a:extLst>
+          </p:cNvPr>
+          <p:cNvSpPr txBox="1"/>
+          <p:nvPr/>
+        </p:nvSpPr>
+        <p:spPr>
+          <a:xfrm>
+            <a:off x="5718707" y="2025167"/>
+            <a:ext cx="1398932" cy="369332"/>
+          </a:xfrm>
+          <a:prstGeom prst="rect">
+            <a:avLst/>
+          </a:prstGeom>
+          <a:noFill/>
+        </p:spPr>
+        <p:txBody>
+          <a:bodyPr wrap="square" rtlCol="0">
+            <a:spAutoFit/>
+          </a:bodyPr>
+          <a:lstStyle/>
+          <a:p>
+            <a:r>
+              <a:rPr lang="en-US" altLang="zh-TW" dirty="0"/>
+              <a:t>about</a:t>
+            </a:r>
+            <a:endParaRPr lang="zh-TW" altLang="en-US" dirty="0"/>
+          </a:p>
+        </p:txBody>
+      </p:sp>
+      <p:sp>
+        <p:nvSpPr>
+          <p:cNvPr id="68" name="文字方塊 67">
+            <a:extLst>
+              <a:ext uri="{FF2B5EF4-FFF2-40B4-BE49-F238E27FC236}">
+                <a16:creationId xmlns:a16="http://schemas.microsoft.com/office/drawing/2014/main" xmlns="" id="{543A003F-01CE-4772-AB81-7669AF5796C7}"/>
+              </a:ext>
+            </a:extLst>
+          </p:cNvPr>
+          <p:cNvSpPr txBox="1"/>
+          <p:nvPr/>
+        </p:nvSpPr>
+        <p:spPr>
+          <a:xfrm>
+            <a:off x="1177127" y="5076023"/>
+            <a:ext cx="6079377" cy="646331"/>
+          </a:xfrm>
+          <a:prstGeom prst="rect">
+            <a:avLst/>
+          </a:prstGeom>
+          <a:noFill/>
+        </p:spPr>
+        <p:txBody>
+          <a:bodyPr wrap="square" rtlCol="0">
+            <a:spAutoFit/>
+          </a:bodyPr>
+          <a:lstStyle/>
+          <a:p>
+            <a:r>
+              <a:rPr lang="en-US" altLang="zh-TW" dirty="0"/>
+              <a:t>Home, About, </a:t>
+            </a:r>
+            <a:r>
+              <a:rPr lang="zh-TW" altLang="en-US" dirty="0"/>
+              <a:t>與 北中南東的景點推薦與行程路線規劃</a:t>
+            </a:r>
+            <a:endParaRPr lang="en-US" altLang="zh-TW" dirty="0"/>
+          </a:p>
+          <a:p>
+            <a:r>
+              <a:rPr lang="zh-TW" altLang="en-US" dirty="0"/>
+              <a:t>共</a:t>
+            </a:r>
+            <a:r>
+              <a:rPr lang="en-US" altLang="zh-TW" dirty="0"/>
+              <a:t>10</a:t>
+            </a:r>
+            <a:r>
+              <a:rPr lang="zh-TW" altLang="en-US" dirty="0"/>
+              <a:t>個</a:t>
+            </a:r>
+            <a:r>
+              <a:rPr lang="en-US" altLang="zh-TW" dirty="0"/>
+              <a:t>html</a:t>
+            </a:r>
+            <a:r>
+              <a:rPr lang="zh-TW" altLang="en-US" dirty="0"/>
+              <a:t>頁面</a:t>
+            </a:r>
+          </a:p>
+        </p:txBody>
+      </p:sp>
     </p:spTree>
   </p:cSld>
   <p:clrMapOvr>
     <a:masterClrMapping/>
   </p:clrMapOvr>
-  <p:timing>
-    <p:tnLst>
-      <p:par>
-        <p:cTn id="1" dur="indefinite" restart="never" nodeType="tmRoot"/>
-      </p:par>
-    </p:tnLst>
-  </p:timing>
 </p:sld>
 </file>
 
@@ -5282,78 +6406,52 @@
         </p:nvSpPr>
         <p:spPr/>
         <p:txBody>
-          <a:bodyPr>
-            <a:normAutofit lnSpcReduction="10000"/>
-          </a:bodyPr>
-          <a:lstStyle/>
-          <a:p>
-            <a:endParaRPr lang="en-US" altLang="zh-TW" dirty="0" smtClean="0"/>
-          </a:p>
-          <a:p>
-            <a:r>
-              <a:rPr lang="en-US" dirty="0" smtClean="0"/>
-              <a:t>&lt;</a:t>
-            </a:r>
-            <a:r>
-              <a:rPr lang="en-US" dirty="0" err="1" smtClean="0"/>
-              <a:t>iframe</a:t>
-            </a:r>
-            <a:r>
-              <a:rPr lang="en-US" dirty="0" smtClean="0"/>
-              <a:t> </a:t>
-            </a:r>
-            <a:r>
-              <a:rPr lang="en-US" dirty="0" err="1" smtClean="0"/>
-              <a:t>src</a:t>
-            </a:r>
-            <a:r>
-              <a:rPr lang="en-US" dirty="0" smtClean="0"/>
-              <a:t>="https://www.facebook.com/plugins/like.php?href=https%3A%2F%2F</a:t>
-            </a:r>
-            <a:r>
-              <a:rPr lang="en-US" dirty="0" smtClean="0">
-                <a:solidFill>
-                  <a:srgbClr val="FF0000"/>
-                </a:solidFill>
-              </a:rPr>
-              <a:t>brad072623.github.io</a:t>
-            </a:r>
-            <a:r>
-              <a:rPr lang="en-US" dirty="0" smtClean="0"/>
-              <a:t>%2Fhw%2F&amp;width=300&amp;layout=standard&amp;action=like&amp;size=small&amp;share=true&amp;height=35&amp;appId" width="300" height="35" style="</a:t>
-            </a:r>
-            <a:r>
-              <a:rPr lang="en-US" dirty="0" err="1" smtClean="0"/>
-              <a:t>border:none;overflow:hidden</a:t>
-            </a:r>
-            <a:r>
-              <a:rPr lang="en-US" dirty="0" smtClean="0"/>
-              <a:t>" scrolling="no" </a:t>
-            </a:r>
-            <a:r>
-              <a:rPr lang="en-US" dirty="0" err="1" smtClean="0"/>
-              <a:t>frameborder</a:t>
-            </a:r>
-            <a:r>
-              <a:rPr lang="en-US" dirty="0" smtClean="0"/>
-              <a:t>="0" </a:t>
-            </a:r>
-            <a:r>
-              <a:rPr lang="en-US" dirty="0" err="1" smtClean="0"/>
-              <a:t>allowTransparency</a:t>
-            </a:r>
-            <a:r>
-              <a:rPr lang="en-US" dirty="0" smtClean="0"/>
-              <a:t>="true" allow="encrypted-media"&gt;&lt;/</a:t>
-            </a:r>
-            <a:r>
-              <a:rPr lang="en-US" dirty="0" err="1" smtClean="0"/>
-              <a:t>iframe</a:t>
-            </a:r>
-            <a:r>
-              <a:rPr lang="en-US" dirty="0" smtClean="0"/>
-              <a:t>&gt;</a:t>
-            </a:r>
+          <a:bodyPr/>
+          <a:lstStyle/>
+          <a:p>
+            <a:r>
+              <a:rPr lang="zh-TW" altLang="en-US" dirty="0"/>
+              <a:t>提供旅遊資訊</a:t>
+            </a:r>
+            <a:endParaRPr lang="en-US" altLang="zh-TW" dirty="0"/>
+          </a:p>
+          <a:p>
+            <a:r>
+              <a:rPr lang="zh-TW" altLang="en-US" dirty="0"/>
+              <a:t>可儲存想要或喜愛的景點</a:t>
+            </a:r>
+            <a:r>
+              <a:rPr lang="en-US" altLang="zh-TW" dirty="0"/>
+              <a:t>(</a:t>
+            </a:r>
+            <a:r>
+              <a:rPr lang="en-US" altLang="zh-TW" dirty="0" err="1"/>
+              <a:t>localstorage</a:t>
+            </a:r>
+            <a:r>
+              <a:rPr lang="en-US" altLang="zh-TW" dirty="0"/>
+              <a:t>)</a:t>
+            </a:r>
+          </a:p>
+          <a:p>
+            <a:r>
+              <a:rPr lang="zh-TW" altLang="en-US" dirty="0"/>
+              <a:t>可選取有興趣的景點做路線規劃</a:t>
+            </a:r>
+            <a:r>
+              <a:rPr lang="en-US" altLang="zh-TW" dirty="0"/>
+              <a:t>(google maps </a:t>
+            </a:r>
+            <a:r>
+              <a:rPr lang="en-US" altLang="zh-TW" dirty="0" err="1"/>
+              <a:t>api</a:t>
+            </a:r>
+            <a:r>
+              <a:rPr lang="en-US" altLang="zh-TW" dirty="0"/>
+              <a:t>)</a:t>
+            </a:r>
+          </a:p>
+          <a:p>
             <a:endParaRPr lang="zh-TW" altLang="en-US" dirty="0"/>
           </a:p>
         </p:txBody>
@@ -5370,31 +6468,13 @@
         </p:nvSpPr>
         <p:spPr/>
         <p:txBody>
-          <a:bodyPr>
-            <a:normAutofit fontScale="90000"/>
-          </a:bodyPr>
-          <a:lstStyle/>
-          <a:p>
-            <a:r>
-              <a:rPr lang="zh-TW" altLang="en-US" dirty="0" smtClean="0"/>
-              <a:t>使用技術</a:t>
-            </a:r>
-            <a:r>
-              <a:rPr lang="en-US" altLang="zh-TW" dirty="0" smtClean="0"/>
-              <a:t>:</a:t>
-            </a:r>
-            <a:r>
-              <a:rPr lang="en-US" altLang="zh-TW" dirty="0" err="1" smtClean="0"/>
-              <a:t>Facebook</a:t>
-            </a:r>
-            <a:r>
-              <a:rPr lang="en-US" altLang="zh-TW" dirty="0" smtClean="0"/>
-              <a:t> API</a:t>
-            </a:r>
-            <a:br>
-              <a:rPr lang="en-US" altLang="zh-TW" dirty="0" smtClean="0"/>
-            </a:br>
-            <a:endParaRPr lang="zh-TW" altLang="en-US" dirty="0"/>
+          <a:bodyPr/>
+          <a:lstStyle/>
+          <a:p>
+            <a:r>
+              <a:rPr lang="zh-TW" altLang="en-US" dirty="0"/>
+              <a:t>網站特色</a:t>
+            </a:r>
           </a:p>
         </p:txBody>
       </p:sp>
@@ -5403,13 +6483,6 @@
   <p:clrMapOvr>
     <a:masterClrMapping/>
   </p:clrMapOvr>
-  <p:timing>
-    <p:tnLst>
-      <p:par>
-        <p:cTn id="1" dur="indefinite" restart="never" nodeType="tmRoot"/>
-      </p:par>
-    </p:tnLst>
-  </p:timing>
 </p:sld>
 </file>
 
@@ -5432,7 +6505,13 @@
       </p:grpSpPr>
       <p:sp>
         <p:nvSpPr>
-          <p:cNvPr id="2" name="內容版面配置區 1"/>
+          <p:cNvPr id="2" name="內容版面配置區 1">
+            <a:extLst>
+              <a:ext uri="{FF2B5EF4-FFF2-40B4-BE49-F238E27FC236}">
+                <a16:creationId xmlns:a16="http://schemas.microsoft.com/office/drawing/2014/main" xmlns="" id="{71DC81BC-CA39-4EFE-8B56-A1591FE3111F}"/>
+              </a:ext>
+            </a:extLst>
+          </p:cNvPr>
           <p:cNvSpPr>
             <a:spLocks noGrp="1"/>
           </p:cNvSpPr>
@@ -5442,161 +6521,165 @@
         </p:nvSpPr>
         <p:spPr/>
         <p:txBody>
+          <a:bodyPr>
+            <a:normAutofit/>
+          </a:bodyPr>
+          <a:lstStyle/>
+          <a:p>
+            <a:r>
+              <a:rPr lang="en-US" altLang="zh-TW" dirty="0"/>
+              <a:t>00757108</a:t>
+            </a:r>
+            <a:r>
+              <a:rPr lang="zh-TW" altLang="en-US" dirty="0"/>
+              <a:t> 林鈺洋</a:t>
+            </a:r>
+            <a:endParaRPr lang="en-US" altLang="zh-TW" dirty="0"/>
+          </a:p>
+          <a:p>
+            <a:pPr lvl="1"/>
+            <a:r>
+              <a:rPr lang="zh-TW" altLang="en-US" dirty="0"/>
+              <a:t>行程推薦介紹</a:t>
+            </a:r>
+            <a:endParaRPr lang="en-US" altLang="zh-TW" dirty="0"/>
+          </a:p>
+          <a:p>
+            <a:pPr lvl="1"/>
+            <a:r>
+              <a:rPr lang="en-US" altLang="zh-TW" dirty="0"/>
+              <a:t>Facebook</a:t>
+            </a:r>
+            <a:r>
+              <a:rPr lang="zh-TW" altLang="en-US" dirty="0"/>
+              <a:t>功能</a:t>
+            </a:r>
+            <a:endParaRPr lang="en-US" altLang="zh-TW" dirty="0"/>
+          </a:p>
+          <a:p>
+            <a:pPr lvl="1"/>
+            <a:r>
+              <a:rPr lang="zh-TW" altLang="en-US" dirty="0"/>
+              <a:t>景點我的最愛功能</a:t>
+            </a:r>
+            <a:r>
+              <a:rPr lang="en-US" altLang="zh-TW" dirty="0"/>
+              <a:t>(</a:t>
+            </a:r>
+            <a:r>
+              <a:rPr lang="en-US" altLang="zh-TW" dirty="0" err="1"/>
+              <a:t>Localstorage</a:t>
+            </a:r>
+            <a:r>
+              <a:rPr lang="en-US" altLang="zh-TW" dirty="0"/>
+              <a:t>)</a:t>
+            </a:r>
+          </a:p>
+          <a:p>
+            <a:pPr lvl="1"/>
+            <a:r>
+              <a:rPr lang="en-US" altLang="zh-TW" dirty="0" err="1"/>
+              <a:t>css</a:t>
+            </a:r>
+            <a:r>
+              <a:rPr lang="zh-TW" altLang="en-US" dirty="0"/>
+              <a:t>模板</a:t>
+            </a:r>
+            <a:endParaRPr lang="en-US" altLang="zh-TW" dirty="0"/>
+          </a:p>
+          <a:p>
+            <a:endParaRPr lang="en-US" altLang="zh-TW" dirty="0"/>
+          </a:p>
+          <a:p>
+            <a:r>
+              <a:rPr lang="en-US" altLang="zh-TW" dirty="0"/>
+              <a:t>00757128 </a:t>
+            </a:r>
+            <a:r>
+              <a:rPr lang="zh-TW" altLang="en-US" dirty="0"/>
+              <a:t>童楷臻</a:t>
+            </a:r>
+            <a:endParaRPr lang="en-US" altLang="zh-TW" dirty="0"/>
+          </a:p>
+          <a:p>
+            <a:pPr lvl="1"/>
+            <a:r>
+              <a:rPr lang="zh-TW" altLang="en-US" dirty="0"/>
+              <a:t>行程推薦圖片</a:t>
+            </a:r>
+            <a:endParaRPr lang="en-US" altLang="zh-TW" dirty="0"/>
+          </a:p>
+          <a:p>
+            <a:pPr lvl="1"/>
+            <a:r>
+              <a:rPr lang="en-US" altLang="zh-TW" dirty="0"/>
+              <a:t>Google Map</a:t>
+            </a:r>
+            <a:r>
+              <a:rPr lang="zh-TW" altLang="en-US" dirty="0"/>
+              <a:t>功能</a:t>
+            </a:r>
+            <a:endParaRPr lang="en-US" altLang="zh-TW" dirty="0"/>
+          </a:p>
+          <a:p>
+            <a:pPr lvl="1"/>
+            <a:r>
+              <a:rPr lang="zh-TW" altLang="en-US" dirty="0"/>
+              <a:t>路線規劃功能</a:t>
+            </a:r>
+            <a:r>
+              <a:rPr lang="en-US" altLang="zh-TW" dirty="0"/>
+              <a:t>(google map </a:t>
+            </a:r>
+            <a:r>
+              <a:rPr lang="en-US" altLang="zh-TW" dirty="0" err="1"/>
+              <a:t>api</a:t>
+            </a:r>
+            <a:r>
+              <a:rPr lang="en-US" altLang="zh-TW" dirty="0"/>
+              <a:t>)</a:t>
+            </a:r>
+          </a:p>
+        </p:txBody>
+      </p:sp>
+      <p:sp>
+        <p:nvSpPr>
+          <p:cNvPr id="3" name="標題 2">
+            <a:extLst>
+              <a:ext uri="{FF2B5EF4-FFF2-40B4-BE49-F238E27FC236}">
+                <a16:creationId xmlns:a16="http://schemas.microsoft.com/office/drawing/2014/main" xmlns="" id="{86749011-3B67-4EC2-A6A2-82FEC8949B5E}"/>
+              </a:ext>
+            </a:extLst>
+          </p:cNvPr>
+          <p:cNvSpPr>
+            <a:spLocks noGrp="1"/>
+          </p:cNvSpPr>
+          <p:nvPr>
+            <p:ph type="title"/>
+          </p:nvPr>
+        </p:nvSpPr>
+        <p:spPr/>
+        <p:txBody>
           <a:bodyPr/>
           <a:lstStyle/>
           <a:p>
             <a:r>
-              <a:rPr lang="en-US" dirty="0" smtClean="0"/>
-              <a:t>&lt;</a:t>
-            </a:r>
-            <a:r>
-              <a:rPr lang="en-US" dirty="0" smtClean="0"/>
-              <a:t>a </a:t>
-            </a:r>
-            <a:r>
-              <a:rPr lang="en-US" dirty="0" err="1" smtClean="0"/>
-              <a:t>href</a:t>
-            </a:r>
-            <a:r>
-              <a:rPr lang="en-US" dirty="0" smtClean="0"/>
-              <a:t>=“#”</a:t>
-            </a:r>
-            <a:r>
-              <a:rPr lang="en-US" dirty="0" smtClean="0"/>
-              <a:t> data-toggle</a:t>
-            </a:r>
-            <a:r>
-              <a:rPr lang="en-US" dirty="0" smtClean="0"/>
-              <a:t>=“tooltip”</a:t>
-            </a:r>
-            <a:r>
-              <a:rPr lang="en-US" dirty="0" smtClean="0"/>
-              <a:t> </a:t>
-            </a:r>
-            <a:r>
-              <a:rPr lang="zh-TW" altLang="en-US" dirty="0" smtClean="0"/>
-              <a:t> </a:t>
-            </a:r>
-            <a:r>
-              <a:rPr lang="en-US" dirty="0" smtClean="0"/>
-              <a:t>title=“</a:t>
-            </a:r>
-            <a:r>
-              <a:rPr lang="en-US" altLang="zh-TW" dirty="0" smtClean="0"/>
-              <a:t>Wow!</a:t>
-            </a:r>
-            <a:r>
-              <a:rPr lang="en-US" dirty="0" smtClean="0"/>
-              <a:t>"&gt;</a:t>
-            </a:r>
-            <a:r>
-              <a:rPr lang="en-US" dirty="0" smtClean="0"/>
-              <a:t>Hover over me&lt;/a</a:t>
-            </a:r>
-            <a:r>
-              <a:rPr lang="en-US" dirty="0" smtClean="0"/>
-              <a:t>&gt;</a:t>
-            </a:r>
-          </a:p>
-          <a:p>
-            <a:endParaRPr lang="en-US" dirty="0" smtClean="0"/>
-          </a:p>
-          <a:p>
-            <a:r>
-              <a:rPr lang="en-US" dirty="0" smtClean="0"/>
-              <a:t>&lt;script&gt;</a:t>
-            </a:r>
-            <a:br>
-              <a:rPr lang="en-US" dirty="0" smtClean="0"/>
-            </a:br>
-            <a:r>
-              <a:rPr lang="en-US" dirty="0" smtClean="0"/>
-              <a:t>$(document).ready(function(){</a:t>
-            </a:r>
-            <a:br>
-              <a:rPr lang="en-US" dirty="0" smtClean="0"/>
-            </a:br>
-            <a:r>
-              <a:rPr lang="en-US" dirty="0" smtClean="0"/>
-              <a:t>  $('[data-toggle="tooltip"]').tooltip();</a:t>
-            </a:r>
-            <a:br>
-              <a:rPr lang="en-US" dirty="0" smtClean="0"/>
-            </a:br>
-            <a:r>
-              <a:rPr lang="en-US" dirty="0" smtClean="0"/>
-              <a:t>});</a:t>
-            </a:r>
-            <a:br>
-              <a:rPr lang="en-US" dirty="0" smtClean="0"/>
-            </a:br>
-            <a:r>
-              <a:rPr lang="en-US" dirty="0" smtClean="0"/>
-              <a:t>&lt;/script&gt;</a:t>
-            </a:r>
-            <a:endParaRPr lang="en-US" altLang="zh-TW" dirty="0" smtClean="0"/>
-          </a:p>
-          <a:p>
-            <a:endParaRPr lang="zh-TW" altLang="en-US" dirty="0"/>
-          </a:p>
-        </p:txBody>
-      </p:sp>
-      <p:sp>
-        <p:nvSpPr>
-          <p:cNvPr id="3" name="標題 2"/>
-          <p:cNvSpPr>
-            <a:spLocks noGrp="1"/>
-          </p:cNvSpPr>
-          <p:nvPr>
-            <p:ph type="title"/>
-          </p:nvPr>
-        </p:nvSpPr>
-        <p:spPr/>
-        <p:txBody>
-          <a:bodyPr>
-            <a:normAutofit fontScale="90000"/>
-          </a:bodyPr>
-          <a:lstStyle/>
-          <a:p>
-            <a:r>
-              <a:rPr lang="zh-TW" altLang="en-US" dirty="0" smtClean="0"/>
-              <a:t>使用</a:t>
-            </a:r>
-            <a:r>
-              <a:rPr lang="zh-TW" altLang="en-US" dirty="0" smtClean="0"/>
-              <a:t>技術</a:t>
-            </a:r>
-            <a:r>
-              <a:rPr lang="en-US" altLang="zh-TW" dirty="0" smtClean="0"/>
-              <a:t>:</a:t>
-            </a:r>
-            <a:r>
-              <a:rPr lang="zh-TW" altLang="en-US" dirty="0" smtClean="0"/>
-              <a:t> </a:t>
-            </a:r>
-            <a:r>
-              <a:rPr lang="en-US" dirty="0" smtClean="0"/>
-              <a:t>Bootstrap Tooltip</a:t>
-            </a:r>
-            <a:br>
-              <a:rPr lang="en-US" dirty="0" smtClean="0"/>
-            </a:br>
-            <a:endParaRPr lang="zh-TW" altLang="en-US" dirty="0"/>
+              <a:rPr lang="zh-TW" altLang="en-US" dirty="0"/>
+              <a:t>分工</a:t>
+            </a:r>
           </a:p>
         </p:txBody>
       </p:sp>
     </p:spTree>
+    <p:extLst>
+      <p:ext uri="{BB962C8B-B14F-4D97-AF65-F5344CB8AC3E}">
+        <p14:creationId xmlns:p14="http://schemas.microsoft.com/office/powerpoint/2010/main" xmlns="" val="1761698227"/>
+      </p:ext>
+    </p:extLst>
   </p:cSld>
   <p:clrMapOvr>
     <a:masterClrMapping/>
   </p:clrMapOvr>
-  <p:timing>
-    <p:tnLst>
-      <p:par>
-        <p:cTn id="1" dur="indefinite" restart="never" nodeType="tmRoot"/>
-      </p:par>
-    </p:tnLst>
-  </p:timing>
 </p:sld>
 </file>
 
@@ -5619,7 +6702,13 @@
       </p:grpSpPr>
       <p:sp>
         <p:nvSpPr>
-          <p:cNvPr id="2" name="內容版面配置區 1"/>
+          <p:cNvPr id="2" name="內容版面配置區 1">
+            <a:extLst>
+              <a:ext uri="{FF2B5EF4-FFF2-40B4-BE49-F238E27FC236}">
+                <a16:creationId xmlns:a16="http://schemas.microsoft.com/office/drawing/2014/main" xmlns="" id="{02E19076-EFFE-4098-81A4-7D7D9A64BC87}"/>
+              </a:ext>
+            </a:extLst>
+          </p:cNvPr>
           <p:cNvSpPr>
             <a:spLocks noGrp="1"/>
           </p:cNvSpPr>
@@ -5633,62 +6722,89 @@
           <a:lstStyle/>
           <a:p>
             <a:r>
-              <a:rPr lang="en-US" altLang="zh-TW" dirty="0" err="1" smtClean="0"/>
-              <a:t>var</a:t>
-            </a:r>
-            <a:r>
-              <a:rPr lang="en-US" altLang="zh-TW" dirty="0" smtClean="0"/>
-              <a:t> x = ($(this).</a:t>
-            </a:r>
-            <a:r>
-              <a:rPr lang="en-US" altLang="zh-TW" dirty="0" err="1" smtClean="0"/>
-              <a:t>attr</a:t>
-            </a:r>
-            <a:r>
-              <a:rPr lang="en-US" altLang="zh-TW" dirty="0" smtClean="0"/>
-              <a:t>("id</a:t>
-            </a:r>
-            <a:r>
-              <a:rPr lang="en-US" altLang="zh-TW" dirty="0" smtClean="0"/>
-              <a:t>"));</a:t>
-            </a:r>
-          </a:p>
-          <a:p>
-            <a:r>
-              <a:rPr lang="en-US" altLang="zh-TW" dirty="0" err="1" smtClean="0"/>
-              <a:t>var</a:t>
-            </a:r>
-            <a:r>
-              <a:rPr lang="en-US" altLang="zh-TW" dirty="0" smtClean="0"/>
-              <a:t> z = "p" + x</a:t>
-            </a:r>
-            <a:r>
-              <a:rPr lang="en-US" altLang="zh-TW" dirty="0" smtClean="0"/>
-              <a:t>;</a:t>
-            </a:r>
-          </a:p>
-          <a:p>
-            <a:r>
-              <a:rPr lang="en-US" altLang="zh-TW" dirty="0" smtClean="0"/>
-              <a:t>$("#" + z).</a:t>
-            </a:r>
-            <a:r>
-              <a:rPr lang="en-US" altLang="zh-TW" dirty="0" err="1" smtClean="0"/>
-              <a:t>css</a:t>
-            </a:r>
-            <a:r>
-              <a:rPr lang="en-US" altLang="zh-TW" dirty="0" smtClean="0"/>
-              <a:t>("background-color", "#F9836A");</a:t>
-            </a:r>
-          </a:p>
-          <a:p>
+              <a:rPr lang="zh-TW" altLang="en-US" dirty="0"/>
+              <a:t>基本：</a:t>
+            </a:r>
+            <a:endParaRPr lang="en-US" altLang="zh-TW" dirty="0"/>
+          </a:p>
+          <a:p>
+            <a:pPr lvl="1"/>
+            <a:r>
+              <a:rPr lang="en-US" altLang="zh-TW" dirty="0"/>
+              <a:t>HTML, CSS, </a:t>
+            </a:r>
+            <a:r>
+              <a:rPr lang="en-US" altLang="zh-TW" dirty="0" err="1"/>
+              <a:t>Javascript</a:t>
+            </a:r>
+            <a:endParaRPr lang="en-US" altLang="zh-TW" dirty="0"/>
+          </a:p>
+          <a:p>
+            <a:r>
+              <a:rPr lang="zh-TW" altLang="en-US" dirty="0"/>
+              <a:t>進階：</a:t>
+            </a:r>
+            <a:endParaRPr lang="en-US" altLang="zh-TW" dirty="0"/>
+          </a:p>
+          <a:p>
+            <a:pPr lvl="1"/>
+            <a:r>
+              <a:rPr lang="en-US" altLang="zh-TW" dirty="0"/>
+              <a:t>Bootstrap(</a:t>
+            </a:r>
+            <a:r>
+              <a:rPr lang="zh-TW" altLang="en-US" dirty="0"/>
+              <a:t>排版</a:t>
+            </a:r>
+            <a:r>
+              <a:rPr lang="en-US" altLang="zh-TW" dirty="0"/>
+              <a:t>)</a:t>
+            </a:r>
+          </a:p>
+          <a:p>
+            <a:pPr lvl="1"/>
+            <a:r>
+              <a:rPr lang="en-US" altLang="zh-TW" dirty="0"/>
+              <a:t>jQuery</a:t>
+            </a:r>
+          </a:p>
+          <a:p>
+            <a:pPr lvl="1"/>
+            <a:r>
+              <a:rPr lang="en-US" altLang="zh-TW" dirty="0"/>
+              <a:t>Facebook API</a:t>
+            </a:r>
+          </a:p>
+          <a:p>
+            <a:pPr lvl="1"/>
+            <a:r>
+              <a:rPr lang="en-US" altLang="zh-TW" dirty="0"/>
+              <a:t>Google Maps </a:t>
+            </a:r>
+            <a:r>
+              <a:rPr lang="en-US" altLang="zh-TW" dirty="0" err="1"/>
+              <a:t>Javascript</a:t>
+            </a:r>
+            <a:r>
+              <a:rPr lang="en-US" altLang="zh-TW" dirty="0"/>
+              <a:t> API</a:t>
+            </a:r>
+          </a:p>
+          <a:p>
+            <a:pPr lvl="1"/>
             <a:endParaRPr lang="zh-TW" altLang="en-US" dirty="0"/>
           </a:p>
         </p:txBody>
       </p:sp>
       <p:sp>
         <p:nvSpPr>
-          <p:cNvPr id="3" name="標題 2"/>
+          <p:cNvPr id="3" name="標題 2">
+            <a:extLst>
+              <a:ext uri="{FF2B5EF4-FFF2-40B4-BE49-F238E27FC236}">
+                <a16:creationId xmlns:a16="http://schemas.microsoft.com/office/drawing/2014/main" xmlns="" id="{228F85B0-1D94-4ED0-9042-A579972F23AC}"/>
+              </a:ext>
+            </a:extLst>
+          </p:cNvPr>
           <p:cNvSpPr>
             <a:spLocks noGrp="1"/>
           </p:cNvSpPr>
@@ -5702,29 +6818,22 @@
           <a:lstStyle/>
           <a:p>
             <a:r>
-              <a:rPr lang="zh-TW" altLang="en-US" dirty="0" smtClean="0"/>
-              <a:t>使用技術 </a:t>
-            </a:r>
-            <a:r>
-              <a:rPr lang="en-US" altLang="zh-TW" dirty="0" err="1" smtClean="0"/>
-              <a:t>jQuery</a:t>
-            </a:r>
-            <a:endParaRPr lang="zh-TW" altLang="en-US" dirty="0"/>
+              <a:rPr lang="zh-TW" altLang="en-US" dirty="0"/>
+              <a:t>使用技術一覽</a:t>
+            </a:r>
           </a:p>
         </p:txBody>
       </p:sp>
     </p:spTree>
+    <p:extLst>
+      <p:ext uri="{BB962C8B-B14F-4D97-AF65-F5344CB8AC3E}">
+        <p14:creationId xmlns:p14="http://schemas.microsoft.com/office/powerpoint/2010/main" xmlns="" val="3739788557"/>
+      </p:ext>
+    </p:extLst>
   </p:cSld>
   <p:clrMapOvr>
     <a:masterClrMapping/>
   </p:clrMapOvr>
-  <p:timing>
-    <p:tnLst>
-      <p:par>
-        <p:cTn id="1" dur="indefinite" restart="never" nodeType="tmRoot"/>
-      </p:par>
-    </p:tnLst>
-  </p:timing>
 </p:sld>
 </file>
 
@@ -5758,130 +6867,76 @@
         <p:spPr/>
         <p:txBody>
           <a:bodyPr>
-            <a:normAutofit/>
+            <a:normAutofit lnSpcReduction="10000"/>
           </a:bodyPr>
           <a:lstStyle/>
           <a:p>
-            <a:r>
-              <a:rPr lang="en-US" altLang="zh-TW" dirty="0" err="1" smtClean="0"/>
-              <a:t>window.localStorage.setItem</a:t>
-            </a:r>
-            <a:r>
-              <a:rPr lang="en-US" altLang="zh-TW" dirty="0" smtClean="0"/>
-              <a:t>("#" + z, "#F9836A</a:t>
-            </a:r>
-            <a:r>
-              <a:rPr lang="en-US" altLang="zh-TW" dirty="0" smtClean="0"/>
-              <a:t>");</a:t>
-            </a:r>
-          </a:p>
-          <a:p>
-            <a:endParaRPr lang="en-US" altLang="zh-TW" dirty="0" smtClean="0"/>
-          </a:p>
-          <a:p>
-            <a:r>
-              <a:rPr lang="en-US" altLang="zh-TW" dirty="0" err="1" smtClean="0"/>
-              <a:t>window.localStorage.removeItem</a:t>
-            </a:r>
-            <a:r>
-              <a:rPr lang="en-US" altLang="zh-TW" dirty="0" smtClean="0"/>
-              <a:t>("#" + z</a:t>
-            </a:r>
-            <a:r>
-              <a:rPr lang="en-US" altLang="zh-TW" dirty="0" smtClean="0"/>
-              <a:t>);</a:t>
-            </a:r>
-          </a:p>
-          <a:p>
-            <a:endParaRPr lang="en-US" altLang="zh-TW" dirty="0" smtClean="0"/>
-          </a:p>
-          <a:p>
-            <a:r>
-              <a:rPr lang="en-US" altLang="zh-TW" dirty="0" smtClean="0"/>
-              <a:t>tag[</a:t>
-            </a:r>
-            <a:r>
-              <a:rPr lang="en-US" altLang="zh-TW" dirty="0" err="1" smtClean="0"/>
-              <a:t>i</a:t>
-            </a:r>
-            <a:r>
-              <a:rPr lang="en-US" altLang="zh-TW" dirty="0" smtClean="0"/>
-              <a:t>] = </a:t>
-            </a:r>
-            <a:r>
-              <a:rPr lang="en-US" altLang="zh-TW" dirty="0" err="1" smtClean="0"/>
-              <a:t>localStorage.key</a:t>
-            </a:r>
-            <a:r>
-              <a:rPr lang="en-US" altLang="zh-TW" dirty="0" smtClean="0"/>
-              <a:t>(</a:t>
-            </a:r>
-            <a:r>
-              <a:rPr lang="en-US" altLang="zh-TW" dirty="0" err="1" smtClean="0"/>
-              <a:t>i</a:t>
-            </a:r>
-            <a:r>
-              <a:rPr lang="en-US" altLang="zh-TW" dirty="0" smtClean="0"/>
-              <a:t>);</a:t>
-            </a:r>
-          </a:p>
-          <a:p>
-            <a:endParaRPr lang="en-US" altLang="zh-TW" dirty="0" smtClean="0"/>
-          </a:p>
-          <a:p>
-            <a:r>
-              <a:rPr lang="en-US" altLang="zh-TW" dirty="0" err="1" smtClean="0"/>
-              <a:t>var</a:t>
-            </a:r>
-            <a:r>
-              <a:rPr lang="en-US" altLang="zh-TW" dirty="0" smtClean="0"/>
-              <a:t> v = </a:t>
-            </a:r>
-            <a:r>
-              <a:rPr lang="en-US" altLang="zh-TW" dirty="0" err="1" smtClean="0"/>
-              <a:t>window.localStorage.getItem</a:t>
-            </a:r>
-            <a:r>
-              <a:rPr lang="en-US" altLang="zh-TW" dirty="0" smtClean="0"/>
-              <a:t>(tag[</a:t>
-            </a:r>
-            <a:r>
-              <a:rPr lang="en-US" altLang="zh-TW" dirty="0" err="1" smtClean="0"/>
-              <a:t>i</a:t>
-            </a:r>
-            <a:r>
-              <a:rPr lang="en-US" altLang="zh-TW" dirty="0" smtClean="0"/>
-              <a:t>]);</a:t>
-            </a:r>
-          </a:p>
-          <a:p>
-            <a:r>
-              <a:rPr lang="en-US" altLang="zh-TW" dirty="0" smtClean="0"/>
-              <a:t>       </a:t>
-            </a:r>
-            <a:r>
-              <a:rPr lang="en-US" altLang="zh-TW" dirty="0" smtClean="0"/>
-              <a:t>$(</a:t>
-            </a:r>
-            <a:r>
-              <a:rPr lang="en-US" altLang="zh-TW" dirty="0" smtClean="0"/>
-              <a:t>tag[</a:t>
-            </a:r>
-            <a:r>
-              <a:rPr lang="en-US" altLang="zh-TW" dirty="0" err="1" smtClean="0"/>
-              <a:t>i</a:t>
-            </a:r>
-            <a:r>
-              <a:rPr lang="en-US" altLang="zh-TW" dirty="0" smtClean="0"/>
-              <a:t>]).</a:t>
-            </a:r>
-            <a:r>
-              <a:rPr lang="en-US" altLang="zh-TW" dirty="0" err="1" smtClean="0"/>
-              <a:t>css</a:t>
-            </a:r>
-            <a:r>
-              <a:rPr lang="en-US" altLang="zh-TW" dirty="0" smtClean="0"/>
-              <a:t>("background-color", v);</a:t>
+            <a:endParaRPr lang="en-US" altLang="zh-TW" dirty="0"/>
+          </a:p>
+          <a:p>
+            <a:r>
+              <a:rPr lang="en-US" dirty="0"/>
+              <a:t>&lt;</a:t>
+            </a:r>
+            <a:r>
+              <a:rPr lang="en-US" dirty="0" err="1"/>
+              <a:t>iframe</a:t>
+            </a:r>
+            <a:r>
+              <a:rPr lang="en-US" dirty="0"/>
+              <a:t> </a:t>
+            </a:r>
+            <a:r>
+              <a:rPr lang="en-US" dirty="0" err="1"/>
+              <a:t>src</a:t>
+            </a:r>
+            <a:r>
+              <a:rPr lang="en-US" dirty="0"/>
+              <a:t>="https://www.facebook.com/plugins/like.php?href=https%3A%2F%2F</a:t>
+            </a:r>
+            <a:r>
+              <a:rPr lang="en-US" dirty="0">
+                <a:solidFill>
+                  <a:srgbClr val="FF0000"/>
+                </a:solidFill>
+              </a:rPr>
+              <a:t>brad072623.github.io</a:t>
+            </a:r>
+            <a:r>
+              <a:rPr lang="en-US" dirty="0"/>
+              <a:t>%2Fhw%2F&amp;width=300&amp;layout=standard&amp;action=like&amp;size=small&amp;share=true&amp;height=35&amp;appId" width="300" height="35" style="</a:t>
+            </a:r>
+            <a:r>
+              <a:rPr lang="en-US" dirty="0" err="1"/>
+              <a:t>border:none;overflow:hidden</a:t>
+            </a:r>
+            <a:r>
+              <a:rPr lang="en-US" dirty="0"/>
+              <a:t>" scrolling="no" </a:t>
+            </a:r>
+            <a:r>
+              <a:rPr lang="en-US" dirty="0" err="1"/>
+              <a:t>frameborder</a:t>
+            </a:r>
+            <a:r>
+              <a:rPr lang="en-US" dirty="0"/>
+              <a:t>="0" </a:t>
+            </a:r>
+            <a:r>
+              <a:rPr lang="en-US" dirty="0" err="1"/>
+              <a:t>allowTransparency</a:t>
+            </a:r>
+            <a:r>
+              <a:rPr lang="en-US" dirty="0"/>
+              <a:t>="true" allow="encrypted-media"&gt;&lt;/</a:t>
+            </a:r>
+            <a:r>
+              <a:rPr lang="en-US" dirty="0" err="1"/>
+              <a:t>iframe</a:t>
+            </a:r>
+            <a:r>
+              <a:rPr lang="en-US" dirty="0"/>
+              <a:t>&gt;</a:t>
             </a:r>
             <a:endParaRPr lang="zh-TW" altLang="en-US" dirty="0"/>
           </a:p>
@@ -5899,25 +6954,30 @@
         </p:nvSpPr>
         <p:spPr/>
         <p:txBody>
-          <a:bodyPr/>
-          <a:lstStyle/>
-          <a:p>
-            <a:r>
-              <a:rPr lang="zh-TW" altLang="en-US" dirty="0" smtClean="0"/>
-              <a:t>使用</a:t>
-            </a:r>
-            <a:r>
-              <a:rPr lang="zh-TW" altLang="en-US" dirty="0" smtClean="0"/>
-              <a:t>技術</a:t>
-            </a:r>
-            <a:r>
-              <a:rPr lang="en-US" altLang="zh-TW" dirty="0" smtClean="0"/>
+          <a:bodyPr>
+            <a:normAutofit fontScale="90000"/>
+          </a:bodyPr>
+          <a:lstStyle/>
+          <a:p>
+            <a:r>
+              <a:rPr lang="zh-TW" altLang="en-US" dirty="0"/>
+              <a:t>使用技術</a:t>
+            </a:r>
+            <a:r>
+              <a:rPr lang="en-US" altLang="zh-TW" dirty="0"/>
               <a:t>:</a:t>
             </a:r>
             <a:r>
-              <a:rPr lang="en-US" altLang="zh-TW" dirty="0" err="1" smtClean="0"/>
-              <a:t>localStorage</a:t>
-            </a:r>
+              <a:rPr lang="en-US" altLang="zh-TW" dirty="0" err="1"/>
+              <a:t>Facebook</a:t>
+            </a:r>
+            <a:r>
+              <a:rPr lang="en-US" altLang="zh-TW" dirty="0"/>
+              <a:t> API</a:t>
+            </a:r>
+            <a:br>
+              <a:rPr lang="en-US" altLang="zh-TW" dirty="0"/>
+            </a:br>
             <a:endParaRPr lang="zh-TW" altLang="en-US" dirty="0"/>
           </a:p>
         </p:txBody>
@@ -5963,10 +7023,71 @@
           <a:lstStyle/>
           <a:p>
             <a:r>
-              <a:rPr lang="zh-TW" altLang="en-US" dirty="0" smtClean="0"/>
-              <a:t>可儲存你想要的景點。</a:t>
-            </a:r>
-            <a:endParaRPr lang="en-US" altLang="zh-TW" dirty="0" smtClean="0"/>
+              <a:rPr lang="en-US" dirty="0"/>
+              <a:t>&lt;a </a:t>
+            </a:r>
+            <a:r>
+              <a:rPr lang="en-US" dirty="0" err="1"/>
+              <a:t>href</a:t>
+            </a:r>
+            <a:r>
+              <a:rPr lang="en-US" dirty="0"/>
+              <a:t>=“#” data-toggle=“tooltip” </a:t>
+            </a:r>
+            <a:r>
+              <a:rPr lang="zh-TW" altLang="en-US" dirty="0"/>
+              <a:t> </a:t>
+            </a:r>
+            <a:r>
+              <a:rPr lang="en-US" dirty="0"/>
+              <a:t>title=“</a:t>
+            </a:r>
+            <a:r>
+              <a:rPr lang="en-US" altLang="zh-TW" dirty="0"/>
+              <a:t>Wow!</a:t>
+            </a:r>
+            <a:r>
+              <a:rPr lang="en-US" dirty="0"/>
+              <a:t>"&gt;Hover over me&lt;/a&gt;</a:t>
+            </a:r>
+          </a:p>
+          <a:p>
+            <a:endParaRPr lang="en-US" dirty="0"/>
+          </a:p>
+          <a:p>
+            <a:r>
+              <a:rPr lang="en-US" dirty="0"/>
+              <a:t>&lt;script&gt;</a:t>
+            </a:r>
+            <a:br>
+              <a:rPr lang="en-US" dirty="0"/>
+            </a:br>
+            <a:r>
+              <a:rPr lang="en-US" dirty="0"/>
+              <a:t>$(document).ready(function(){</a:t>
+            </a:r>
+            <a:br>
+              <a:rPr lang="en-US" dirty="0"/>
+            </a:br>
+            <a:r>
+              <a:rPr lang="en-US" dirty="0"/>
+              <a:t>  $('[data-toggle="tooltip"]').tooltip();</a:t>
+            </a:r>
+            <a:br>
+              <a:rPr lang="en-US" dirty="0"/>
+            </a:br>
+            <a:r>
+              <a:rPr lang="en-US" dirty="0"/>
+              <a:t>});</a:t>
+            </a:r>
+            <a:br>
+              <a:rPr lang="en-US" dirty="0"/>
+            </a:br>
+            <a:r>
+              <a:rPr lang="en-US" dirty="0"/>
+              <a:t>&lt;/script&gt;</a:t>
+            </a:r>
+            <a:endParaRPr lang="en-US" altLang="zh-TW" dirty="0"/>
           </a:p>
           <a:p>
             <a:endParaRPr lang="zh-TW" altLang="en-US" dirty="0"/>
@@ -5985,13 +7106,30 @@
         </p:nvSpPr>
         <p:spPr/>
         <p:txBody>
-          <a:bodyPr/>
-          <a:lstStyle/>
-          <a:p>
-            <a:r>
-              <a:rPr lang="zh-TW" altLang="en-US" dirty="0" smtClean="0"/>
-              <a:t>網站特色</a:t>
-            </a:r>
+          <a:bodyPr>
+            <a:normAutofit fontScale="90000"/>
+          </a:bodyPr>
+          <a:lstStyle/>
+          <a:p>
+            <a:r>
+              <a:rPr lang="zh-TW" altLang="en-US" dirty="0"/>
+              <a:t>使用技術</a:t>
+            </a:r>
+            <a:r>
+              <a:rPr lang="en-US" altLang="zh-TW" dirty="0"/>
+              <a:t>:</a:t>
+            </a:r>
+            <a:r>
+              <a:rPr lang="zh-TW" altLang="en-US" dirty="0"/>
+              <a:t> </a:t>
+            </a:r>
+            <a:r>
+              <a:rPr lang="en-US" dirty="0"/>
+              <a:t>Bootstrap Tooltip</a:t>
+            </a:r>
+            <a:br>
+              <a:rPr lang="en-US" dirty="0"/>
+            </a:br>
             <a:endParaRPr lang="zh-TW" altLang="en-US" dirty="0"/>
           </a:p>
         </p:txBody>
@@ -6037,55 +7175,92 @@
           <a:lstStyle/>
           <a:p>
             <a:r>
-              <a:rPr lang="en-US" altLang="zh-TW" sz="2800" dirty="0" err="1" smtClean="0"/>
-              <a:t>Facebook</a:t>
-            </a:r>
-            <a:r>
-              <a:rPr lang="zh-TW" altLang="en-US" sz="2800" dirty="0" smtClean="0"/>
-              <a:t> </a:t>
-            </a:r>
-            <a:r>
-              <a:rPr lang="en-US" altLang="zh-TW" sz="2800" dirty="0" smtClean="0"/>
-              <a:t>API</a:t>
-            </a:r>
-            <a:r>
-              <a:rPr lang="zh-TW" altLang="en-US" sz="2800" dirty="0" smtClean="0"/>
-              <a:t/>
-            </a:r>
-            <a:br>
-              <a:rPr lang="zh-TW" altLang="en-US" sz="2800" dirty="0" smtClean="0"/>
-            </a:br>
-            <a:r>
-              <a:rPr lang="en-US" altLang="zh-TW" sz="2800" dirty="0" smtClean="0">
-                <a:hlinkClick r:id="rId2"/>
-              </a:rPr>
-              <a:t>http://developers.facebook.com</a:t>
-            </a:r>
-            <a:r>
-              <a:rPr lang="en-US" altLang="zh-TW" sz="2800" dirty="0" smtClean="0">
-                <a:hlinkClick r:id="rId2"/>
-              </a:rPr>
-              <a:t>/</a:t>
-            </a:r>
-            <a:endParaRPr lang="en-US" altLang="zh-TW" sz="2800" dirty="0" smtClean="0"/>
-          </a:p>
-          <a:p>
-            <a:endParaRPr lang="en-US" altLang="zh-TW" sz="2800" dirty="0" smtClean="0"/>
-          </a:p>
-          <a:p>
-            <a:r>
-              <a:rPr lang="en-US" altLang="zh-TW" sz="2800" dirty="0" smtClean="0"/>
-              <a:t>Bootstrap </a:t>
-            </a:r>
-          </a:p>
-          <a:p>
-            <a:r>
-              <a:rPr lang="en-US" sz="2800" dirty="0" smtClean="0">
-                <a:hlinkClick r:id="rId3"/>
-              </a:rPr>
-              <a:t>https://www.w3schools.com/bootstrap/bootstrap_tooltip.asp</a:t>
-            </a:r>
-            <a:endParaRPr lang="en-US" altLang="zh-TW" sz="2800" dirty="0" smtClean="0"/>
+              <a:rPr lang="en-US" altLang="zh-TW" dirty="0" err="1"/>
+              <a:t>var</a:t>
+            </a:r>
+            <a:r>
+              <a:rPr lang="en-US" altLang="zh-TW" dirty="0"/>
+              <a:t> x = ($(this).</a:t>
+            </a:r>
+            <a:r>
+              <a:rPr lang="en-US" altLang="zh-TW" dirty="0" err="1"/>
+              <a:t>attr</a:t>
+            </a:r>
+            <a:r>
+              <a:rPr lang="en-US" altLang="zh-TW" dirty="0" smtClean="0"/>
+              <a:t>(“id”));//</a:t>
+            </a:r>
+            <a:r>
+              <a:rPr lang="zh-TW" altLang="en-US" dirty="0" smtClean="0"/>
+              <a:t>取得當下</a:t>
+            </a:r>
+            <a:r>
+              <a:rPr lang="en-US" altLang="zh-TW" dirty="0" smtClean="0"/>
+              <a:t>button ID</a:t>
+            </a:r>
+            <a:endParaRPr lang="en-US" altLang="zh-TW" dirty="0"/>
+          </a:p>
+          <a:p>
+            <a:r>
+              <a:rPr lang="en-US" altLang="zh-TW" dirty="0" err="1"/>
+              <a:t>var</a:t>
+            </a:r>
+            <a:r>
+              <a:rPr lang="en-US" altLang="zh-TW" dirty="0"/>
+              <a:t> z = </a:t>
+            </a:r>
+            <a:r>
+              <a:rPr lang="en-US" altLang="zh-TW" dirty="0" smtClean="0"/>
+              <a:t>“p” </a:t>
+            </a:r>
+            <a:r>
+              <a:rPr lang="en-US" altLang="zh-TW" dirty="0"/>
+              <a:t>+ x</a:t>
+            </a:r>
+            <a:r>
+              <a:rPr lang="en-US" altLang="zh-TW" dirty="0" smtClean="0"/>
+              <a:t>; //di</a:t>
+            </a:r>
+            <a:r>
+              <a:rPr lang="en-US" altLang="zh-TW" dirty="0" smtClean="0"/>
+              <a:t>v</a:t>
+            </a:r>
+            <a:r>
+              <a:rPr lang="zh-TW" altLang="en-US" dirty="0" smtClean="0"/>
+              <a:t>的</a:t>
+            </a:r>
+            <a:r>
+              <a:rPr lang="en-US" altLang="zh-TW" dirty="0" smtClean="0"/>
+              <a:t>id</a:t>
+            </a:r>
+            <a:endParaRPr lang="en-US" altLang="zh-TW" dirty="0"/>
+          </a:p>
+          <a:p>
+            <a:r>
+              <a:rPr lang="en-US" altLang="zh-TW" dirty="0" smtClean="0"/>
+              <a:t>$(“#” </a:t>
+            </a:r>
+            <a:r>
+              <a:rPr lang="en-US" altLang="zh-TW" dirty="0"/>
+              <a:t>+ z).</a:t>
+            </a:r>
+            <a:r>
+              <a:rPr lang="en-US" altLang="zh-TW" dirty="0" err="1"/>
+              <a:t>css</a:t>
+            </a:r>
+            <a:r>
+              <a:rPr lang="en-US" altLang="zh-TW" dirty="0" smtClean="0"/>
+              <a:t>(“background-color”, “#F9836A”);//</a:t>
+            </a:r>
+            <a:r>
+              <a:rPr lang="zh-TW" altLang="en-US" dirty="0" smtClean="0"/>
+              <a:t>改變</a:t>
+            </a:r>
+            <a:r>
+              <a:rPr lang="zh-TW" altLang="en-US" dirty="0" smtClean="0"/>
+              <a:t>背景顏色</a:t>
+            </a:r>
+            <a:endParaRPr lang="en-US" altLang="zh-TW" dirty="0"/>
           </a:p>
           <a:p>
             <a:endParaRPr lang="zh-TW" altLang="en-US" dirty="0"/>
@@ -6108,8 +7283,12 @@
           <a:lstStyle/>
           <a:p>
             <a:r>
-              <a:rPr lang="zh-TW" altLang="en-US" dirty="0" smtClean="0"/>
-              <a:t>資料來源</a:t>
+              <a:rPr lang="zh-TW" altLang="en-US" dirty="0"/>
+              <a:t>使用技術 </a:t>
+            </a:r>
+            <a:r>
+              <a:rPr lang="en-US" altLang="zh-TW" dirty="0" err="1"/>
+              <a:t>jQuery</a:t>
             </a:r>
             <a:endParaRPr lang="zh-TW" altLang="en-US" dirty="0"/>
           </a:p>
@@ -6152,29 +7331,198 @@
         </p:nvSpPr>
         <p:spPr/>
         <p:txBody>
+          <a:bodyPr>
+            <a:normAutofit fontScale="92500" lnSpcReduction="10000"/>
+          </a:bodyPr>
+          <a:lstStyle/>
+          <a:p>
+            <a:r>
+              <a:rPr lang="en-US" altLang="zh-TW" dirty="0" err="1"/>
+              <a:t>window.localStorage.setItem</a:t>
+            </a:r>
+            <a:r>
+              <a:rPr lang="en-US" altLang="zh-TW" dirty="0"/>
+              <a:t>("#" + z, "#F9836A");</a:t>
+            </a:r>
+          </a:p>
+          <a:p>
+            <a:endParaRPr lang="en-US" altLang="zh-TW" dirty="0"/>
+          </a:p>
+          <a:p>
+            <a:r>
+              <a:rPr lang="en-US" altLang="zh-TW" dirty="0" err="1"/>
+              <a:t>window.localStorage.removeItem</a:t>
+            </a:r>
+            <a:r>
+              <a:rPr lang="en-US" altLang="zh-TW" dirty="0"/>
+              <a:t>("#" + z);</a:t>
+            </a:r>
+          </a:p>
+          <a:p>
+            <a:endParaRPr lang="en-US" altLang="zh-TW" dirty="0"/>
+          </a:p>
+          <a:p>
+            <a:r>
+              <a:rPr lang="en-US" altLang="zh-TW" dirty="0"/>
+              <a:t>tag[</a:t>
+            </a:r>
+            <a:r>
+              <a:rPr lang="en-US" altLang="zh-TW" dirty="0" err="1"/>
+              <a:t>i</a:t>
+            </a:r>
+            <a:r>
+              <a:rPr lang="en-US" altLang="zh-TW" dirty="0"/>
+              <a:t>] = </a:t>
+            </a:r>
+            <a:r>
+              <a:rPr lang="en-US" altLang="zh-TW" dirty="0" err="1"/>
+              <a:t>localStorage.key</a:t>
+            </a:r>
+            <a:r>
+              <a:rPr lang="en-US" altLang="zh-TW" dirty="0"/>
+              <a:t>(</a:t>
+            </a:r>
+            <a:r>
+              <a:rPr lang="en-US" altLang="zh-TW" dirty="0" err="1"/>
+              <a:t>i</a:t>
+            </a:r>
+            <a:r>
+              <a:rPr lang="en-US" altLang="zh-TW" dirty="0" smtClean="0"/>
+              <a:t>);//</a:t>
+            </a:r>
+            <a:r>
+              <a:rPr lang="zh-TW" altLang="en-US" dirty="0" smtClean="0"/>
+              <a:t>取</a:t>
+            </a:r>
+            <a:r>
+              <a:rPr lang="en-US" altLang="zh-TW" dirty="0" err="1" smtClean="0"/>
+              <a:t>localStorage</a:t>
+            </a:r>
+            <a:r>
+              <a:rPr lang="zh-TW" altLang="en-US" dirty="0" smtClean="0"/>
+              <a:t>的</a:t>
+            </a:r>
+            <a:r>
+              <a:rPr lang="en-US" altLang="zh-TW" dirty="0" smtClean="0"/>
+              <a:t>						key</a:t>
+            </a:r>
+            <a:endParaRPr lang="en-US" altLang="zh-TW" dirty="0"/>
+          </a:p>
+          <a:p>
+            <a:endParaRPr lang="en-US" altLang="zh-TW" dirty="0"/>
+          </a:p>
+          <a:p>
+            <a:r>
+              <a:rPr lang="en-US" altLang="zh-TW" dirty="0" err="1"/>
+              <a:t>var</a:t>
+            </a:r>
+            <a:r>
+              <a:rPr lang="en-US" altLang="zh-TW" dirty="0"/>
+              <a:t> v = </a:t>
+            </a:r>
+            <a:r>
+              <a:rPr lang="en-US" altLang="zh-TW" dirty="0" err="1"/>
+              <a:t>window.localStorage.getItem</a:t>
+            </a:r>
+            <a:r>
+              <a:rPr lang="en-US" altLang="zh-TW" dirty="0"/>
+              <a:t>(tag[</a:t>
+            </a:r>
+            <a:r>
+              <a:rPr lang="en-US" altLang="zh-TW" dirty="0" err="1"/>
+              <a:t>i</a:t>
+            </a:r>
+            <a:r>
+              <a:rPr lang="en-US" altLang="zh-TW" dirty="0" smtClean="0"/>
+              <a:t>]);</a:t>
+            </a:r>
+          </a:p>
+          <a:p>
+            <a:r>
+              <a:rPr lang="en-US" altLang="zh-TW" dirty="0" smtClean="0"/>
+              <a:t>//</a:t>
+            </a:r>
+            <a:r>
+              <a:rPr lang="zh-TW" altLang="en-US" dirty="0" smtClean="0"/>
+              <a:t>取</a:t>
+            </a:r>
+            <a:r>
+              <a:rPr lang="en-US" altLang="zh-TW" dirty="0" smtClean="0"/>
+              <a:t>key</a:t>
+            </a:r>
+            <a:r>
+              <a:rPr lang="zh-TW" altLang="en-US" dirty="0" smtClean="0"/>
+              <a:t>的</a:t>
+            </a:r>
+            <a:r>
+              <a:rPr lang="en-US" altLang="zh-TW" dirty="0" smtClean="0"/>
+              <a:t>value</a:t>
+            </a:r>
+          </a:p>
+          <a:p>
+            <a:endParaRPr lang="en-US" altLang="zh-TW" dirty="0"/>
+          </a:p>
+          <a:p>
+            <a:r>
+              <a:rPr lang="en-US" altLang="zh-TW" dirty="0" smtClean="0"/>
+              <a:t>$(</a:t>
+            </a:r>
+            <a:r>
+              <a:rPr lang="en-US" altLang="zh-TW" dirty="0"/>
+              <a:t>tag[</a:t>
+            </a:r>
+            <a:r>
+              <a:rPr lang="en-US" altLang="zh-TW" dirty="0" err="1"/>
+              <a:t>i</a:t>
+            </a:r>
+            <a:r>
+              <a:rPr lang="en-US" altLang="zh-TW" dirty="0"/>
+              <a:t>]).</a:t>
+            </a:r>
+            <a:r>
+              <a:rPr lang="en-US" altLang="zh-TW" dirty="0" err="1"/>
+              <a:t>css</a:t>
+            </a:r>
+            <a:r>
+              <a:rPr lang="en-US" altLang="zh-TW" dirty="0"/>
+              <a:t>("background-color", v</a:t>
+            </a:r>
+            <a:r>
+              <a:rPr lang="en-US" altLang="zh-TW" dirty="0" smtClean="0"/>
+              <a:t>);</a:t>
+            </a:r>
+            <a:endParaRPr lang="zh-TW" altLang="en-US" dirty="0"/>
+          </a:p>
+        </p:txBody>
+      </p:sp>
+      <p:sp>
+        <p:nvSpPr>
+          <p:cNvPr id="3" name="標題 2"/>
+          <p:cNvSpPr>
+            <a:spLocks noGrp="1"/>
+          </p:cNvSpPr>
+          <p:nvPr>
+            <p:ph type="title"/>
+          </p:nvPr>
+        </p:nvSpPr>
+        <p:spPr/>
+        <p:txBody>
           <a:bodyPr/>
           <a:lstStyle/>
           <a:p>
-            <a:endParaRPr lang="zh-TW" altLang="en-US"/>
-          </a:p>
-        </p:txBody>
-      </p:sp>
-      <p:sp>
-        <p:nvSpPr>
-          <p:cNvPr id="3" name="標題 2"/>
-          <p:cNvSpPr>
-            <a:spLocks noGrp="1"/>
-          </p:cNvSpPr>
-          <p:nvPr>
-            <p:ph type="title"/>
-          </p:nvPr>
-        </p:nvSpPr>
-        <p:spPr/>
-        <p:txBody>
-          <a:bodyPr/>
-          <a:lstStyle/>
-          <a:p>
-            <a:endParaRPr lang="zh-TW" altLang="en-US"/>
+            <a:r>
+              <a:rPr lang="zh-TW" altLang="en-US" dirty="0"/>
+              <a:t>使用技術</a:t>
+            </a:r>
+            <a:r>
+              <a:rPr lang="en-US" altLang="zh-TW" dirty="0"/>
+              <a:t>:</a:t>
+            </a:r>
+            <a:r>
+              <a:rPr lang="en-US" altLang="zh-TW" dirty="0" err="1"/>
+              <a:t>localStorage</a:t>
+            </a:r>
+            <a:endParaRPr lang="zh-TW" altLang="en-US" dirty="0"/>
           </a:p>
         </p:txBody>
       </p:sp>

--- a/台灣旅遊地圖-00757108+00757128.pptx
+++ b/台灣旅遊地圖-00757108+00757128.pptx
@@ -18,7 +18,10 @@
     <p:sldId id="268" r:id="rId12"/>
     <p:sldId id="269" r:id="rId13"/>
     <p:sldId id="271" r:id="rId14"/>
-    <p:sldId id="262" r:id="rId15"/>
+    <p:sldId id="274" r:id="rId15"/>
+    <p:sldId id="275" r:id="rId16"/>
+    <p:sldId id="276" r:id="rId17"/>
+    <p:sldId id="262" r:id="rId18"/>
   </p:sldIdLst>
   <p:sldSz cx="9144000" cy="6858000" type="screen4x3"/>
   <p:notesSz cx="6858000" cy="9144000"/>
@@ -219,7 +222,7 @@
           <a:lstStyle/>
           <a:p>
             <a:pPr algn="ctr" eaLnBrk="1" latinLnBrk="0" hangingPunct="1"/>
-            <a:endParaRPr kumimoji="0" lang="en-US"/>
+            <a:endParaRPr kumimoji="0" lang="en-US" dirty="0"/>
           </a:p>
         </p:txBody>
       </p:sp>
@@ -431,7 +434,7 @@
             <a:bodyPr vert="horz" wrap="square" lIns="91440" tIns="45720" rIns="91440" bIns="45720" anchor="t" compatLnSpc="1"/>
             <a:lstStyle/>
             <a:p>
-              <a:endParaRPr kumimoji="0" lang="en-US"/>
+              <a:endParaRPr kumimoji="0" lang="en-US" dirty="0"/>
             </a:p>
           </p:txBody>
         </p:sp>
@@ -511,7 +514,7 @@
             <a:bodyPr vert="horz" wrap="square" lIns="91440" tIns="45720" rIns="91440" bIns="45720" anchor="t" compatLnSpc="1"/>
             <a:lstStyle/>
             <a:p>
-              <a:endParaRPr kumimoji="0" lang="en-US"/>
+              <a:endParaRPr kumimoji="0" lang="en-US" dirty="0"/>
             </a:p>
           </p:txBody>
         </p:sp>
@@ -669,7 +672,7 @@
             <a:lstStyle/>
             <a:p>
               <a:pPr algn="ctr" eaLnBrk="1" latinLnBrk="0" hangingPunct="1"/>
-              <a:endParaRPr kumimoji="0" lang="en-US"/>
+              <a:endParaRPr kumimoji="0" lang="en-US" dirty="0"/>
             </a:p>
           </p:txBody>
         </p:sp>
@@ -754,7 +757,7 @@
             <a:fld id="{32223CC0-1229-4B79-B964-272E795BDDD3}" type="datetimeFigureOut">
               <a:rPr lang="zh-TW" altLang="en-US" smtClean="0"/>
               <a:pPr/>
-              <a:t>2019/12/30</a:t>
+              <a:t>2020/1/11</a:t>
             </a:fld>
             <a:endParaRPr lang="zh-TW" altLang="en-US"/>
           </a:p>
@@ -946,7 +949,7 @@
             <a:fld id="{32223CC0-1229-4B79-B964-272E795BDDD3}" type="datetimeFigureOut">
               <a:rPr lang="zh-TW" altLang="en-US" smtClean="0"/>
               <a:pPr/>
-              <a:t>2019/12/30</a:t>
+              <a:t>2020/1/11</a:t>
             </a:fld>
             <a:endParaRPr lang="zh-TW" altLang="en-US"/>
           </a:p>
@@ -1123,7 +1126,7 @@
             <a:fld id="{32223CC0-1229-4B79-B964-272E795BDDD3}" type="datetimeFigureOut">
               <a:rPr lang="zh-TW" altLang="en-US" smtClean="0"/>
               <a:pPr/>
-              <a:t>2019/12/30</a:t>
+              <a:t>2020/1/11</a:t>
             </a:fld>
             <a:endParaRPr lang="zh-TW" altLang="en-US"/>
           </a:p>
@@ -1267,7 +1270,7 @@
             <a:fld id="{32223CC0-1229-4B79-B964-272E795BDDD3}" type="datetimeFigureOut">
               <a:rPr lang="zh-TW" altLang="en-US" smtClean="0"/>
               <a:pPr/>
-              <a:t>2019/12/30</a:t>
+              <a:t>2020/1/11</a:t>
             </a:fld>
             <a:endParaRPr lang="zh-TW" altLang="en-US"/>
           </a:p>
@@ -1516,7 +1519,7 @@
             <a:fld id="{32223CC0-1229-4B79-B964-272E795BDDD3}" type="datetimeFigureOut">
               <a:rPr lang="zh-TW" altLang="en-US" smtClean="0"/>
               <a:pPr/>
-              <a:t>2019/12/30</a:t>
+              <a:t>2020/1/11</a:t>
             </a:fld>
             <a:endParaRPr lang="zh-TW" altLang="en-US"/>
           </a:p>
@@ -1639,7 +1642,7 @@
           <a:lstStyle/>
           <a:p>
             <a:pPr algn="l" eaLnBrk="1" latinLnBrk="0" hangingPunct="1"/>
-            <a:endParaRPr kumimoji="0" lang="en-US"/>
+            <a:endParaRPr kumimoji="0" lang="en-US" dirty="0"/>
           </a:p>
         </p:txBody>
       </p:sp>
@@ -1717,7 +1720,7 @@
           <a:lstStyle/>
           <a:p>
             <a:pPr algn="l" eaLnBrk="1" latinLnBrk="0" hangingPunct="1"/>
-            <a:endParaRPr kumimoji="0" lang="en-US"/>
+            <a:endParaRPr kumimoji="0" lang="en-US" dirty="0"/>
           </a:p>
         </p:txBody>
       </p:sp>
@@ -1917,7 +1920,7 @@
             <a:fld id="{32223CC0-1229-4B79-B964-272E795BDDD3}" type="datetimeFigureOut">
               <a:rPr lang="zh-TW" altLang="en-US" smtClean="0"/>
               <a:pPr/>
-              <a:t>2019/12/30</a:t>
+              <a:t>2020/1/11</a:t>
             </a:fld>
             <a:endParaRPr lang="zh-TW" altLang="en-US"/>
           </a:p>
@@ -2357,7 +2360,7 @@
             <a:fld id="{32223CC0-1229-4B79-B964-272E795BDDD3}" type="datetimeFigureOut">
               <a:rPr lang="zh-TW" altLang="en-US" smtClean="0"/>
               <a:pPr/>
-              <a:t>2019/12/30</a:t>
+              <a:t>2020/1/11</a:t>
             </a:fld>
             <a:endParaRPr lang="zh-TW" altLang="en-US"/>
           </a:p>
@@ -2454,7 +2457,7 @@
             <a:fld id="{32223CC0-1229-4B79-B964-272E795BDDD3}" type="datetimeFigureOut">
               <a:rPr lang="zh-TW" altLang="en-US" smtClean="0"/>
               <a:pPr/>
-              <a:t>2019/12/30</a:t>
+              <a:t>2020/1/11</a:t>
             </a:fld>
             <a:endParaRPr lang="zh-TW" altLang="en-US"/>
           </a:p>
@@ -2569,7 +2572,7 @@
             <a:fld id="{32223CC0-1229-4B79-B964-272E795BDDD3}" type="datetimeFigureOut">
               <a:rPr lang="zh-TW" altLang="en-US" smtClean="0"/>
               <a:pPr/>
-              <a:t>2019/12/30</a:t>
+              <a:t>2020/1/11</a:t>
             </a:fld>
             <a:endParaRPr lang="zh-TW" altLang="en-US"/>
           </a:p>
@@ -2839,7 +2842,7 @@
             <a:fld id="{32223CC0-1229-4B79-B964-272E795BDDD3}" type="datetimeFigureOut">
               <a:rPr lang="zh-TW" altLang="en-US" smtClean="0"/>
               <a:pPr/>
-              <a:t>2019/12/30</a:t>
+              <a:t>2020/1/11</a:t>
             </a:fld>
             <a:endParaRPr lang="zh-TW" altLang="en-US"/>
           </a:p>
@@ -3042,7 +3045,7 @@
             <a:fld id="{32223CC0-1229-4B79-B964-272E795BDDD3}" type="datetimeFigureOut">
               <a:rPr lang="zh-TW" altLang="en-US" smtClean="0"/>
               <a:pPr/>
-              <a:t>2019/12/30</a:t>
+              <a:t>2020/1/11</a:t>
             </a:fld>
             <a:endParaRPr lang="zh-TW" altLang="en-US"/>
           </a:p>
@@ -3240,7 +3243,7 @@
           <a:bodyPr vert="horz" wrap="square" lIns="91440" tIns="45720" rIns="91440" bIns="45720" anchor="t" compatLnSpc="1"/>
           <a:lstStyle/>
           <a:p>
-            <a:endParaRPr kumimoji="0" lang="en-US"/>
+            <a:endParaRPr kumimoji="0" lang="en-US" dirty="0"/>
           </a:p>
         </p:txBody>
       </p:sp>
@@ -3320,7 +3323,7 @@
           <a:bodyPr vert="horz" wrap="square" lIns="91440" tIns="45720" rIns="91440" bIns="45720" anchor="t" compatLnSpc="1"/>
           <a:lstStyle/>
           <a:p>
-            <a:endParaRPr kumimoji="0" lang="en-US"/>
+            <a:endParaRPr kumimoji="0" lang="en-US" dirty="0"/>
           </a:p>
         </p:txBody>
       </p:sp>
@@ -3429,7 +3432,7 @@
           <a:lstStyle/>
           <a:p>
             <a:pPr algn="ctr" eaLnBrk="1" latinLnBrk="0" hangingPunct="1"/>
-            <a:endParaRPr kumimoji="0" lang="en-US"/>
+            <a:endParaRPr kumimoji="0" lang="en-US" dirty="0"/>
           </a:p>
         </p:txBody>
       </p:sp>
@@ -3560,7 +3563,7 @@
           <a:lstStyle/>
           <a:p>
             <a:pPr algn="l" eaLnBrk="1" latinLnBrk="0" hangingPunct="1"/>
-            <a:endParaRPr kumimoji="0" lang="en-US"/>
+            <a:endParaRPr kumimoji="0" lang="en-US" dirty="0"/>
           </a:p>
         </p:txBody>
       </p:sp>
@@ -3638,7 +3641,7 @@
           <a:lstStyle/>
           <a:p>
             <a:pPr algn="l" eaLnBrk="1" latinLnBrk="0" hangingPunct="1"/>
-            <a:endParaRPr kumimoji="0" lang="en-US"/>
+            <a:endParaRPr kumimoji="0" lang="en-US" dirty="0"/>
           </a:p>
         </p:txBody>
       </p:sp>
@@ -3750,7 +3753,7 @@
           <a:bodyPr vert="horz" wrap="square" lIns="91440" tIns="45720" rIns="91440" bIns="45720" anchor="t" compatLnSpc="1"/>
           <a:lstStyle/>
           <a:p>
-            <a:endParaRPr kumimoji="0" lang="en-US"/>
+            <a:endParaRPr kumimoji="0" lang="en-US" dirty="0"/>
           </a:p>
         </p:txBody>
       </p:sp>
@@ -3830,7 +3833,7 @@
           <a:bodyPr vert="horz" wrap="square" lIns="91440" tIns="45720" rIns="91440" bIns="45720" anchor="t" compatLnSpc="1"/>
           <a:lstStyle/>
           <a:p>
-            <a:endParaRPr kumimoji="0" lang="en-US"/>
+            <a:endParaRPr kumimoji="0" lang="en-US" dirty="0"/>
           </a:p>
         </p:txBody>
       </p:sp>
@@ -3939,7 +3942,7 @@
           <a:lstStyle/>
           <a:p>
             <a:pPr algn="ctr" eaLnBrk="1" latinLnBrk="0" hangingPunct="1"/>
-            <a:endParaRPr kumimoji="0" lang="en-US"/>
+            <a:endParaRPr kumimoji="0" lang="en-US" dirty="0"/>
           </a:p>
         </p:txBody>
       </p:sp>
@@ -4133,7 +4136,7 @@
             <a:fld id="{32223CC0-1229-4B79-B964-272E795BDDD3}" type="datetimeFigureOut">
               <a:rPr lang="zh-TW" altLang="en-US" smtClean="0"/>
               <a:pPr/>
-              <a:t>2019/12/30</a:t>
+              <a:t>2020/1/11</a:t>
             </a:fld>
             <a:endParaRPr lang="zh-TW" altLang="en-US"/>
           </a:p>
@@ -5129,7 +5132,7 @@
         </p:spPr>
         <p:txBody>
           <a:bodyPr>
-            <a:normAutofit fontScale="92500" lnSpcReduction="10000"/>
+            <a:normAutofit/>
           </a:bodyPr>
           <a:lstStyle>
             <a:lvl1pPr marL="365760" indent="-256032" algn="l" rtl="0" eaLnBrk="1" latinLnBrk="0" hangingPunct="1">
@@ -5303,26 +5306,26 @@
           </a:lstStyle>
           <a:p>
             <a:r>
-              <a:rPr lang="zh-TW" altLang="en-US">
+              <a:rPr lang="zh-TW" altLang="en-US" dirty="0">
                 <a:latin typeface="Microsoft JhengHei Light" panose="020B0304030504040204" pitchFamily="34" charset="-120"/>
                 <a:ea typeface="Microsoft JhengHei Light" panose="020B0304030504040204" pitchFamily="34" charset="-120"/>
               </a:rPr>
               <a:t>可以自由選取景點做路線規劃</a:t>
             </a:r>
-            <a:endParaRPr lang="en-US" altLang="zh-TW">
+            <a:endParaRPr lang="en-US" altLang="zh-TW" dirty="0">
               <a:latin typeface="Microsoft JhengHei Light" panose="020B0304030504040204" pitchFamily="34" charset="-120"/>
               <a:ea typeface="Microsoft JhengHei Light" panose="020B0304030504040204" pitchFamily="34" charset="-120"/>
             </a:endParaRPr>
           </a:p>
           <a:p>
             <a:r>
-              <a:rPr lang="zh-TW" altLang="en-US">
+              <a:rPr lang="zh-TW" altLang="en-US" dirty="0">
                 <a:latin typeface="Microsoft JhengHei Light" panose="020B0304030504040204" pitchFamily="34" charset="-120"/>
                 <a:ea typeface="Microsoft JhengHei Light" panose="020B0304030504040204" pitchFamily="34" charset="-120"/>
               </a:rPr>
-              <a:t>先將各選取景點間的路徑距離做比較，將路徑距離最長的兩點分別做為起點與終點，以達到最佳的規劃路線</a:t>
-            </a:r>
-            <a:endParaRPr lang="zh-TW" altLang="en-US" dirty="0">
+              <a:t>規劃路線提供導航詳細資訊以供參考</a:t>
+            </a:r>
+            <a:endParaRPr lang="en-US" altLang="zh-TW" dirty="0">
               <a:latin typeface="Microsoft JhengHei Light" panose="020B0304030504040204" pitchFamily="34" charset="-120"/>
               <a:ea typeface="Microsoft JhengHei Light" panose="020B0304030504040204" pitchFamily="34" charset="-120"/>
             </a:endParaRPr>
@@ -5392,6 +5395,1406 @@
       </p:grpSpPr>
       <p:sp>
         <p:nvSpPr>
+          <p:cNvPr id="2" name="標題 1">
+            <a:extLst>
+              <a:ext uri="{FF2B5EF4-FFF2-40B4-BE49-F238E27FC236}">
+                <a16:creationId xmlns:a16="http://schemas.microsoft.com/office/drawing/2014/main" xmlns="" id="{6CBE39B6-A17F-469B-8AB3-7E8845EB1212}"/>
+              </a:ext>
+            </a:extLst>
+          </p:cNvPr>
+          <p:cNvSpPr>
+            <a:spLocks noGrp="1"/>
+          </p:cNvSpPr>
+          <p:nvPr>
+            <p:ph type="title"/>
+          </p:nvPr>
+        </p:nvSpPr>
+        <p:spPr/>
+        <p:txBody>
+          <a:bodyPr/>
+          <a:lstStyle/>
+          <a:p>
+            <a:r>
+              <a:rPr lang="zh-TW" altLang="en-US" dirty="0">
+                <a:latin typeface="Microsoft JhengHei Light" panose="020B0304030504040204" pitchFamily="34" charset="-120"/>
+                <a:ea typeface="Microsoft JhengHei Light" panose="020B0304030504040204" pitchFamily="34" charset="-120"/>
+              </a:rPr>
+              <a:t>多個停靠點路線規劃演算法</a:t>
+            </a:r>
+          </a:p>
+        </p:txBody>
+      </p:sp>
+      <p:sp>
+        <p:nvSpPr>
+          <p:cNvPr id="6" name="內容版面配置區 5">
+            <a:extLst>
+              <a:ext uri="{FF2B5EF4-FFF2-40B4-BE49-F238E27FC236}">
+                <a16:creationId xmlns:a16="http://schemas.microsoft.com/office/drawing/2014/main" xmlns="" id="{347B66DD-64E8-4379-BC43-6F36B450B10C}"/>
+              </a:ext>
+            </a:extLst>
+          </p:cNvPr>
+          <p:cNvSpPr txBox="1">
+            <a:spLocks/>
+          </p:cNvSpPr>
+          <p:nvPr/>
+        </p:nvSpPr>
+        <p:spPr>
+          <a:xfrm>
+            <a:off x="685801" y="2310445"/>
+            <a:ext cx="3030116" cy="3263504"/>
+          </a:xfrm>
+          <a:prstGeom prst="rect">
+            <a:avLst/>
+          </a:prstGeom>
+        </p:spPr>
+        <p:txBody>
+          <a:bodyPr>
+            <a:normAutofit/>
+          </a:bodyPr>
+          <a:lstStyle>
+            <a:lvl1pPr marL="365760" indent="-256032" algn="l" rtl="0" eaLnBrk="1" latinLnBrk="0" hangingPunct="1">
+              <a:spcBef>
+                <a:spcPts val="400"/>
+              </a:spcBef>
+              <a:spcAft>
+                <a:spcPts val="0"/>
+              </a:spcAft>
+              <a:buClr>
+                <a:schemeClr val="accent1"/>
+              </a:buClr>
+              <a:buSzPct val="68000"/>
+              <a:buFont typeface="Wingdings 3"/>
+              <a:buChar char=""/>
+              <a:defRPr kumimoji="0" sz="2700" kern="1200">
+                <a:solidFill>
+                  <a:schemeClr val="tx1"/>
+                </a:solidFill>
+                <a:latin typeface="+mn-lt"/>
+                <a:ea typeface="+mn-ea"/>
+                <a:cs typeface="+mn-cs"/>
+              </a:defRPr>
+            </a:lvl1pPr>
+            <a:lvl2pPr marL="621792" indent="-228600" algn="l" rtl="0" eaLnBrk="1" latinLnBrk="0" hangingPunct="1">
+              <a:spcBef>
+                <a:spcPts val="324"/>
+              </a:spcBef>
+              <a:buClr>
+                <a:schemeClr val="accent1"/>
+              </a:buClr>
+              <a:buFont typeface="Verdana"/>
+              <a:buChar char="◦"/>
+              <a:defRPr kumimoji="0" sz="2300" kern="1200">
+                <a:solidFill>
+                  <a:schemeClr val="tx1"/>
+                </a:solidFill>
+                <a:latin typeface="+mn-lt"/>
+                <a:ea typeface="+mn-ea"/>
+                <a:cs typeface="+mn-cs"/>
+              </a:defRPr>
+            </a:lvl2pPr>
+            <a:lvl3pPr marL="859536" indent="-228600" algn="l" rtl="0" eaLnBrk="1" latinLnBrk="0" hangingPunct="1">
+              <a:spcBef>
+                <a:spcPts val="350"/>
+              </a:spcBef>
+              <a:buClr>
+                <a:schemeClr val="accent2"/>
+              </a:buClr>
+              <a:buSzPct val="100000"/>
+              <a:buFont typeface="Wingdings 2"/>
+              <a:buChar char=""/>
+              <a:defRPr kumimoji="0" sz="2100" kern="1200">
+                <a:solidFill>
+                  <a:schemeClr val="tx1"/>
+                </a:solidFill>
+                <a:latin typeface="+mn-lt"/>
+                <a:ea typeface="+mn-ea"/>
+                <a:cs typeface="+mn-cs"/>
+              </a:defRPr>
+            </a:lvl3pPr>
+            <a:lvl4pPr marL="1143000" indent="-228600" algn="l" rtl="0" eaLnBrk="1" latinLnBrk="0" hangingPunct="1">
+              <a:spcBef>
+                <a:spcPts val="350"/>
+              </a:spcBef>
+              <a:buClr>
+                <a:schemeClr val="accent2"/>
+              </a:buClr>
+              <a:buFont typeface="Wingdings 2"/>
+              <a:buChar char=""/>
+              <a:defRPr kumimoji="0" sz="1900" kern="1200">
+                <a:solidFill>
+                  <a:schemeClr val="tx1"/>
+                </a:solidFill>
+                <a:latin typeface="+mn-lt"/>
+                <a:ea typeface="+mn-ea"/>
+                <a:cs typeface="+mn-cs"/>
+              </a:defRPr>
+            </a:lvl4pPr>
+            <a:lvl5pPr marL="1371600" indent="-228600" algn="l" rtl="0" eaLnBrk="1" latinLnBrk="0" hangingPunct="1">
+              <a:spcBef>
+                <a:spcPts val="350"/>
+              </a:spcBef>
+              <a:buClr>
+                <a:schemeClr val="accent2"/>
+              </a:buClr>
+              <a:buFont typeface="Wingdings 2"/>
+              <a:buChar char=""/>
+              <a:defRPr kumimoji="0" sz="1800" kern="1200">
+                <a:solidFill>
+                  <a:schemeClr val="tx1"/>
+                </a:solidFill>
+                <a:latin typeface="+mn-lt"/>
+                <a:ea typeface="+mn-ea"/>
+                <a:cs typeface="+mn-cs"/>
+              </a:defRPr>
+            </a:lvl5pPr>
+            <a:lvl6pPr marL="1600200" indent="-228600" algn="l" rtl="0" eaLnBrk="1" latinLnBrk="0" hangingPunct="1">
+              <a:spcBef>
+                <a:spcPts val="350"/>
+              </a:spcBef>
+              <a:buClr>
+                <a:schemeClr val="accent3"/>
+              </a:buClr>
+              <a:buFont typeface="Wingdings 2"/>
+              <a:buChar char=""/>
+              <a:defRPr kumimoji="0" sz="1800" kern="1200">
+                <a:solidFill>
+                  <a:schemeClr val="tx1"/>
+                </a:solidFill>
+                <a:latin typeface="+mn-lt"/>
+                <a:ea typeface="+mn-ea"/>
+                <a:cs typeface="+mn-cs"/>
+              </a:defRPr>
+            </a:lvl6pPr>
+            <a:lvl7pPr marL="1828800" indent="-228600" algn="l" rtl="0" eaLnBrk="1" latinLnBrk="0" hangingPunct="1">
+              <a:spcBef>
+                <a:spcPts val="350"/>
+              </a:spcBef>
+              <a:buClr>
+                <a:schemeClr val="accent3"/>
+              </a:buClr>
+              <a:buFont typeface="Wingdings 2"/>
+              <a:buChar char=""/>
+              <a:defRPr kumimoji="0" sz="1600" kern="1200">
+                <a:solidFill>
+                  <a:schemeClr val="tx1"/>
+                </a:solidFill>
+                <a:latin typeface="+mn-lt"/>
+                <a:ea typeface="+mn-ea"/>
+                <a:cs typeface="+mn-cs"/>
+              </a:defRPr>
+            </a:lvl7pPr>
+            <a:lvl8pPr marL="2057400" indent="-228600" algn="l" rtl="0" eaLnBrk="1" latinLnBrk="0" hangingPunct="1">
+              <a:spcBef>
+                <a:spcPts val="350"/>
+              </a:spcBef>
+              <a:buClr>
+                <a:schemeClr val="accent3"/>
+              </a:buClr>
+              <a:buFont typeface="Wingdings 2"/>
+              <a:buChar char=""/>
+              <a:defRPr kumimoji="0" sz="1600" kern="1200">
+                <a:solidFill>
+                  <a:schemeClr val="tx1"/>
+                </a:solidFill>
+                <a:latin typeface="+mn-lt"/>
+                <a:ea typeface="+mn-ea"/>
+                <a:cs typeface="+mn-cs"/>
+              </a:defRPr>
+            </a:lvl8pPr>
+            <a:lvl9pPr marL="2286000" indent="-228600" algn="l" rtl="0" eaLnBrk="1" latinLnBrk="0" hangingPunct="1">
+              <a:spcBef>
+                <a:spcPts val="350"/>
+              </a:spcBef>
+              <a:buClr>
+                <a:schemeClr val="accent3"/>
+              </a:buClr>
+              <a:buFont typeface="Wingdings 2"/>
+              <a:buChar char=""/>
+              <a:defRPr kumimoji="0" sz="1600" kern="1200" baseline="0">
+                <a:solidFill>
+                  <a:schemeClr val="tx1"/>
+                </a:solidFill>
+                <a:latin typeface="+mn-lt"/>
+                <a:ea typeface="+mn-ea"/>
+                <a:cs typeface="+mn-cs"/>
+              </a:defRPr>
+            </a:lvl9pPr>
+            <a:extLst/>
+          </a:lstStyle>
+          <a:p>
+            <a:endParaRPr lang="zh-TW" altLang="en-US" dirty="0">
+              <a:latin typeface="Microsoft JhengHei Light" panose="020B0304030504040204" pitchFamily="34" charset="-120"/>
+              <a:ea typeface="Microsoft JhengHei Light" panose="020B0304030504040204" pitchFamily="34" charset="-120"/>
+            </a:endParaRPr>
+          </a:p>
+        </p:txBody>
+      </p:sp>
+      <p:sp>
+        <p:nvSpPr>
+          <p:cNvPr id="4" name="內容版面配置區 3">
+            <a:extLst>
+              <a:ext uri="{FF2B5EF4-FFF2-40B4-BE49-F238E27FC236}">
+                <a16:creationId xmlns:a16="http://schemas.microsoft.com/office/drawing/2014/main" xmlns="" id="{FF361C71-184D-4DB3-B4D4-FF89187ADBDA}"/>
+              </a:ext>
+            </a:extLst>
+          </p:cNvPr>
+          <p:cNvSpPr>
+            <a:spLocks noGrp="1"/>
+          </p:cNvSpPr>
+          <p:nvPr>
+            <p:ph idx="1"/>
+          </p:nvPr>
+        </p:nvSpPr>
+        <p:spPr/>
+        <p:txBody>
+          <a:bodyPr/>
+          <a:lstStyle/>
+          <a:p>
+            <a:r>
+              <a:rPr lang="zh-TW" altLang="en-US" dirty="0"/>
+              <a:t>為了達到自由選取景點做最佳路線規劃，必須在選取的點中選出兩個相對距離最遠的景點，以作為起點與終點，再將剩餘的景點當作中途停靠點</a:t>
+            </a:r>
+            <a:r>
+              <a:rPr lang="en-US" altLang="zh-TW" dirty="0"/>
+              <a:t>(waypoints)</a:t>
+            </a:r>
+            <a:r>
+              <a:rPr lang="zh-TW" altLang="en-US" dirty="0"/>
+              <a:t>規劃路線。</a:t>
+            </a:r>
+            <a:endParaRPr lang="en-US" altLang="zh-TW" dirty="0"/>
+          </a:p>
+          <a:p>
+            <a:r>
+              <a:rPr lang="zh-TW" altLang="en-US" dirty="0"/>
+              <a:t>這樣做除了是符合</a:t>
+            </a:r>
+            <a:r>
+              <a:rPr lang="en-US" altLang="zh-TW" dirty="0"/>
+              <a:t>Google Maps </a:t>
+            </a:r>
+            <a:r>
+              <a:rPr lang="en-US" altLang="zh-TW" dirty="0" err="1"/>
+              <a:t>Javascript</a:t>
+            </a:r>
+            <a:r>
+              <a:rPr lang="en-US" altLang="zh-TW" dirty="0"/>
+              <a:t> API</a:t>
+            </a:r>
+            <a:r>
+              <a:rPr lang="zh-TW" altLang="en-US" dirty="0"/>
+              <a:t>須提供起點、終點的必要格式，也能避免規劃出會繞遠路的路線。</a:t>
+            </a:r>
+          </a:p>
+        </p:txBody>
+      </p:sp>
+    </p:spTree>
+    <p:extLst>
+      <p:ext uri="{BB962C8B-B14F-4D97-AF65-F5344CB8AC3E}">
+        <p14:creationId xmlns:p14="http://schemas.microsoft.com/office/powerpoint/2010/main" xmlns="" val="2995541205"/>
+      </p:ext>
+    </p:extLst>
+  </p:cSld>
+  <p:clrMapOvr>
+    <a:masterClrMapping/>
+  </p:clrMapOvr>
+</p:sld>
+</file>
+
+<file path=ppt/slides/slide15.xml><?xml version="1.0" encoding="utf-8"?>
+<p:sld xmlns:a="http://schemas.openxmlformats.org/drawingml/2006/main" xmlns:r="http://schemas.openxmlformats.org/officeDocument/2006/relationships" xmlns:p="http://schemas.openxmlformats.org/presentationml/2006/main">
+  <p:cSld>
+    <p:spTree>
+      <p:nvGrpSpPr>
+        <p:cNvPr id="1" name=""/>
+        <p:cNvGrpSpPr/>
+        <p:nvPr/>
+      </p:nvGrpSpPr>
+      <p:grpSpPr>
+        <a:xfrm>
+          <a:off x="0" y="0"/>
+          <a:ext cx="0" cy="0"/>
+          <a:chOff x="0" y="0"/>
+          <a:chExt cx="0" cy="0"/>
+        </a:xfrm>
+      </p:grpSpPr>
+      <p:sp>
+        <p:nvSpPr>
+          <p:cNvPr id="2" name="標題 1">
+            <a:extLst>
+              <a:ext uri="{FF2B5EF4-FFF2-40B4-BE49-F238E27FC236}">
+                <a16:creationId xmlns:a16="http://schemas.microsoft.com/office/drawing/2014/main" xmlns="" id="{6CBE39B6-A17F-469B-8AB3-7E8845EB1212}"/>
+              </a:ext>
+            </a:extLst>
+          </p:cNvPr>
+          <p:cNvSpPr>
+            <a:spLocks noGrp="1"/>
+          </p:cNvSpPr>
+          <p:nvPr>
+            <p:ph type="title"/>
+          </p:nvPr>
+        </p:nvSpPr>
+        <p:spPr/>
+        <p:txBody>
+          <a:bodyPr/>
+          <a:lstStyle/>
+          <a:p>
+            <a:r>
+              <a:rPr lang="zh-TW" altLang="en-US" dirty="0">
+                <a:latin typeface="Microsoft JhengHei Light" panose="020B0304030504040204" pitchFamily="34" charset="-120"/>
+                <a:ea typeface="Microsoft JhengHei Light" panose="020B0304030504040204" pitchFamily="34" charset="-120"/>
+              </a:rPr>
+              <a:t>多個停靠點路線規劃演算法</a:t>
+            </a:r>
+          </a:p>
+        </p:txBody>
+      </p:sp>
+      <p:sp>
+        <p:nvSpPr>
+          <p:cNvPr id="6" name="內容版面配置區 5">
+            <a:extLst>
+              <a:ext uri="{FF2B5EF4-FFF2-40B4-BE49-F238E27FC236}">
+                <a16:creationId xmlns:a16="http://schemas.microsoft.com/office/drawing/2014/main" xmlns="" id="{347B66DD-64E8-4379-BC43-6F36B450B10C}"/>
+              </a:ext>
+            </a:extLst>
+          </p:cNvPr>
+          <p:cNvSpPr txBox="1">
+            <a:spLocks/>
+          </p:cNvSpPr>
+          <p:nvPr/>
+        </p:nvSpPr>
+        <p:spPr>
+          <a:xfrm>
+            <a:off x="685801" y="2310445"/>
+            <a:ext cx="3030116" cy="3263504"/>
+          </a:xfrm>
+          <a:prstGeom prst="rect">
+            <a:avLst/>
+          </a:prstGeom>
+        </p:spPr>
+        <p:txBody>
+          <a:bodyPr>
+            <a:normAutofit/>
+          </a:bodyPr>
+          <a:lstStyle>
+            <a:lvl1pPr marL="365760" indent="-256032" algn="l" rtl="0" eaLnBrk="1" latinLnBrk="0" hangingPunct="1">
+              <a:spcBef>
+                <a:spcPts val="400"/>
+              </a:spcBef>
+              <a:spcAft>
+                <a:spcPts val="0"/>
+              </a:spcAft>
+              <a:buClr>
+                <a:schemeClr val="accent1"/>
+              </a:buClr>
+              <a:buSzPct val="68000"/>
+              <a:buFont typeface="Wingdings 3"/>
+              <a:buChar char=""/>
+              <a:defRPr kumimoji="0" sz="2700" kern="1200">
+                <a:solidFill>
+                  <a:schemeClr val="tx1"/>
+                </a:solidFill>
+                <a:latin typeface="+mn-lt"/>
+                <a:ea typeface="+mn-ea"/>
+                <a:cs typeface="+mn-cs"/>
+              </a:defRPr>
+            </a:lvl1pPr>
+            <a:lvl2pPr marL="621792" indent="-228600" algn="l" rtl="0" eaLnBrk="1" latinLnBrk="0" hangingPunct="1">
+              <a:spcBef>
+                <a:spcPts val="324"/>
+              </a:spcBef>
+              <a:buClr>
+                <a:schemeClr val="accent1"/>
+              </a:buClr>
+              <a:buFont typeface="Verdana"/>
+              <a:buChar char="◦"/>
+              <a:defRPr kumimoji="0" sz="2300" kern="1200">
+                <a:solidFill>
+                  <a:schemeClr val="tx1"/>
+                </a:solidFill>
+                <a:latin typeface="+mn-lt"/>
+                <a:ea typeface="+mn-ea"/>
+                <a:cs typeface="+mn-cs"/>
+              </a:defRPr>
+            </a:lvl2pPr>
+            <a:lvl3pPr marL="859536" indent="-228600" algn="l" rtl="0" eaLnBrk="1" latinLnBrk="0" hangingPunct="1">
+              <a:spcBef>
+                <a:spcPts val="350"/>
+              </a:spcBef>
+              <a:buClr>
+                <a:schemeClr val="accent2"/>
+              </a:buClr>
+              <a:buSzPct val="100000"/>
+              <a:buFont typeface="Wingdings 2"/>
+              <a:buChar char=""/>
+              <a:defRPr kumimoji="0" sz="2100" kern="1200">
+                <a:solidFill>
+                  <a:schemeClr val="tx1"/>
+                </a:solidFill>
+                <a:latin typeface="+mn-lt"/>
+                <a:ea typeface="+mn-ea"/>
+                <a:cs typeface="+mn-cs"/>
+              </a:defRPr>
+            </a:lvl3pPr>
+            <a:lvl4pPr marL="1143000" indent="-228600" algn="l" rtl="0" eaLnBrk="1" latinLnBrk="0" hangingPunct="1">
+              <a:spcBef>
+                <a:spcPts val="350"/>
+              </a:spcBef>
+              <a:buClr>
+                <a:schemeClr val="accent2"/>
+              </a:buClr>
+              <a:buFont typeface="Wingdings 2"/>
+              <a:buChar char=""/>
+              <a:defRPr kumimoji="0" sz="1900" kern="1200">
+                <a:solidFill>
+                  <a:schemeClr val="tx1"/>
+                </a:solidFill>
+                <a:latin typeface="+mn-lt"/>
+                <a:ea typeface="+mn-ea"/>
+                <a:cs typeface="+mn-cs"/>
+              </a:defRPr>
+            </a:lvl4pPr>
+            <a:lvl5pPr marL="1371600" indent="-228600" algn="l" rtl="0" eaLnBrk="1" latinLnBrk="0" hangingPunct="1">
+              <a:spcBef>
+                <a:spcPts val="350"/>
+              </a:spcBef>
+              <a:buClr>
+                <a:schemeClr val="accent2"/>
+              </a:buClr>
+              <a:buFont typeface="Wingdings 2"/>
+              <a:buChar char=""/>
+              <a:defRPr kumimoji="0" sz="1800" kern="1200">
+                <a:solidFill>
+                  <a:schemeClr val="tx1"/>
+                </a:solidFill>
+                <a:latin typeface="+mn-lt"/>
+                <a:ea typeface="+mn-ea"/>
+                <a:cs typeface="+mn-cs"/>
+              </a:defRPr>
+            </a:lvl5pPr>
+            <a:lvl6pPr marL="1600200" indent="-228600" algn="l" rtl="0" eaLnBrk="1" latinLnBrk="0" hangingPunct="1">
+              <a:spcBef>
+                <a:spcPts val="350"/>
+              </a:spcBef>
+              <a:buClr>
+                <a:schemeClr val="accent3"/>
+              </a:buClr>
+              <a:buFont typeface="Wingdings 2"/>
+              <a:buChar char=""/>
+              <a:defRPr kumimoji="0" sz="1800" kern="1200">
+                <a:solidFill>
+                  <a:schemeClr val="tx1"/>
+                </a:solidFill>
+                <a:latin typeface="+mn-lt"/>
+                <a:ea typeface="+mn-ea"/>
+                <a:cs typeface="+mn-cs"/>
+              </a:defRPr>
+            </a:lvl6pPr>
+            <a:lvl7pPr marL="1828800" indent="-228600" algn="l" rtl="0" eaLnBrk="1" latinLnBrk="0" hangingPunct="1">
+              <a:spcBef>
+                <a:spcPts val="350"/>
+              </a:spcBef>
+              <a:buClr>
+                <a:schemeClr val="accent3"/>
+              </a:buClr>
+              <a:buFont typeface="Wingdings 2"/>
+              <a:buChar char=""/>
+              <a:defRPr kumimoji="0" sz="1600" kern="1200">
+                <a:solidFill>
+                  <a:schemeClr val="tx1"/>
+                </a:solidFill>
+                <a:latin typeface="+mn-lt"/>
+                <a:ea typeface="+mn-ea"/>
+                <a:cs typeface="+mn-cs"/>
+              </a:defRPr>
+            </a:lvl7pPr>
+            <a:lvl8pPr marL="2057400" indent="-228600" algn="l" rtl="0" eaLnBrk="1" latinLnBrk="0" hangingPunct="1">
+              <a:spcBef>
+                <a:spcPts val="350"/>
+              </a:spcBef>
+              <a:buClr>
+                <a:schemeClr val="accent3"/>
+              </a:buClr>
+              <a:buFont typeface="Wingdings 2"/>
+              <a:buChar char=""/>
+              <a:defRPr kumimoji="0" sz="1600" kern="1200">
+                <a:solidFill>
+                  <a:schemeClr val="tx1"/>
+                </a:solidFill>
+                <a:latin typeface="+mn-lt"/>
+                <a:ea typeface="+mn-ea"/>
+                <a:cs typeface="+mn-cs"/>
+              </a:defRPr>
+            </a:lvl8pPr>
+            <a:lvl9pPr marL="2286000" indent="-228600" algn="l" rtl="0" eaLnBrk="1" latinLnBrk="0" hangingPunct="1">
+              <a:spcBef>
+                <a:spcPts val="350"/>
+              </a:spcBef>
+              <a:buClr>
+                <a:schemeClr val="accent3"/>
+              </a:buClr>
+              <a:buFont typeface="Wingdings 2"/>
+              <a:buChar char=""/>
+              <a:defRPr kumimoji="0" sz="1600" kern="1200" baseline="0">
+                <a:solidFill>
+                  <a:schemeClr val="tx1"/>
+                </a:solidFill>
+                <a:latin typeface="+mn-lt"/>
+                <a:ea typeface="+mn-ea"/>
+                <a:cs typeface="+mn-cs"/>
+              </a:defRPr>
+            </a:lvl9pPr>
+            <a:extLst/>
+          </a:lstStyle>
+          <a:p>
+            <a:endParaRPr lang="zh-TW" altLang="en-US" dirty="0">
+              <a:latin typeface="Microsoft JhengHei Light" panose="020B0304030504040204" pitchFamily="34" charset="-120"/>
+              <a:ea typeface="Microsoft JhengHei Light" panose="020B0304030504040204" pitchFamily="34" charset="-120"/>
+            </a:endParaRPr>
+          </a:p>
+        </p:txBody>
+      </p:sp>
+      <p:sp>
+        <p:nvSpPr>
+          <p:cNvPr id="4" name="內容版面配置區 3">
+            <a:extLst>
+              <a:ext uri="{FF2B5EF4-FFF2-40B4-BE49-F238E27FC236}">
+                <a16:creationId xmlns:a16="http://schemas.microsoft.com/office/drawing/2014/main" xmlns="" id="{FF361C71-184D-4DB3-B4D4-FF89187ADBDA}"/>
+              </a:ext>
+            </a:extLst>
+          </p:cNvPr>
+          <p:cNvSpPr>
+            <a:spLocks noGrp="1"/>
+          </p:cNvSpPr>
+          <p:nvPr>
+            <p:ph idx="1"/>
+          </p:nvPr>
+        </p:nvSpPr>
+        <p:spPr>
+          <a:xfrm>
+            <a:off x="457200" y="1481328"/>
+            <a:ext cx="3034680" cy="4525963"/>
+          </a:xfrm>
+        </p:spPr>
+        <p:txBody>
+          <a:bodyPr/>
+          <a:lstStyle/>
+          <a:p>
+            <a:r>
+              <a:rPr lang="zh-TW" altLang="en-US" dirty="0"/>
+              <a:t>利用函式 </a:t>
+            </a:r>
+            <a:r>
+              <a:rPr lang="en-US" altLang="zh-TW" dirty="0" err="1"/>
+              <a:t>findStartEnd</a:t>
+            </a:r>
+            <a:r>
+              <a:rPr lang="zh-TW" altLang="en-US" dirty="0"/>
+              <a:t>來將所有選取的點兩兩比對、算出距離，並把最遠距離的兩個點紀錄下來當作接下來路線規劃的起點與終點。</a:t>
+            </a:r>
+          </a:p>
+        </p:txBody>
+      </p:sp>
+      <p:pic>
+        <p:nvPicPr>
+          <p:cNvPr id="3" name="圖片 2">
+            <a:extLst>
+              <a:ext uri="{FF2B5EF4-FFF2-40B4-BE49-F238E27FC236}">
+                <a16:creationId xmlns:a16="http://schemas.microsoft.com/office/drawing/2014/main" xmlns="" id="{B4F32B0B-ED57-4274-90F6-AFD72619440C}"/>
+              </a:ext>
+            </a:extLst>
+          </p:cNvPr>
+          <p:cNvPicPr>
+            <a:picLocks noChangeAspect="1"/>
+          </p:cNvPicPr>
+          <p:nvPr/>
+        </p:nvPicPr>
+        <p:blipFill>
+          <a:blip r:embed="rId2"/>
+          <a:stretch>
+            <a:fillRect/>
+          </a:stretch>
+        </p:blipFill>
+        <p:spPr>
+          <a:xfrm>
+            <a:off x="3491880" y="1679110"/>
+            <a:ext cx="5448772" cy="4130398"/>
+          </a:xfrm>
+          <a:prstGeom prst="rect">
+            <a:avLst/>
+          </a:prstGeom>
+        </p:spPr>
+      </p:pic>
+      <p:sp>
+        <p:nvSpPr>
+          <p:cNvPr id="5" name="文字方塊 4">
+            <a:extLst>
+              <a:ext uri="{FF2B5EF4-FFF2-40B4-BE49-F238E27FC236}">
+                <a16:creationId xmlns:a16="http://schemas.microsoft.com/office/drawing/2014/main" xmlns="" id="{44A18DEE-E4FA-4331-9535-D31B23B01047}"/>
+              </a:ext>
+            </a:extLst>
+          </p:cNvPr>
+          <p:cNvSpPr txBox="1"/>
+          <p:nvPr/>
+        </p:nvSpPr>
+        <p:spPr>
+          <a:xfrm>
+            <a:off x="6817636" y="2420888"/>
+            <a:ext cx="2136404" cy="307777"/>
+          </a:xfrm>
+          <a:prstGeom prst="rect">
+            <a:avLst/>
+          </a:prstGeom>
+          <a:noFill/>
+        </p:spPr>
+        <p:txBody>
+          <a:bodyPr wrap="square" rtlCol="0">
+            <a:spAutoFit/>
+          </a:bodyPr>
+          <a:lstStyle/>
+          <a:p>
+            <a:r>
+              <a:rPr lang="zh-TW" altLang="en-US" sz="1400" dirty="0">
+                <a:solidFill>
+                  <a:schemeClr val="bg1"/>
+                </a:solidFill>
+              </a:rPr>
+              <a:t>用</a:t>
+            </a:r>
+            <a:r>
+              <a:rPr lang="en-US" altLang="zh-TW" sz="1400" dirty="0">
+                <a:solidFill>
+                  <a:schemeClr val="bg1"/>
+                </a:solidFill>
+              </a:rPr>
+              <a:t>JS</a:t>
+            </a:r>
+            <a:r>
+              <a:rPr lang="zh-TW" altLang="en-US" sz="1400" dirty="0">
+                <a:solidFill>
+                  <a:schemeClr val="bg1"/>
+                </a:solidFill>
+              </a:rPr>
+              <a:t>陣列紀錄被選取的點</a:t>
+            </a:r>
+          </a:p>
+        </p:txBody>
+      </p:sp>
+      <p:sp>
+        <p:nvSpPr>
+          <p:cNvPr id="7" name="文字方塊 6">
+            <a:extLst>
+              <a:ext uri="{FF2B5EF4-FFF2-40B4-BE49-F238E27FC236}">
+                <a16:creationId xmlns:a16="http://schemas.microsoft.com/office/drawing/2014/main" xmlns="" id="{80C7BE96-1D3E-4563-A836-F6CBFCE1A32F}"/>
+              </a:ext>
+            </a:extLst>
+          </p:cNvPr>
+          <p:cNvSpPr txBox="1"/>
+          <p:nvPr/>
+        </p:nvSpPr>
+        <p:spPr>
+          <a:xfrm>
+            <a:off x="5382648" y="3180916"/>
+            <a:ext cx="3425855" cy="307777"/>
+          </a:xfrm>
+          <a:prstGeom prst="rect">
+            <a:avLst/>
+          </a:prstGeom>
+          <a:noFill/>
+        </p:spPr>
+        <p:txBody>
+          <a:bodyPr wrap="square" rtlCol="0">
+            <a:spAutoFit/>
+          </a:bodyPr>
+          <a:lstStyle/>
+          <a:p>
+            <a:r>
+              <a:rPr lang="zh-TW" altLang="en-US" sz="1400" dirty="0">
+                <a:solidFill>
+                  <a:schemeClr val="bg1"/>
+                </a:solidFill>
+              </a:rPr>
+              <a:t>將起點、終點預設為第一、二個選取的點</a:t>
+            </a:r>
+          </a:p>
+        </p:txBody>
+      </p:sp>
+      <p:sp>
+        <p:nvSpPr>
+          <p:cNvPr id="8" name="文字方塊 7">
+            <a:extLst>
+              <a:ext uri="{FF2B5EF4-FFF2-40B4-BE49-F238E27FC236}">
+                <a16:creationId xmlns:a16="http://schemas.microsoft.com/office/drawing/2014/main" xmlns="" id="{4A64AC0B-C7F7-4CFB-91D9-AC17199B34D5}"/>
+              </a:ext>
+            </a:extLst>
+          </p:cNvPr>
+          <p:cNvSpPr txBox="1"/>
+          <p:nvPr/>
+        </p:nvSpPr>
+        <p:spPr>
+          <a:xfrm>
+            <a:off x="5231484" y="4495212"/>
+            <a:ext cx="3172304" cy="307777"/>
+          </a:xfrm>
+          <a:prstGeom prst="rect">
+            <a:avLst/>
+          </a:prstGeom>
+          <a:noFill/>
+        </p:spPr>
+        <p:txBody>
+          <a:bodyPr wrap="square" rtlCol="0">
+            <a:spAutoFit/>
+          </a:bodyPr>
+          <a:lstStyle/>
+          <a:p>
+            <a:r>
+              <a:rPr lang="zh-TW" altLang="en-US" sz="1400" dirty="0">
+                <a:solidFill>
+                  <a:schemeClr val="bg1"/>
+                </a:solidFill>
+              </a:rPr>
+              <a:t>用函式</a:t>
+            </a:r>
+            <a:r>
+              <a:rPr lang="en-US" altLang="zh-TW" sz="1400" dirty="0">
+                <a:solidFill>
+                  <a:schemeClr val="bg1"/>
+                </a:solidFill>
+              </a:rPr>
+              <a:t>Distance</a:t>
+            </a:r>
+            <a:r>
+              <a:rPr lang="zh-TW" altLang="en-US" sz="1400" dirty="0">
+                <a:solidFill>
+                  <a:schemeClr val="bg1"/>
+                </a:solidFill>
+              </a:rPr>
+              <a:t>來計算兩兩點的距離</a:t>
+            </a:r>
+          </a:p>
+        </p:txBody>
+      </p:sp>
+      <p:sp>
+        <p:nvSpPr>
+          <p:cNvPr id="9" name="文字方塊 8">
+            <a:extLst>
+              <a:ext uri="{FF2B5EF4-FFF2-40B4-BE49-F238E27FC236}">
+                <a16:creationId xmlns:a16="http://schemas.microsoft.com/office/drawing/2014/main" xmlns="" id="{C74D2036-D162-442D-B32B-C0BD49BA1A7A}"/>
+              </a:ext>
+            </a:extLst>
+          </p:cNvPr>
+          <p:cNvSpPr txBox="1"/>
+          <p:nvPr/>
+        </p:nvSpPr>
+        <p:spPr>
+          <a:xfrm>
+            <a:off x="4572000" y="5312339"/>
+            <a:ext cx="4236503" cy="523220"/>
+          </a:xfrm>
+          <a:prstGeom prst="rect">
+            <a:avLst/>
+          </a:prstGeom>
+          <a:noFill/>
+        </p:spPr>
+        <p:txBody>
+          <a:bodyPr wrap="square" rtlCol="0">
+            <a:spAutoFit/>
+          </a:bodyPr>
+          <a:lstStyle/>
+          <a:p>
+            <a:r>
+              <a:rPr lang="zh-TW" altLang="en-US" sz="1400" dirty="0">
+                <a:solidFill>
+                  <a:schemeClr val="bg1"/>
+                </a:solidFill>
+              </a:rPr>
+              <a:t>用</a:t>
+            </a:r>
+            <a:r>
+              <a:rPr lang="en-US" altLang="zh-TW" sz="1400" dirty="0" err="1">
+                <a:solidFill>
+                  <a:schemeClr val="bg1"/>
+                </a:solidFill>
+              </a:rPr>
+              <a:t>setTimeout</a:t>
+            </a:r>
+            <a:r>
+              <a:rPr lang="zh-TW" altLang="en-US" sz="1400" dirty="0">
+                <a:solidFill>
+                  <a:schemeClr val="bg1"/>
+                </a:solidFill>
+              </a:rPr>
+              <a:t>來避免</a:t>
+            </a:r>
+            <a:r>
+              <a:rPr lang="en-US" altLang="zh-TW" sz="1400" dirty="0">
+                <a:solidFill>
+                  <a:schemeClr val="bg1"/>
+                </a:solidFill>
+              </a:rPr>
+              <a:t>Distance</a:t>
+            </a:r>
+            <a:r>
+              <a:rPr lang="zh-TW" altLang="en-US" sz="1400" dirty="0">
+                <a:solidFill>
+                  <a:schemeClr val="bg1"/>
+                </a:solidFill>
+              </a:rPr>
+              <a:t>尚未全部計算完，就直接執行顯示路線規劃的函式</a:t>
+            </a:r>
+            <a:r>
+              <a:rPr lang="en-US" altLang="zh-TW" sz="1400" dirty="0">
+                <a:solidFill>
+                  <a:schemeClr val="bg1"/>
+                </a:solidFill>
+              </a:rPr>
+              <a:t>(</a:t>
+            </a:r>
+            <a:r>
+              <a:rPr lang="zh-TW" altLang="en-US" sz="1400" dirty="0">
+                <a:solidFill>
+                  <a:schemeClr val="bg1"/>
+                </a:solidFill>
+              </a:rPr>
+              <a:t>解決</a:t>
+            </a:r>
+            <a:r>
+              <a:rPr lang="en-US" altLang="zh-TW" sz="1400" dirty="0">
+                <a:solidFill>
+                  <a:schemeClr val="bg1"/>
+                </a:solidFill>
+              </a:rPr>
+              <a:t>JS</a:t>
+            </a:r>
+            <a:r>
+              <a:rPr lang="zh-TW" altLang="en-US" sz="1400" dirty="0">
+                <a:solidFill>
+                  <a:schemeClr val="bg1"/>
+                </a:solidFill>
+              </a:rPr>
+              <a:t>非同步特性</a:t>
+            </a:r>
+            <a:r>
+              <a:rPr lang="en-US" altLang="zh-TW" sz="1400" dirty="0">
+                <a:solidFill>
+                  <a:schemeClr val="bg1"/>
+                </a:solidFill>
+              </a:rPr>
+              <a:t>)</a:t>
+            </a:r>
+            <a:endParaRPr lang="zh-TW" altLang="en-US" sz="1400" dirty="0">
+              <a:solidFill>
+                <a:schemeClr val="bg1"/>
+              </a:solidFill>
+            </a:endParaRPr>
+          </a:p>
+        </p:txBody>
+      </p:sp>
+    </p:spTree>
+    <p:extLst>
+      <p:ext uri="{BB962C8B-B14F-4D97-AF65-F5344CB8AC3E}">
+        <p14:creationId xmlns:p14="http://schemas.microsoft.com/office/powerpoint/2010/main" xmlns="" val="2014014555"/>
+      </p:ext>
+    </p:extLst>
+  </p:cSld>
+  <p:clrMapOvr>
+    <a:masterClrMapping/>
+  </p:clrMapOvr>
+</p:sld>
+</file>
+
+<file path=ppt/slides/slide16.xml><?xml version="1.0" encoding="utf-8"?>
+<p:sld xmlns:a="http://schemas.openxmlformats.org/drawingml/2006/main" xmlns:r="http://schemas.openxmlformats.org/officeDocument/2006/relationships" xmlns:p="http://schemas.openxmlformats.org/presentationml/2006/main">
+  <p:cSld>
+    <p:spTree>
+      <p:nvGrpSpPr>
+        <p:cNvPr id="1" name=""/>
+        <p:cNvGrpSpPr/>
+        <p:nvPr/>
+      </p:nvGrpSpPr>
+      <p:grpSpPr>
+        <a:xfrm>
+          <a:off x="0" y="0"/>
+          <a:ext cx="0" cy="0"/>
+          <a:chOff x="0" y="0"/>
+          <a:chExt cx="0" cy="0"/>
+        </a:xfrm>
+      </p:grpSpPr>
+      <p:sp>
+        <p:nvSpPr>
+          <p:cNvPr id="2" name="標題 1">
+            <a:extLst>
+              <a:ext uri="{FF2B5EF4-FFF2-40B4-BE49-F238E27FC236}">
+                <a16:creationId xmlns:a16="http://schemas.microsoft.com/office/drawing/2014/main" xmlns="" id="{6CBE39B6-A17F-469B-8AB3-7E8845EB1212}"/>
+              </a:ext>
+            </a:extLst>
+          </p:cNvPr>
+          <p:cNvSpPr>
+            <a:spLocks noGrp="1"/>
+          </p:cNvSpPr>
+          <p:nvPr>
+            <p:ph type="title"/>
+          </p:nvPr>
+        </p:nvSpPr>
+        <p:spPr/>
+        <p:txBody>
+          <a:bodyPr/>
+          <a:lstStyle/>
+          <a:p>
+            <a:r>
+              <a:rPr lang="zh-TW" altLang="en-US" dirty="0">
+                <a:latin typeface="Microsoft JhengHei Light" panose="020B0304030504040204" pitchFamily="34" charset="-120"/>
+                <a:ea typeface="Microsoft JhengHei Light" panose="020B0304030504040204" pitchFamily="34" charset="-120"/>
+              </a:rPr>
+              <a:t>多個停靠點路線規劃演算法</a:t>
+            </a:r>
+          </a:p>
+        </p:txBody>
+      </p:sp>
+      <p:sp>
+        <p:nvSpPr>
+          <p:cNvPr id="6" name="內容版面配置區 5">
+            <a:extLst>
+              <a:ext uri="{FF2B5EF4-FFF2-40B4-BE49-F238E27FC236}">
+                <a16:creationId xmlns:a16="http://schemas.microsoft.com/office/drawing/2014/main" xmlns="" id="{347B66DD-64E8-4379-BC43-6F36B450B10C}"/>
+              </a:ext>
+            </a:extLst>
+          </p:cNvPr>
+          <p:cNvSpPr txBox="1">
+            <a:spLocks/>
+          </p:cNvSpPr>
+          <p:nvPr/>
+        </p:nvSpPr>
+        <p:spPr>
+          <a:xfrm>
+            <a:off x="685801" y="2310445"/>
+            <a:ext cx="3030116" cy="3263504"/>
+          </a:xfrm>
+          <a:prstGeom prst="rect">
+            <a:avLst/>
+          </a:prstGeom>
+        </p:spPr>
+        <p:txBody>
+          <a:bodyPr>
+            <a:normAutofit/>
+          </a:bodyPr>
+          <a:lstStyle>
+            <a:lvl1pPr marL="365760" indent="-256032" algn="l" rtl="0" eaLnBrk="1" latinLnBrk="0" hangingPunct="1">
+              <a:spcBef>
+                <a:spcPts val="400"/>
+              </a:spcBef>
+              <a:spcAft>
+                <a:spcPts val="0"/>
+              </a:spcAft>
+              <a:buClr>
+                <a:schemeClr val="accent1"/>
+              </a:buClr>
+              <a:buSzPct val="68000"/>
+              <a:buFont typeface="Wingdings 3"/>
+              <a:buChar char=""/>
+              <a:defRPr kumimoji="0" sz="2700" kern="1200">
+                <a:solidFill>
+                  <a:schemeClr val="tx1"/>
+                </a:solidFill>
+                <a:latin typeface="+mn-lt"/>
+                <a:ea typeface="+mn-ea"/>
+                <a:cs typeface="+mn-cs"/>
+              </a:defRPr>
+            </a:lvl1pPr>
+            <a:lvl2pPr marL="621792" indent="-228600" algn="l" rtl="0" eaLnBrk="1" latinLnBrk="0" hangingPunct="1">
+              <a:spcBef>
+                <a:spcPts val="324"/>
+              </a:spcBef>
+              <a:buClr>
+                <a:schemeClr val="accent1"/>
+              </a:buClr>
+              <a:buFont typeface="Verdana"/>
+              <a:buChar char="◦"/>
+              <a:defRPr kumimoji="0" sz="2300" kern="1200">
+                <a:solidFill>
+                  <a:schemeClr val="tx1"/>
+                </a:solidFill>
+                <a:latin typeface="+mn-lt"/>
+                <a:ea typeface="+mn-ea"/>
+                <a:cs typeface="+mn-cs"/>
+              </a:defRPr>
+            </a:lvl2pPr>
+            <a:lvl3pPr marL="859536" indent="-228600" algn="l" rtl="0" eaLnBrk="1" latinLnBrk="0" hangingPunct="1">
+              <a:spcBef>
+                <a:spcPts val="350"/>
+              </a:spcBef>
+              <a:buClr>
+                <a:schemeClr val="accent2"/>
+              </a:buClr>
+              <a:buSzPct val="100000"/>
+              <a:buFont typeface="Wingdings 2"/>
+              <a:buChar char=""/>
+              <a:defRPr kumimoji="0" sz="2100" kern="1200">
+                <a:solidFill>
+                  <a:schemeClr val="tx1"/>
+                </a:solidFill>
+                <a:latin typeface="+mn-lt"/>
+                <a:ea typeface="+mn-ea"/>
+                <a:cs typeface="+mn-cs"/>
+              </a:defRPr>
+            </a:lvl3pPr>
+            <a:lvl4pPr marL="1143000" indent="-228600" algn="l" rtl="0" eaLnBrk="1" latinLnBrk="0" hangingPunct="1">
+              <a:spcBef>
+                <a:spcPts val="350"/>
+              </a:spcBef>
+              <a:buClr>
+                <a:schemeClr val="accent2"/>
+              </a:buClr>
+              <a:buFont typeface="Wingdings 2"/>
+              <a:buChar char=""/>
+              <a:defRPr kumimoji="0" sz="1900" kern="1200">
+                <a:solidFill>
+                  <a:schemeClr val="tx1"/>
+                </a:solidFill>
+                <a:latin typeface="+mn-lt"/>
+                <a:ea typeface="+mn-ea"/>
+                <a:cs typeface="+mn-cs"/>
+              </a:defRPr>
+            </a:lvl4pPr>
+            <a:lvl5pPr marL="1371600" indent="-228600" algn="l" rtl="0" eaLnBrk="1" latinLnBrk="0" hangingPunct="1">
+              <a:spcBef>
+                <a:spcPts val="350"/>
+              </a:spcBef>
+              <a:buClr>
+                <a:schemeClr val="accent2"/>
+              </a:buClr>
+              <a:buFont typeface="Wingdings 2"/>
+              <a:buChar char=""/>
+              <a:defRPr kumimoji="0" sz="1800" kern="1200">
+                <a:solidFill>
+                  <a:schemeClr val="tx1"/>
+                </a:solidFill>
+                <a:latin typeface="+mn-lt"/>
+                <a:ea typeface="+mn-ea"/>
+                <a:cs typeface="+mn-cs"/>
+              </a:defRPr>
+            </a:lvl5pPr>
+            <a:lvl6pPr marL="1600200" indent="-228600" algn="l" rtl="0" eaLnBrk="1" latinLnBrk="0" hangingPunct="1">
+              <a:spcBef>
+                <a:spcPts val="350"/>
+              </a:spcBef>
+              <a:buClr>
+                <a:schemeClr val="accent3"/>
+              </a:buClr>
+              <a:buFont typeface="Wingdings 2"/>
+              <a:buChar char=""/>
+              <a:defRPr kumimoji="0" sz="1800" kern="1200">
+                <a:solidFill>
+                  <a:schemeClr val="tx1"/>
+                </a:solidFill>
+                <a:latin typeface="+mn-lt"/>
+                <a:ea typeface="+mn-ea"/>
+                <a:cs typeface="+mn-cs"/>
+              </a:defRPr>
+            </a:lvl6pPr>
+            <a:lvl7pPr marL="1828800" indent="-228600" algn="l" rtl="0" eaLnBrk="1" latinLnBrk="0" hangingPunct="1">
+              <a:spcBef>
+                <a:spcPts val="350"/>
+              </a:spcBef>
+              <a:buClr>
+                <a:schemeClr val="accent3"/>
+              </a:buClr>
+              <a:buFont typeface="Wingdings 2"/>
+              <a:buChar char=""/>
+              <a:defRPr kumimoji="0" sz="1600" kern="1200">
+                <a:solidFill>
+                  <a:schemeClr val="tx1"/>
+                </a:solidFill>
+                <a:latin typeface="+mn-lt"/>
+                <a:ea typeface="+mn-ea"/>
+                <a:cs typeface="+mn-cs"/>
+              </a:defRPr>
+            </a:lvl7pPr>
+            <a:lvl8pPr marL="2057400" indent="-228600" algn="l" rtl="0" eaLnBrk="1" latinLnBrk="0" hangingPunct="1">
+              <a:spcBef>
+                <a:spcPts val="350"/>
+              </a:spcBef>
+              <a:buClr>
+                <a:schemeClr val="accent3"/>
+              </a:buClr>
+              <a:buFont typeface="Wingdings 2"/>
+              <a:buChar char=""/>
+              <a:defRPr kumimoji="0" sz="1600" kern="1200">
+                <a:solidFill>
+                  <a:schemeClr val="tx1"/>
+                </a:solidFill>
+                <a:latin typeface="+mn-lt"/>
+                <a:ea typeface="+mn-ea"/>
+                <a:cs typeface="+mn-cs"/>
+              </a:defRPr>
+            </a:lvl8pPr>
+            <a:lvl9pPr marL="2286000" indent="-228600" algn="l" rtl="0" eaLnBrk="1" latinLnBrk="0" hangingPunct="1">
+              <a:spcBef>
+                <a:spcPts val="350"/>
+              </a:spcBef>
+              <a:buClr>
+                <a:schemeClr val="accent3"/>
+              </a:buClr>
+              <a:buFont typeface="Wingdings 2"/>
+              <a:buChar char=""/>
+              <a:defRPr kumimoji="0" sz="1600" kern="1200" baseline="0">
+                <a:solidFill>
+                  <a:schemeClr val="tx1"/>
+                </a:solidFill>
+                <a:latin typeface="+mn-lt"/>
+                <a:ea typeface="+mn-ea"/>
+                <a:cs typeface="+mn-cs"/>
+              </a:defRPr>
+            </a:lvl9pPr>
+            <a:extLst/>
+          </a:lstStyle>
+          <a:p>
+            <a:endParaRPr lang="zh-TW" altLang="en-US" dirty="0">
+              <a:latin typeface="Microsoft JhengHei Light" panose="020B0304030504040204" pitchFamily="34" charset="-120"/>
+              <a:ea typeface="Microsoft JhengHei Light" panose="020B0304030504040204" pitchFamily="34" charset="-120"/>
+            </a:endParaRPr>
+          </a:p>
+        </p:txBody>
+      </p:sp>
+      <p:sp>
+        <p:nvSpPr>
+          <p:cNvPr id="4" name="內容版面配置區 3">
+            <a:extLst>
+              <a:ext uri="{FF2B5EF4-FFF2-40B4-BE49-F238E27FC236}">
+                <a16:creationId xmlns:a16="http://schemas.microsoft.com/office/drawing/2014/main" xmlns="" id="{FF361C71-184D-4DB3-B4D4-FF89187ADBDA}"/>
+              </a:ext>
+            </a:extLst>
+          </p:cNvPr>
+          <p:cNvSpPr>
+            <a:spLocks noGrp="1"/>
+          </p:cNvSpPr>
+          <p:nvPr>
+            <p:ph idx="1"/>
+          </p:nvPr>
+        </p:nvSpPr>
+        <p:spPr>
+          <a:xfrm>
+            <a:off x="457200" y="1481328"/>
+            <a:ext cx="2818656" cy="4900000"/>
+          </a:xfrm>
+        </p:spPr>
+        <p:txBody>
+          <a:bodyPr>
+            <a:normAutofit fontScale="92500" lnSpcReduction="10000"/>
+          </a:bodyPr>
+          <a:lstStyle/>
+          <a:p>
+            <a:r>
+              <a:rPr lang="zh-TW" altLang="en-US" dirty="0"/>
+              <a:t>函式</a:t>
+            </a:r>
+            <a:r>
+              <a:rPr lang="en-US" altLang="zh-TW" dirty="0"/>
+              <a:t>Distance</a:t>
+            </a:r>
+            <a:r>
+              <a:rPr lang="zh-TW" altLang="en-US" dirty="0"/>
+              <a:t>用來計算兩點間距離；一樣使用</a:t>
+            </a:r>
+            <a:r>
+              <a:rPr lang="en-US" altLang="zh-TW" dirty="0"/>
+              <a:t>Maps JS API</a:t>
+            </a:r>
+            <a:r>
+              <a:rPr lang="zh-TW" altLang="en-US" dirty="0"/>
+              <a:t>來獲得距離資訊。</a:t>
+            </a:r>
+            <a:endParaRPr lang="en-US" altLang="zh-TW" dirty="0"/>
+          </a:p>
+          <a:p>
+            <a:r>
+              <a:rPr lang="zh-TW" altLang="en-US" dirty="0"/>
+              <a:t>值得一提的是，須將算出來的距離再傳入另一個函式做比較，因為距離資訊一直被</a:t>
+            </a:r>
+            <a:r>
+              <a:rPr lang="en-US" altLang="zh-TW" dirty="0"/>
+              <a:t>API</a:t>
+            </a:r>
+            <a:r>
+              <a:rPr lang="zh-TW" altLang="en-US" dirty="0"/>
+              <a:t>函式外宣告的變數存取失敗。</a:t>
+            </a:r>
+            <a:endParaRPr lang="en-US" altLang="zh-TW" dirty="0"/>
+          </a:p>
+        </p:txBody>
+      </p:sp>
+      <p:pic>
+        <p:nvPicPr>
+          <p:cNvPr id="10" name="圖片 9">
+            <a:extLst>
+              <a:ext uri="{FF2B5EF4-FFF2-40B4-BE49-F238E27FC236}">
+                <a16:creationId xmlns:a16="http://schemas.microsoft.com/office/drawing/2014/main" xmlns="" id="{D6447524-7B63-4C86-A43E-E9B3BD87E0A7}"/>
+              </a:ext>
+            </a:extLst>
+          </p:cNvPr>
+          <p:cNvPicPr>
+            <a:picLocks noChangeAspect="1"/>
+          </p:cNvPicPr>
+          <p:nvPr/>
+        </p:nvPicPr>
+        <p:blipFill>
+          <a:blip r:embed="rId2"/>
+          <a:stretch>
+            <a:fillRect/>
+          </a:stretch>
+        </p:blipFill>
+        <p:spPr>
+          <a:xfrm>
+            <a:off x="3607643" y="1610275"/>
+            <a:ext cx="5044877" cy="4663844"/>
+          </a:xfrm>
+          <a:prstGeom prst="rect">
+            <a:avLst/>
+          </a:prstGeom>
+        </p:spPr>
+      </p:pic>
+      <p:sp>
+        <p:nvSpPr>
+          <p:cNvPr id="11" name="文字方塊 10">
+            <a:extLst>
+              <a:ext uri="{FF2B5EF4-FFF2-40B4-BE49-F238E27FC236}">
+                <a16:creationId xmlns:a16="http://schemas.microsoft.com/office/drawing/2014/main" xmlns="" id="{6EEC909A-A67F-4D6C-92CE-23916281B2DD}"/>
+              </a:ext>
+            </a:extLst>
+          </p:cNvPr>
+          <p:cNvSpPr txBox="1"/>
+          <p:nvPr/>
+        </p:nvSpPr>
+        <p:spPr>
+          <a:xfrm>
+            <a:off x="4572000" y="3931328"/>
+            <a:ext cx="3526159" cy="307777"/>
+          </a:xfrm>
+          <a:prstGeom prst="rect">
+            <a:avLst/>
+          </a:prstGeom>
+          <a:noFill/>
+        </p:spPr>
+        <p:txBody>
+          <a:bodyPr wrap="square" rtlCol="0">
+            <a:spAutoFit/>
+          </a:bodyPr>
+          <a:lstStyle/>
+          <a:p>
+            <a:r>
+              <a:rPr lang="zh-TW" altLang="en-US" sz="1400" dirty="0">
+                <a:solidFill>
+                  <a:schemeClr val="bg1"/>
+                </a:solidFill>
+              </a:rPr>
+              <a:t>將兩點間距離和兩點的陣列</a:t>
+            </a:r>
+            <a:r>
+              <a:rPr lang="en-US" altLang="zh-TW" sz="1400" dirty="0">
+                <a:solidFill>
+                  <a:schemeClr val="bg1"/>
+                </a:solidFill>
+              </a:rPr>
+              <a:t>index</a:t>
+            </a:r>
+            <a:r>
+              <a:rPr lang="zh-TW" altLang="en-US" sz="1400" dirty="0">
+                <a:solidFill>
+                  <a:schemeClr val="bg1"/>
+                </a:solidFill>
+              </a:rPr>
+              <a:t>傳入函式</a:t>
+            </a:r>
+          </a:p>
+        </p:txBody>
+      </p:sp>
+      <p:sp>
+        <p:nvSpPr>
+          <p:cNvPr id="12" name="文字方塊 11">
+            <a:extLst>
+              <a:ext uri="{FF2B5EF4-FFF2-40B4-BE49-F238E27FC236}">
+                <a16:creationId xmlns:a16="http://schemas.microsoft.com/office/drawing/2014/main" xmlns="" id="{638B2C48-2585-4E45-B882-62DBB6F96740}"/>
+              </a:ext>
+            </a:extLst>
+          </p:cNvPr>
+          <p:cNvSpPr txBox="1"/>
+          <p:nvPr/>
+        </p:nvSpPr>
+        <p:spPr>
+          <a:xfrm>
+            <a:off x="5652120" y="5050729"/>
+            <a:ext cx="2921799" cy="523220"/>
+          </a:xfrm>
+          <a:prstGeom prst="rect">
+            <a:avLst/>
+          </a:prstGeom>
+          <a:noFill/>
+        </p:spPr>
+        <p:txBody>
+          <a:bodyPr wrap="square" rtlCol="0">
+            <a:spAutoFit/>
+          </a:bodyPr>
+          <a:lstStyle/>
+          <a:p>
+            <a:r>
+              <a:rPr lang="zh-TW" altLang="en-US" sz="1400" dirty="0">
+                <a:solidFill>
+                  <a:schemeClr val="bg1"/>
+                </a:solidFill>
+              </a:rPr>
+              <a:t>在函式</a:t>
+            </a:r>
+            <a:r>
+              <a:rPr lang="en-US" altLang="zh-TW" sz="1400" dirty="0" err="1">
+                <a:solidFill>
+                  <a:schemeClr val="bg1"/>
+                </a:solidFill>
+              </a:rPr>
+              <a:t>callBackDist</a:t>
+            </a:r>
+            <a:r>
+              <a:rPr lang="zh-TW" altLang="en-US" sz="1400" dirty="0">
+                <a:solidFill>
+                  <a:schemeClr val="bg1"/>
+                </a:solidFill>
+              </a:rPr>
+              <a:t>裡面比較距離，如果距離較長，則改變起點與終點</a:t>
+            </a:r>
+          </a:p>
+        </p:txBody>
+      </p:sp>
+    </p:spTree>
+    <p:extLst>
+      <p:ext uri="{BB962C8B-B14F-4D97-AF65-F5344CB8AC3E}">
+        <p14:creationId xmlns:p14="http://schemas.microsoft.com/office/powerpoint/2010/main" xmlns="" val="3854458665"/>
+      </p:ext>
+    </p:extLst>
+  </p:cSld>
+  <p:clrMapOvr>
+    <a:masterClrMapping/>
+  </p:clrMapOvr>
+</p:sld>
+</file>
+
+<file path=ppt/slides/slide17.xml><?xml version="1.0" encoding="utf-8"?>
+<p:sld xmlns:a="http://schemas.openxmlformats.org/drawingml/2006/main" xmlns:r="http://schemas.openxmlformats.org/officeDocument/2006/relationships" xmlns:p="http://schemas.openxmlformats.org/presentationml/2006/main">
+  <p:cSld>
+    <p:spTree>
+      <p:nvGrpSpPr>
+        <p:cNvPr id="1" name=""/>
+        <p:cNvGrpSpPr/>
+        <p:nvPr/>
+      </p:nvGrpSpPr>
+      <p:grpSpPr>
+        <a:xfrm>
+          <a:off x="0" y="0"/>
+          <a:ext cx="0" cy="0"/>
+          <a:chOff x="0" y="0"/>
+          <a:chExt cx="0" cy="0"/>
+        </a:xfrm>
+      </p:grpSpPr>
+      <p:sp>
+        <p:nvSpPr>
           <p:cNvPr id="2" name="內容版面配置區 1"/>
           <p:cNvSpPr>
             <a:spLocks noGrp="1"/>
@@ -5406,7 +6809,7 @@
           <a:lstStyle/>
           <a:p>
             <a:r>
-              <a:rPr lang="en-US" altLang="zh-TW" sz="2800" dirty="0" err="1"/>
+              <a:rPr lang="en-US" altLang="zh-TW" sz="2800" dirty="0"/>
               <a:t>Facebook</a:t>
             </a:r>
             <a:r>
@@ -7187,18 +8590,17 @@
               <a:t>attr</a:t>
             </a:r>
             <a:r>
-              <a:rPr lang="en-US" altLang="zh-TW" dirty="0" smtClean="0"/>
+              <a:rPr lang="en-US" altLang="zh-TW" dirty="0"/>
               <a:t>(“id”));//</a:t>
             </a:r>
             <a:r>
-              <a:rPr lang="zh-TW" altLang="en-US" dirty="0" smtClean="0"/>
+              <a:rPr lang="zh-TW" altLang="en-US" dirty="0"/>
               <a:t>取得當下</a:t>
             </a:r>
             <a:r>
-              <a:rPr lang="en-US" altLang="zh-TW" dirty="0" smtClean="0"/>
+              <a:rPr lang="en-US" altLang="zh-TW" dirty="0"/>
               <a:t>button ID</a:t>
             </a:r>
-            <a:endParaRPr lang="en-US" altLang="zh-TW" dirty="0"/>
           </a:p>
           <a:p>
             <a:r>
@@ -7207,58 +8609,33 @@
             </a:r>
             <a:r>
               <a:rPr lang="en-US" altLang="zh-TW" dirty="0"/>
-              <a:t> z = </a:t>
-            </a:r>
-            <a:r>
-              <a:rPr lang="en-US" altLang="zh-TW" dirty="0" smtClean="0"/>
-              <a:t>“p” </a:t>
+              <a:t> z = “p” + x; //div</a:t>
+            </a:r>
+            <a:r>
+              <a:rPr lang="zh-TW" altLang="en-US" dirty="0"/>
+              <a:t>的</a:t>
             </a:r>
             <a:r>
               <a:rPr lang="en-US" altLang="zh-TW" dirty="0"/>
-              <a:t>+ x</a:t>
-            </a:r>
-            <a:r>
-              <a:rPr lang="en-US" altLang="zh-TW" dirty="0" smtClean="0"/>
-              <a:t>; //di</a:t>
-            </a:r>
-            <a:r>
-              <a:rPr lang="en-US" altLang="zh-TW" dirty="0" smtClean="0"/>
-              <a:t>v</a:t>
-            </a:r>
-            <a:r>
-              <a:rPr lang="zh-TW" altLang="en-US" dirty="0" smtClean="0"/>
-              <a:t>的</a:t>
-            </a:r>
-            <a:r>
-              <a:rPr lang="en-US" altLang="zh-TW" dirty="0" smtClean="0"/>
               <a:t>id</a:t>
             </a:r>
-            <a:endParaRPr lang="en-US" altLang="zh-TW" dirty="0"/>
-          </a:p>
-          <a:p>
-            <a:r>
-              <a:rPr lang="en-US" altLang="zh-TW" dirty="0" smtClean="0"/>
-              <a:t>$(“#” </a:t>
-            </a:r>
+          </a:p>
+          <a:p>
             <a:r>
               <a:rPr lang="en-US" altLang="zh-TW" dirty="0"/>
-              <a:t>+ z).</a:t>
+              <a:t>$(“#” + z).</a:t>
             </a:r>
             <a:r>
               <a:rPr lang="en-US" altLang="zh-TW" dirty="0" err="1"/>
               <a:t>css</a:t>
             </a:r>
             <a:r>
-              <a:rPr lang="en-US" altLang="zh-TW" dirty="0" smtClean="0"/>
+              <a:rPr lang="en-US" altLang="zh-TW" dirty="0"/>
               <a:t>(“background-color”, “#F9836A”);//</a:t>
             </a:r>
             <a:r>
-              <a:rPr lang="zh-TW" altLang="en-US" dirty="0" smtClean="0"/>
-              <a:t>改變</a:t>
-            </a:r>
-            <a:r>
-              <a:rPr lang="zh-TW" altLang="en-US" dirty="0" smtClean="0"/>
-              <a:t>背景顏色</a:t>
+              <a:rPr lang="zh-TW" altLang="en-US" dirty="0"/>
+              <a:t>改變背景顏色</a:t>
             </a:r>
             <a:endParaRPr lang="en-US" altLang="zh-TW" dirty="0"/>
           </a:p>
@@ -7387,26 +8764,25 @@
               <a:t>i</a:t>
             </a:r>
             <a:r>
-              <a:rPr lang="en-US" altLang="zh-TW" dirty="0" smtClean="0"/>
+              <a:rPr lang="en-US" altLang="zh-TW" dirty="0"/>
               <a:t>);//</a:t>
             </a:r>
             <a:r>
-              <a:rPr lang="zh-TW" altLang="en-US" dirty="0" smtClean="0"/>
+              <a:rPr lang="zh-TW" altLang="en-US" dirty="0"/>
               <a:t>取</a:t>
             </a:r>
             <a:r>
-              <a:rPr lang="en-US" altLang="zh-TW" dirty="0" err="1" smtClean="0"/>
+              <a:rPr lang="en-US" altLang="zh-TW" dirty="0" err="1"/>
               <a:t>localStorage</a:t>
             </a:r>
             <a:r>
-              <a:rPr lang="zh-TW" altLang="en-US" dirty="0" smtClean="0"/>
+              <a:rPr lang="zh-TW" altLang="en-US" dirty="0"/>
               <a:t>的</a:t>
             </a:r>
             <a:r>
-              <a:rPr lang="en-US" altLang="zh-TW" dirty="0" smtClean="0"/>
+              <a:rPr lang="en-US" altLang="zh-TW" dirty="0"/>
               <a:t>						key</a:t>
             </a:r>
-            <a:endParaRPr lang="en-US" altLang="zh-TW" dirty="0"/>
           </a:p>
           <a:p>
             <a:endParaRPr lang="en-US" altLang="zh-TW" dirty="0"/>
@@ -7433,29 +8809,29 @@
               <a:t>i</a:t>
             </a:r>
             <a:r>
-              <a:rPr lang="en-US" altLang="zh-TW" dirty="0" smtClean="0"/>
+              <a:rPr lang="en-US" altLang="zh-TW" dirty="0"/>
               <a:t>]);</a:t>
             </a:r>
           </a:p>
           <a:p>
             <a:r>
-              <a:rPr lang="en-US" altLang="zh-TW" dirty="0" smtClean="0"/>
+              <a:rPr lang="en-US" altLang="zh-TW" dirty="0"/>
               <a:t>//</a:t>
             </a:r>
             <a:r>
-              <a:rPr lang="zh-TW" altLang="en-US" dirty="0" smtClean="0"/>
+              <a:rPr lang="zh-TW" altLang="en-US" dirty="0"/>
               <a:t>取</a:t>
             </a:r>
             <a:r>
-              <a:rPr lang="en-US" altLang="zh-TW" dirty="0" smtClean="0"/>
+              <a:rPr lang="en-US" altLang="zh-TW" dirty="0"/>
               <a:t>key</a:t>
             </a:r>
             <a:r>
-              <a:rPr lang="zh-TW" altLang="en-US" dirty="0" smtClean="0"/>
+              <a:rPr lang="zh-TW" altLang="en-US" dirty="0"/>
               <a:t>的</a:t>
             </a:r>
             <a:r>
-              <a:rPr lang="en-US" altLang="zh-TW" dirty="0" smtClean="0"/>
+              <a:rPr lang="en-US" altLang="zh-TW" dirty="0"/>
               <a:t>value</a:t>
             </a:r>
           </a:p>
@@ -7464,12 +8840,8 @@
           </a:p>
           <a:p>
             <a:r>
-              <a:rPr lang="en-US" altLang="zh-TW" dirty="0" smtClean="0"/>
-              <a:t>$(</a:t>
-            </a:r>
-            <a:r>
               <a:rPr lang="en-US" altLang="zh-TW" dirty="0"/>
-              <a:t>tag[</a:t>
+              <a:t>$(tag[</a:t>
             </a:r>
             <a:r>
               <a:rPr lang="en-US" altLang="zh-TW" dirty="0" err="1"/>
@@ -7485,11 +8857,7 @@
             </a:r>
             <a:r>
               <a:rPr lang="en-US" altLang="zh-TW" dirty="0"/>
-              <a:t>("background-color", v</a:t>
-            </a:r>
-            <a:r>
-              <a:rPr lang="en-US" altLang="zh-TW" dirty="0" smtClean="0"/>
-              <a:t>);</a:t>
+              <a:t>("background-color", v);</a:t>
             </a:r>
             <a:endParaRPr lang="zh-TW" altLang="en-US" dirty="0"/>
           </a:p>
